--- a/images/Interface.pptx
+++ b/images/Interface.pptx
@@ -192,7 +192,8 @@
           <a:p>
             <a:fld id="{82F0264A-23A6-BC40-98A3-7DDA2846EEBF}" type="datetimeFigureOut">
               <a:rPr lang="fr-FR" smtClean="0"/>
-              <a:t>3/4/10</a:t>
+              <a:pPr/>
+              <a:t>4/15/10</a:t>
             </a:fld>
             <a:endParaRPr lang="fr-FR"/>
           </a:p>
@@ -353,6 +354,7 @@
           <a:p>
             <a:fld id="{77860CC0-5768-B342-B110-9D89855BB3A5}" type="slidenum">
               <a:rPr lang="fr-FR" smtClean="0"/>
+              <a:pPr/>
               <a:t>‹#›</a:t>
             </a:fld>
             <a:endParaRPr lang="fr-FR"/>
@@ -524,6 +526,7 @@
           <a:p>
             <a:fld id="{77860CC0-5768-B342-B110-9D89855BB3A5}" type="slidenum">
               <a:rPr lang="fr-FR" smtClean="0"/>
+              <a:pPr/>
               <a:t>1</a:t>
             </a:fld>
             <a:endParaRPr lang="fr-FR"/>
@@ -720,7 +723,7 @@
             <a:fld id="{DDDE5530-ADFD-604B-BFF4-8F690FCE6D76}" type="datetimeFigureOut">
               <a:rPr lang="fr-FR" smtClean="0"/>
               <a:pPr/>
-              <a:t>3/4/10</a:t>
+              <a:t>4/15/10</a:t>
             </a:fld>
             <a:endParaRPr lang="fr-FR"/>
           </a:p>
@@ -887,7 +890,7 @@
             <a:fld id="{DDDE5530-ADFD-604B-BFF4-8F690FCE6D76}" type="datetimeFigureOut">
               <a:rPr lang="fr-FR" smtClean="0"/>
               <a:pPr/>
-              <a:t>3/4/10</a:t>
+              <a:t>4/15/10</a:t>
             </a:fld>
             <a:endParaRPr lang="fr-FR"/>
           </a:p>
@@ -1064,7 +1067,7 @@
             <a:fld id="{DDDE5530-ADFD-604B-BFF4-8F690FCE6D76}" type="datetimeFigureOut">
               <a:rPr lang="fr-FR" smtClean="0"/>
               <a:pPr/>
-              <a:t>3/4/10</a:t>
+              <a:t>4/15/10</a:t>
             </a:fld>
             <a:endParaRPr lang="fr-FR"/>
           </a:p>
@@ -1231,7 +1234,7 @@
             <a:fld id="{DDDE5530-ADFD-604B-BFF4-8F690FCE6D76}" type="datetimeFigureOut">
               <a:rPr lang="fr-FR" smtClean="0"/>
               <a:pPr/>
-              <a:t>3/4/10</a:t>
+              <a:t>4/15/10</a:t>
             </a:fld>
             <a:endParaRPr lang="fr-FR"/>
           </a:p>
@@ -1474,7 +1477,7 @@
             <a:fld id="{DDDE5530-ADFD-604B-BFF4-8F690FCE6D76}" type="datetimeFigureOut">
               <a:rPr lang="fr-FR" smtClean="0"/>
               <a:pPr/>
-              <a:t>3/4/10</a:t>
+              <a:t>4/15/10</a:t>
             </a:fld>
             <a:endParaRPr lang="fr-FR"/>
           </a:p>
@@ -1759,7 +1762,7 @@
             <a:fld id="{DDDE5530-ADFD-604B-BFF4-8F690FCE6D76}" type="datetimeFigureOut">
               <a:rPr lang="fr-FR" smtClean="0"/>
               <a:pPr/>
-              <a:t>3/4/10</a:t>
+              <a:t>4/15/10</a:t>
             </a:fld>
             <a:endParaRPr lang="fr-FR"/>
           </a:p>
@@ -2178,7 +2181,7 @@
             <a:fld id="{DDDE5530-ADFD-604B-BFF4-8F690FCE6D76}" type="datetimeFigureOut">
               <a:rPr lang="fr-FR" smtClean="0"/>
               <a:pPr/>
-              <a:t>3/4/10</a:t>
+              <a:t>4/15/10</a:t>
             </a:fld>
             <a:endParaRPr lang="fr-FR"/>
           </a:p>
@@ -2293,7 +2296,7 @@
             <a:fld id="{DDDE5530-ADFD-604B-BFF4-8F690FCE6D76}" type="datetimeFigureOut">
               <a:rPr lang="fr-FR" smtClean="0"/>
               <a:pPr/>
-              <a:t>3/4/10</a:t>
+              <a:t>4/15/10</a:t>
             </a:fld>
             <a:endParaRPr lang="fr-FR"/>
           </a:p>
@@ -2385,7 +2388,7 @@
             <a:fld id="{DDDE5530-ADFD-604B-BFF4-8F690FCE6D76}" type="datetimeFigureOut">
               <a:rPr lang="fr-FR" smtClean="0"/>
               <a:pPr/>
-              <a:t>3/4/10</a:t>
+              <a:t>4/15/10</a:t>
             </a:fld>
             <a:endParaRPr lang="fr-FR"/>
           </a:p>
@@ -2659,7 +2662,7 @@
             <a:fld id="{DDDE5530-ADFD-604B-BFF4-8F690FCE6D76}" type="datetimeFigureOut">
               <a:rPr lang="fr-FR" smtClean="0"/>
               <a:pPr/>
-              <a:t>3/4/10</a:t>
+              <a:t>4/15/10</a:t>
             </a:fld>
             <a:endParaRPr lang="fr-FR"/>
           </a:p>
@@ -2909,7 +2912,7 @@
             <a:fld id="{DDDE5530-ADFD-604B-BFF4-8F690FCE6D76}" type="datetimeFigureOut">
               <a:rPr lang="fr-FR" smtClean="0"/>
               <a:pPr/>
-              <a:t>3/4/10</a:t>
+              <a:t>4/15/10</a:t>
             </a:fld>
             <a:endParaRPr lang="fr-FR"/>
           </a:p>
@@ -3119,7 +3122,7 @@
             <a:fld id="{DDDE5530-ADFD-604B-BFF4-8F690FCE6D76}" type="datetimeFigureOut">
               <a:rPr lang="fr-FR" smtClean="0"/>
               <a:pPr/>
-              <a:t>3/4/10</a:t>
+              <a:t>4/15/10</a:t>
             </a:fld>
             <a:endParaRPr lang="fr-FR"/>
           </a:p>
@@ -3490,3276 +3493,2845 @@
           <a:chExt cx="0" cy="0"/>
         </a:xfrm>
       </p:grpSpPr>
+      <p:sp>
+        <p:nvSpPr>
+          <p:cNvPr id="296" name="Rectangle 295"/>
+          <p:cNvSpPr/>
+          <p:nvPr/>
+        </p:nvSpPr>
+        <p:spPr>
+          <a:xfrm>
+            <a:off x="2753549" y="711213"/>
+            <a:ext cx="2916000" cy="2131970"/>
+          </a:xfrm>
+          <a:prstGeom prst="rect">
+            <a:avLst/>
+          </a:prstGeom>
+          <a:solidFill>
+            <a:schemeClr val="bg1"/>
+          </a:solidFill>
+          <a:ln w="3175" cap="flat" cmpd="sng" algn="ctr">
+            <a:solidFill>
+              <a:schemeClr val="tx1"/>
+            </a:solidFill>
+            <a:prstDash val="solid"/>
+            <a:round/>
+            <a:headEnd type="none" w="med" len="med"/>
+            <a:tailEnd type="none" w="med" len="med"/>
+          </a:ln>
+        </p:spPr>
+        <p:style>
+          <a:lnRef idx="2">
+            <a:schemeClr val="accent4"/>
+          </a:lnRef>
+          <a:fillRef idx="1">
+            <a:schemeClr val="lt1"/>
+          </a:fillRef>
+          <a:effectRef idx="0">
+            <a:schemeClr val="accent4"/>
+          </a:effectRef>
+          <a:fontRef idx="minor">
+            <a:schemeClr val="dk1"/>
+          </a:fontRef>
+        </p:style>
+        <p:txBody>
+          <a:bodyPr rtlCol="0" anchor="ctr"/>
+          <a:lstStyle/>
+          <a:p>
+            <a:pPr algn="ctr"/>
+            <a:endParaRPr lang="fr-FR"/>
+          </a:p>
+        </p:txBody>
+      </p:sp>
+      <p:sp>
+        <p:nvSpPr>
+          <p:cNvPr id="61" name="Rectangle 60"/>
+          <p:cNvSpPr/>
+          <p:nvPr/>
+        </p:nvSpPr>
+        <p:spPr>
+          <a:xfrm>
+            <a:off x="95700" y="553642"/>
+            <a:ext cx="2916000" cy="2131970"/>
+          </a:xfrm>
+          <a:prstGeom prst="rect">
+            <a:avLst/>
+          </a:prstGeom>
+          <a:solidFill>
+            <a:schemeClr val="bg1"/>
+          </a:solidFill>
+          <a:ln w="3175" cap="flat" cmpd="sng" algn="ctr">
+            <a:solidFill>
+              <a:schemeClr val="tx1"/>
+            </a:solidFill>
+            <a:prstDash val="solid"/>
+            <a:round/>
+            <a:headEnd type="none" w="med" len="med"/>
+            <a:tailEnd type="none" w="med" len="med"/>
+          </a:ln>
+        </p:spPr>
+        <p:style>
+          <a:lnRef idx="2">
+            <a:schemeClr val="accent4"/>
+          </a:lnRef>
+          <a:fillRef idx="1">
+            <a:schemeClr val="lt1"/>
+          </a:fillRef>
+          <a:effectRef idx="0">
+            <a:schemeClr val="accent4"/>
+          </a:effectRef>
+          <a:fontRef idx="minor">
+            <a:schemeClr val="dk1"/>
+          </a:fontRef>
+        </p:style>
+        <p:txBody>
+          <a:bodyPr rtlCol="0" anchor="ctr"/>
+          <a:lstStyle/>
+          <a:p>
+            <a:pPr algn="ctr"/>
+            <a:endParaRPr lang="fr-FR"/>
+          </a:p>
+        </p:txBody>
+      </p:sp>
+      <p:sp>
+        <p:nvSpPr>
+          <p:cNvPr id="10" name="TextBox 9"/>
+          <p:cNvSpPr txBox="1"/>
+          <p:nvPr/>
+        </p:nvSpPr>
+        <p:spPr>
+          <a:xfrm>
+            <a:off x="0" y="711213"/>
+            <a:ext cx="1222404" cy="307777"/>
+          </a:xfrm>
+          <a:prstGeom prst="rect">
+            <a:avLst/>
+          </a:prstGeom>
+          <a:noFill/>
+        </p:spPr>
+        <p:txBody>
+          <a:bodyPr wrap="square" rtlCol="0">
+            <a:spAutoFit/>
+          </a:bodyPr>
+          <a:lstStyle/>
+          <a:p>
+            <a:r>
+              <a:rPr lang="fr-FR" sz="1400" dirty="0" smtClean="0">
+                <a:latin typeface="+mj-lt"/>
+              </a:rPr>
+              <a:t>Distance :</a:t>
+            </a:r>
+            <a:endParaRPr lang="fr-FR" sz="1400" dirty="0">
+              <a:latin typeface="+mj-lt"/>
+            </a:endParaRPr>
+          </a:p>
+        </p:txBody>
+      </p:sp>
+      <p:sp>
+        <p:nvSpPr>
+          <p:cNvPr id="11" name="TextBox 10"/>
+          <p:cNvSpPr txBox="1"/>
+          <p:nvPr/>
+        </p:nvSpPr>
+        <p:spPr>
+          <a:xfrm>
+            <a:off x="11340" y="1232945"/>
+            <a:ext cx="1070004" cy="307777"/>
+          </a:xfrm>
+          <a:prstGeom prst="rect">
+            <a:avLst/>
+          </a:prstGeom>
+          <a:noFill/>
+        </p:spPr>
+        <p:txBody>
+          <a:bodyPr wrap="square" rtlCol="0">
+            <a:spAutoFit/>
+          </a:bodyPr>
+          <a:lstStyle/>
+          <a:p>
+            <a:r>
+              <a:rPr lang="fr-FR" sz="1400" dirty="0" smtClean="0"/>
+              <a:t>Sécurité :</a:t>
+            </a:r>
+            <a:endParaRPr lang="fr-FR" sz="1400" dirty="0"/>
+          </a:p>
+        </p:txBody>
+      </p:sp>
+      <p:pic>
+        <p:nvPicPr>
+          <p:cNvPr id="14" name="Picture 13" descr="fond_barre.png"/>
+          <p:cNvPicPr>
+            <a:picLocks noChangeAspect="1"/>
+          </p:cNvPicPr>
+          <p:nvPr/>
+        </p:nvPicPr>
+        <p:blipFill>
+          <a:blip r:embed="rId3"/>
+          <a:stretch>
+            <a:fillRect/>
+          </a:stretch>
+        </p:blipFill>
+        <p:spPr>
+          <a:xfrm>
+            <a:off x="916224" y="711213"/>
+            <a:ext cx="2093215" cy="381000"/>
+          </a:xfrm>
+          <a:prstGeom prst="rect">
+            <a:avLst/>
+          </a:prstGeom>
+        </p:spPr>
+      </p:pic>
+      <p:pic>
+        <p:nvPicPr>
+          <p:cNvPr id="15" name="Picture 14" descr="rond.png"/>
+          <p:cNvPicPr>
+            <a:picLocks noChangeAspect="1"/>
+          </p:cNvPicPr>
+          <p:nvPr/>
+        </p:nvPicPr>
+        <p:blipFill>
+          <a:blip r:embed="rId4"/>
+          <a:stretch>
+            <a:fillRect/>
+          </a:stretch>
+        </p:blipFill>
+        <p:spPr>
+          <a:xfrm flipH="1" flipV="1">
+            <a:off x="963164" y="810197"/>
+            <a:ext cx="198000" cy="198000"/>
+          </a:xfrm>
+          <a:prstGeom prst="rect">
+            <a:avLst/>
+          </a:prstGeom>
+        </p:spPr>
+      </p:pic>
+      <p:pic>
+        <p:nvPicPr>
+          <p:cNvPr id="71" name="Picture 70" descr="rond.png"/>
+          <p:cNvPicPr>
+            <a:picLocks noChangeAspect="1"/>
+          </p:cNvPicPr>
+          <p:nvPr/>
+        </p:nvPicPr>
+        <p:blipFill>
+          <a:blip r:embed="rId4"/>
+          <a:stretch>
+            <a:fillRect/>
+          </a:stretch>
+        </p:blipFill>
+        <p:spPr>
+          <a:xfrm flipH="1" flipV="1">
+            <a:off x="1160924" y="815177"/>
+            <a:ext cx="198000" cy="198000"/>
+          </a:xfrm>
+          <a:prstGeom prst="rect">
+            <a:avLst/>
+          </a:prstGeom>
+        </p:spPr>
+      </p:pic>
+      <p:pic>
+        <p:nvPicPr>
+          <p:cNvPr id="72" name="Picture 71" descr="rond.png"/>
+          <p:cNvPicPr>
+            <a:picLocks noChangeAspect="1"/>
+          </p:cNvPicPr>
+          <p:nvPr/>
+        </p:nvPicPr>
+        <p:blipFill>
+          <a:blip r:embed="rId4"/>
+          <a:stretch>
+            <a:fillRect/>
+          </a:stretch>
+        </p:blipFill>
+        <p:spPr>
+          <a:xfrm flipH="1" flipV="1">
+            <a:off x="1358924" y="810197"/>
+            <a:ext cx="198000" cy="198000"/>
+          </a:xfrm>
+          <a:prstGeom prst="rect">
+            <a:avLst/>
+          </a:prstGeom>
+        </p:spPr>
+      </p:pic>
+      <p:pic>
+        <p:nvPicPr>
+          <p:cNvPr id="73" name="Picture 72" descr="rond.png"/>
+          <p:cNvPicPr>
+            <a:picLocks noChangeAspect="1"/>
+          </p:cNvPicPr>
+          <p:nvPr/>
+        </p:nvPicPr>
+        <p:blipFill>
+          <a:blip r:embed="rId4"/>
+          <a:stretch>
+            <a:fillRect/>
+          </a:stretch>
+        </p:blipFill>
+        <p:spPr>
+          <a:xfrm flipH="1" flipV="1">
+            <a:off x="1556924" y="809650"/>
+            <a:ext cx="198000" cy="198000"/>
+          </a:xfrm>
+          <a:prstGeom prst="rect">
+            <a:avLst/>
+          </a:prstGeom>
+        </p:spPr>
+      </p:pic>
+      <p:pic>
+        <p:nvPicPr>
+          <p:cNvPr id="74" name="Picture 73" descr="rond.png"/>
+          <p:cNvPicPr>
+            <a:picLocks noChangeAspect="1"/>
+          </p:cNvPicPr>
+          <p:nvPr/>
+        </p:nvPicPr>
+        <p:blipFill>
+          <a:blip r:embed="rId4"/>
+          <a:stretch>
+            <a:fillRect/>
+          </a:stretch>
+        </p:blipFill>
+        <p:spPr>
+          <a:xfrm flipH="1" flipV="1">
+            <a:off x="1743344" y="805217"/>
+            <a:ext cx="198000" cy="198000"/>
+          </a:xfrm>
+          <a:prstGeom prst="rect">
+            <a:avLst/>
+          </a:prstGeom>
+        </p:spPr>
+      </p:pic>
+      <p:pic>
+        <p:nvPicPr>
+          <p:cNvPr id="75" name="Picture 74" descr="rond.png"/>
+          <p:cNvPicPr>
+            <a:picLocks noChangeAspect="1"/>
+          </p:cNvPicPr>
+          <p:nvPr/>
+        </p:nvPicPr>
+        <p:blipFill>
+          <a:blip r:embed="rId4"/>
+          <a:stretch>
+            <a:fillRect/>
+          </a:stretch>
+        </p:blipFill>
+        <p:spPr>
+          <a:xfrm flipH="1" flipV="1">
+            <a:off x="1929764" y="810197"/>
+            <a:ext cx="198000" cy="198000"/>
+          </a:xfrm>
+          <a:prstGeom prst="rect">
+            <a:avLst/>
+          </a:prstGeom>
+        </p:spPr>
+      </p:pic>
+      <p:pic>
+        <p:nvPicPr>
+          <p:cNvPr id="76" name="Picture 75" descr="rond.png"/>
+          <p:cNvPicPr>
+            <a:picLocks noChangeAspect="1"/>
+          </p:cNvPicPr>
+          <p:nvPr/>
+        </p:nvPicPr>
+        <p:blipFill>
+          <a:blip r:embed="rId4"/>
+          <a:stretch>
+            <a:fillRect/>
+          </a:stretch>
+        </p:blipFill>
+        <p:spPr>
+          <a:xfrm flipH="1" flipV="1">
+            <a:off x="2127764" y="800237"/>
+            <a:ext cx="198000" cy="198000"/>
+          </a:xfrm>
+          <a:prstGeom prst="rect">
+            <a:avLst/>
+          </a:prstGeom>
+        </p:spPr>
+      </p:pic>
+      <p:pic>
+        <p:nvPicPr>
+          <p:cNvPr id="77" name="Picture 76" descr="rond.png"/>
+          <p:cNvPicPr>
+            <a:picLocks noChangeAspect="1"/>
+          </p:cNvPicPr>
+          <p:nvPr/>
+        </p:nvPicPr>
+        <p:blipFill>
+          <a:blip r:embed="rId4"/>
+          <a:stretch>
+            <a:fillRect/>
+          </a:stretch>
+        </p:blipFill>
+        <p:spPr>
+          <a:xfrm flipH="1" flipV="1">
+            <a:off x="2314184" y="805217"/>
+            <a:ext cx="198000" cy="198000"/>
+          </a:xfrm>
+          <a:prstGeom prst="rect">
+            <a:avLst/>
+          </a:prstGeom>
+        </p:spPr>
+      </p:pic>
+      <p:pic>
+        <p:nvPicPr>
+          <p:cNvPr id="78" name="Picture 77" descr="rond.png"/>
+          <p:cNvPicPr>
+            <a:picLocks noChangeAspect="1"/>
+          </p:cNvPicPr>
+          <p:nvPr/>
+        </p:nvPicPr>
+        <p:blipFill>
+          <a:blip r:embed="rId4"/>
+          <a:stretch>
+            <a:fillRect/>
+          </a:stretch>
+        </p:blipFill>
+        <p:spPr>
+          <a:xfrm flipH="1" flipV="1">
+            <a:off x="2512184" y="800237"/>
+            <a:ext cx="198000" cy="198000"/>
+          </a:xfrm>
+          <a:prstGeom prst="rect">
+            <a:avLst/>
+          </a:prstGeom>
+        </p:spPr>
+      </p:pic>
+      <p:pic>
+        <p:nvPicPr>
+          <p:cNvPr id="79" name="Picture 78" descr="rond.png"/>
+          <p:cNvPicPr>
+            <a:picLocks noChangeAspect="1"/>
+          </p:cNvPicPr>
+          <p:nvPr/>
+        </p:nvPicPr>
+        <p:blipFill>
+          <a:blip r:embed="rId4"/>
+          <a:stretch>
+            <a:fillRect/>
+          </a:stretch>
+        </p:blipFill>
+        <p:spPr>
+          <a:xfrm flipH="1" flipV="1">
+            <a:off x="2698604" y="805217"/>
+            <a:ext cx="198000" cy="198000"/>
+          </a:xfrm>
+          <a:prstGeom prst="rect">
+            <a:avLst/>
+          </a:prstGeom>
+        </p:spPr>
+      </p:pic>
+      <p:pic>
+        <p:nvPicPr>
+          <p:cNvPr id="80" name="Picture 79" descr="fond_barre.png"/>
+          <p:cNvPicPr>
+            <a:picLocks noChangeAspect="1"/>
+          </p:cNvPicPr>
+          <p:nvPr/>
+        </p:nvPicPr>
+        <p:blipFill>
+          <a:blip r:embed="rId3"/>
+          <a:stretch>
+            <a:fillRect/>
+          </a:stretch>
+        </p:blipFill>
+        <p:spPr>
+          <a:xfrm>
+            <a:off x="921204" y="1203813"/>
+            <a:ext cx="2093215" cy="381000"/>
+          </a:xfrm>
+          <a:prstGeom prst="rect">
+            <a:avLst/>
+          </a:prstGeom>
+        </p:spPr>
+      </p:pic>
+      <p:pic>
+        <p:nvPicPr>
+          <p:cNvPr id="81" name="Picture 80" descr="rond.png"/>
+          <p:cNvPicPr>
+            <a:picLocks noChangeAspect="1"/>
+          </p:cNvPicPr>
+          <p:nvPr/>
+        </p:nvPicPr>
+        <p:blipFill>
+          <a:blip r:embed="rId4"/>
+          <a:stretch>
+            <a:fillRect/>
+          </a:stretch>
+        </p:blipFill>
+        <p:spPr>
+          <a:xfrm flipH="1" flipV="1">
+            <a:off x="968144" y="1302797"/>
+            <a:ext cx="198000" cy="198000"/>
+          </a:xfrm>
+          <a:prstGeom prst="rect">
+            <a:avLst/>
+          </a:prstGeom>
+        </p:spPr>
+      </p:pic>
+      <p:pic>
+        <p:nvPicPr>
+          <p:cNvPr id="82" name="Picture 81" descr="rond.png"/>
+          <p:cNvPicPr>
+            <a:picLocks noChangeAspect="1"/>
+          </p:cNvPicPr>
+          <p:nvPr/>
+        </p:nvPicPr>
+        <p:blipFill>
+          <a:blip r:embed="rId4"/>
+          <a:stretch>
+            <a:fillRect/>
+          </a:stretch>
+        </p:blipFill>
+        <p:spPr>
+          <a:xfrm flipH="1" flipV="1">
+            <a:off x="1165904" y="1307777"/>
+            <a:ext cx="198000" cy="198000"/>
+          </a:xfrm>
+          <a:prstGeom prst="rect">
+            <a:avLst/>
+          </a:prstGeom>
+        </p:spPr>
+      </p:pic>
+      <p:pic>
+        <p:nvPicPr>
+          <p:cNvPr id="83" name="Picture 82" descr="rond.png"/>
+          <p:cNvPicPr>
+            <a:picLocks noChangeAspect="1"/>
+          </p:cNvPicPr>
+          <p:nvPr/>
+        </p:nvPicPr>
+        <p:blipFill>
+          <a:blip r:embed="rId4"/>
+          <a:stretch>
+            <a:fillRect/>
+          </a:stretch>
+        </p:blipFill>
+        <p:spPr>
+          <a:xfrm flipH="1" flipV="1">
+            <a:off x="1363904" y="1302797"/>
+            <a:ext cx="198000" cy="198000"/>
+          </a:xfrm>
+          <a:prstGeom prst="rect">
+            <a:avLst/>
+          </a:prstGeom>
+        </p:spPr>
+      </p:pic>
+      <p:pic>
+        <p:nvPicPr>
+          <p:cNvPr id="84" name="Picture 83" descr="rond.png"/>
+          <p:cNvPicPr>
+            <a:picLocks noChangeAspect="1"/>
+          </p:cNvPicPr>
+          <p:nvPr/>
+        </p:nvPicPr>
+        <p:blipFill>
+          <a:blip r:embed="rId4"/>
+          <a:stretch>
+            <a:fillRect/>
+          </a:stretch>
+        </p:blipFill>
+        <p:spPr>
+          <a:xfrm flipH="1" flipV="1">
+            <a:off x="1561904" y="1302250"/>
+            <a:ext cx="198000" cy="198000"/>
+          </a:xfrm>
+          <a:prstGeom prst="rect">
+            <a:avLst/>
+          </a:prstGeom>
+        </p:spPr>
+      </p:pic>
+      <p:pic>
+        <p:nvPicPr>
+          <p:cNvPr id="85" name="Picture 84" descr="rond.png"/>
+          <p:cNvPicPr>
+            <a:picLocks noChangeAspect="1"/>
+          </p:cNvPicPr>
+          <p:nvPr/>
+        </p:nvPicPr>
+        <p:blipFill>
+          <a:blip r:embed="rId4"/>
+          <a:stretch>
+            <a:fillRect/>
+          </a:stretch>
+        </p:blipFill>
+        <p:spPr>
+          <a:xfrm flipH="1" flipV="1">
+            <a:off x="1748324" y="1297817"/>
+            <a:ext cx="198000" cy="198000"/>
+          </a:xfrm>
+          <a:prstGeom prst="rect">
+            <a:avLst/>
+          </a:prstGeom>
+        </p:spPr>
+      </p:pic>
+      <p:pic>
+        <p:nvPicPr>
+          <p:cNvPr id="86" name="Picture 85" descr="rond.png"/>
+          <p:cNvPicPr>
+            <a:picLocks noChangeAspect="1"/>
+          </p:cNvPicPr>
+          <p:nvPr/>
+        </p:nvPicPr>
+        <p:blipFill>
+          <a:blip r:embed="rId4"/>
+          <a:stretch>
+            <a:fillRect/>
+          </a:stretch>
+        </p:blipFill>
+        <p:spPr>
+          <a:xfrm flipH="1" flipV="1">
+            <a:off x="1934744" y="1302797"/>
+            <a:ext cx="198000" cy="198000"/>
+          </a:xfrm>
+          <a:prstGeom prst="rect">
+            <a:avLst/>
+          </a:prstGeom>
+        </p:spPr>
+      </p:pic>
+      <p:pic>
+        <p:nvPicPr>
+          <p:cNvPr id="87" name="Picture 86" descr="rond.png"/>
+          <p:cNvPicPr>
+            <a:picLocks noChangeAspect="1"/>
+          </p:cNvPicPr>
+          <p:nvPr/>
+        </p:nvPicPr>
+        <p:blipFill>
+          <a:blip r:embed="rId4"/>
+          <a:stretch>
+            <a:fillRect/>
+          </a:stretch>
+        </p:blipFill>
+        <p:spPr>
+          <a:xfrm flipH="1" flipV="1">
+            <a:off x="2132744" y="1292837"/>
+            <a:ext cx="198000" cy="198000"/>
+          </a:xfrm>
+          <a:prstGeom prst="rect">
+            <a:avLst/>
+          </a:prstGeom>
+        </p:spPr>
+      </p:pic>
+      <p:pic>
+        <p:nvPicPr>
+          <p:cNvPr id="88" name="Picture 87" descr="rond.png"/>
+          <p:cNvPicPr>
+            <a:picLocks noChangeAspect="1"/>
+          </p:cNvPicPr>
+          <p:nvPr/>
+        </p:nvPicPr>
+        <p:blipFill>
+          <a:blip r:embed="rId4"/>
+          <a:stretch>
+            <a:fillRect/>
+          </a:stretch>
+        </p:blipFill>
+        <p:spPr>
+          <a:xfrm flipH="1" flipV="1">
+            <a:off x="2319164" y="1297817"/>
+            <a:ext cx="198000" cy="198000"/>
+          </a:xfrm>
+          <a:prstGeom prst="rect">
+            <a:avLst/>
+          </a:prstGeom>
+        </p:spPr>
+      </p:pic>
+      <p:pic>
+        <p:nvPicPr>
+          <p:cNvPr id="89" name="Picture 88" descr="rond.png"/>
+          <p:cNvPicPr>
+            <a:picLocks noChangeAspect="1"/>
+          </p:cNvPicPr>
+          <p:nvPr/>
+        </p:nvPicPr>
+        <p:blipFill>
+          <a:blip r:embed="rId4"/>
+          <a:stretch>
+            <a:fillRect/>
+          </a:stretch>
+        </p:blipFill>
+        <p:spPr>
+          <a:xfrm flipH="1" flipV="1">
+            <a:off x="2517164" y="1292837"/>
+            <a:ext cx="198000" cy="198000"/>
+          </a:xfrm>
+          <a:prstGeom prst="rect">
+            <a:avLst/>
+          </a:prstGeom>
+        </p:spPr>
+      </p:pic>
+      <p:pic>
+        <p:nvPicPr>
+          <p:cNvPr id="90" name="Picture 89" descr="rond.png"/>
+          <p:cNvPicPr>
+            <a:picLocks noChangeAspect="1"/>
+          </p:cNvPicPr>
+          <p:nvPr/>
+        </p:nvPicPr>
+        <p:blipFill>
+          <a:blip r:embed="rId4"/>
+          <a:stretch>
+            <a:fillRect/>
+          </a:stretch>
+        </p:blipFill>
+        <p:spPr>
+          <a:xfrm flipH="1" flipV="1">
+            <a:off x="2703584" y="1297817"/>
+            <a:ext cx="198000" cy="198000"/>
+          </a:xfrm>
+          <a:prstGeom prst="rect">
+            <a:avLst/>
+          </a:prstGeom>
+        </p:spPr>
+      </p:pic>
+      <p:pic>
+        <p:nvPicPr>
+          <p:cNvPr id="114" name="Picture 113" descr="rond2.png"/>
+          <p:cNvPicPr>
+            <a:picLocks noChangeAspect="1"/>
+          </p:cNvPicPr>
+          <p:nvPr/>
+        </p:nvPicPr>
+        <p:blipFill>
+          <a:blip r:embed="rId5"/>
+          <a:stretch>
+            <a:fillRect/>
+          </a:stretch>
+        </p:blipFill>
+        <p:spPr>
+          <a:xfrm>
+            <a:off x="1556684" y="809650"/>
+            <a:ext cx="198000" cy="198000"/>
+          </a:xfrm>
+          <a:prstGeom prst="rect">
+            <a:avLst/>
+          </a:prstGeom>
+        </p:spPr>
+      </p:pic>
+      <p:pic>
+        <p:nvPicPr>
+          <p:cNvPr id="115" name="Picture 114" descr="rond2.png"/>
+          <p:cNvPicPr>
+            <a:picLocks noChangeAspect="1"/>
+          </p:cNvPicPr>
+          <p:nvPr/>
+        </p:nvPicPr>
+        <p:blipFill>
+          <a:blip r:embed="rId5"/>
+          <a:stretch>
+            <a:fillRect/>
+          </a:stretch>
+        </p:blipFill>
+        <p:spPr>
+          <a:xfrm>
+            <a:off x="1353490" y="1296437"/>
+            <a:ext cx="198000" cy="198000"/>
+          </a:xfrm>
+          <a:prstGeom prst="rect">
+            <a:avLst/>
+          </a:prstGeom>
+        </p:spPr>
+      </p:pic>
+      <p:sp>
+        <p:nvSpPr>
+          <p:cNvPr id="119" name="TextBox 118"/>
+          <p:cNvSpPr txBox="1"/>
+          <p:nvPr/>
+        </p:nvSpPr>
+        <p:spPr>
+          <a:xfrm>
+            <a:off x="2957719" y="688533"/>
+            <a:ext cx="1222404" cy="307777"/>
+          </a:xfrm>
+          <a:prstGeom prst="rect">
+            <a:avLst/>
+          </a:prstGeom>
+          <a:noFill/>
+        </p:spPr>
+        <p:txBody>
+          <a:bodyPr wrap="square" rtlCol="0">
+            <a:spAutoFit/>
+          </a:bodyPr>
+          <a:lstStyle/>
+          <a:p>
+            <a:r>
+              <a:rPr lang="fr-FR" sz="1400" dirty="0" smtClean="0">
+                <a:latin typeface="+mj-lt"/>
+              </a:rPr>
+              <a:t>Distance :</a:t>
+            </a:r>
+            <a:endParaRPr lang="fr-FR" sz="1400" dirty="0">
+              <a:latin typeface="+mj-lt"/>
+            </a:endParaRPr>
+          </a:p>
+        </p:txBody>
+      </p:sp>
+      <p:sp>
+        <p:nvSpPr>
+          <p:cNvPr id="120" name="TextBox 119"/>
+          <p:cNvSpPr txBox="1"/>
+          <p:nvPr/>
+        </p:nvSpPr>
+        <p:spPr>
+          <a:xfrm>
+            <a:off x="2969059" y="1210265"/>
+            <a:ext cx="1070004" cy="307777"/>
+          </a:xfrm>
+          <a:prstGeom prst="rect">
+            <a:avLst/>
+          </a:prstGeom>
+          <a:noFill/>
+        </p:spPr>
+        <p:txBody>
+          <a:bodyPr wrap="square" rtlCol="0">
+            <a:spAutoFit/>
+          </a:bodyPr>
+          <a:lstStyle/>
+          <a:p>
+            <a:r>
+              <a:rPr lang="fr-FR" sz="1400" dirty="0" smtClean="0"/>
+              <a:t>Sécurité :</a:t>
+            </a:r>
+            <a:endParaRPr lang="fr-FR" sz="1400" dirty="0"/>
+          </a:p>
+        </p:txBody>
+      </p:sp>
+      <p:sp>
+        <p:nvSpPr>
+          <p:cNvPr id="121" name="TextBox 120"/>
+          <p:cNvSpPr txBox="1"/>
+          <p:nvPr/>
+        </p:nvSpPr>
+        <p:spPr>
+          <a:xfrm>
+            <a:off x="2985379" y="1697977"/>
+            <a:ext cx="1070004" cy="307777"/>
+          </a:xfrm>
+          <a:prstGeom prst="rect">
+            <a:avLst/>
+          </a:prstGeom>
+          <a:noFill/>
+        </p:spPr>
+        <p:txBody>
+          <a:bodyPr wrap="square" rtlCol="0">
+            <a:spAutoFit/>
+          </a:bodyPr>
+          <a:lstStyle/>
+          <a:p>
+            <a:r>
+              <a:rPr lang="fr-FR" sz="1400" dirty="0" smtClean="0"/>
+              <a:t>Effort :</a:t>
+            </a:r>
+            <a:endParaRPr lang="fr-FR" sz="1400" dirty="0"/>
+          </a:p>
+        </p:txBody>
+      </p:sp>
+      <p:sp>
+        <p:nvSpPr>
+          <p:cNvPr id="122" name="TextBox 121"/>
+          <p:cNvSpPr txBox="1"/>
+          <p:nvPr/>
+        </p:nvSpPr>
+        <p:spPr>
+          <a:xfrm>
+            <a:off x="2974038" y="2165989"/>
+            <a:ext cx="1314491" cy="307777"/>
+          </a:xfrm>
+          <a:prstGeom prst="rect">
+            <a:avLst/>
+          </a:prstGeom>
+          <a:noFill/>
+        </p:spPr>
+        <p:txBody>
+          <a:bodyPr wrap="square" rtlCol="0">
+            <a:spAutoFit/>
+          </a:bodyPr>
+          <a:lstStyle/>
+          <a:p>
+            <a:r>
+              <a:rPr lang="fr-FR" sz="1400" dirty="0" smtClean="0"/>
+              <a:t>Tourisme :</a:t>
+            </a:r>
+            <a:endParaRPr lang="fr-FR" sz="1400" dirty="0"/>
+          </a:p>
+        </p:txBody>
+      </p:sp>
+      <p:pic>
+        <p:nvPicPr>
+          <p:cNvPr id="123" name="Picture 122" descr="fond_barre.png"/>
+          <p:cNvPicPr>
+            <a:picLocks noChangeAspect="1"/>
+          </p:cNvPicPr>
+          <p:nvPr/>
+        </p:nvPicPr>
+        <p:blipFill>
+          <a:blip r:embed="rId3"/>
+          <a:stretch>
+            <a:fillRect/>
+          </a:stretch>
+        </p:blipFill>
+        <p:spPr>
+          <a:xfrm>
+            <a:off x="3885283" y="688533"/>
+            <a:ext cx="2093215" cy="381000"/>
+          </a:xfrm>
+          <a:prstGeom prst="rect">
+            <a:avLst/>
+          </a:prstGeom>
+        </p:spPr>
+      </p:pic>
+      <p:pic>
+        <p:nvPicPr>
+          <p:cNvPr id="124" name="Picture 123" descr="rond.png"/>
+          <p:cNvPicPr>
+            <a:picLocks noChangeAspect="1"/>
+          </p:cNvPicPr>
+          <p:nvPr/>
+        </p:nvPicPr>
+        <p:blipFill>
+          <a:blip r:embed="rId4"/>
+          <a:stretch>
+            <a:fillRect/>
+          </a:stretch>
+        </p:blipFill>
+        <p:spPr>
+          <a:xfrm flipH="1" flipV="1">
+            <a:off x="3920883" y="787517"/>
+            <a:ext cx="198000" cy="198000"/>
+          </a:xfrm>
+          <a:prstGeom prst="rect">
+            <a:avLst/>
+          </a:prstGeom>
+        </p:spPr>
+      </p:pic>
+      <p:pic>
+        <p:nvPicPr>
+          <p:cNvPr id="126" name="Picture 125" descr="rond.png"/>
+          <p:cNvPicPr>
+            <a:picLocks noChangeAspect="1"/>
+          </p:cNvPicPr>
+          <p:nvPr/>
+        </p:nvPicPr>
+        <p:blipFill>
+          <a:blip r:embed="rId4"/>
+          <a:stretch>
+            <a:fillRect/>
+          </a:stretch>
+        </p:blipFill>
+        <p:spPr>
+          <a:xfrm flipH="1" flipV="1">
+            <a:off x="4118643" y="792497"/>
+            <a:ext cx="198000" cy="198000"/>
+          </a:xfrm>
+          <a:prstGeom prst="rect">
+            <a:avLst/>
+          </a:prstGeom>
+        </p:spPr>
+      </p:pic>
+      <p:pic>
+        <p:nvPicPr>
+          <p:cNvPr id="127" name="Picture 126" descr="rond.png"/>
+          <p:cNvPicPr>
+            <a:picLocks noChangeAspect="1"/>
+          </p:cNvPicPr>
+          <p:nvPr/>
+        </p:nvPicPr>
+        <p:blipFill>
+          <a:blip r:embed="rId4"/>
+          <a:stretch>
+            <a:fillRect/>
+          </a:stretch>
+        </p:blipFill>
+        <p:spPr>
+          <a:xfrm flipH="1" flipV="1">
+            <a:off x="4316643" y="787517"/>
+            <a:ext cx="198000" cy="198000"/>
+          </a:xfrm>
+          <a:prstGeom prst="rect">
+            <a:avLst/>
+          </a:prstGeom>
+        </p:spPr>
+      </p:pic>
+      <p:pic>
+        <p:nvPicPr>
+          <p:cNvPr id="128" name="Picture 127" descr="rond.png"/>
+          <p:cNvPicPr>
+            <a:picLocks noChangeAspect="1"/>
+          </p:cNvPicPr>
+          <p:nvPr/>
+        </p:nvPicPr>
+        <p:blipFill>
+          <a:blip r:embed="rId4"/>
+          <a:stretch>
+            <a:fillRect/>
+          </a:stretch>
+        </p:blipFill>
+        <p:spPr>
+          <a:xfrm flipH="1" flipV="1">
+            <a:off x="4514643" y="786970"/>
+            <a:ext cx="198000" cy="198000"/>
+          </a:xfrm>
+          <a:prstGeom prst="rect">
+            <a:avLst/>
+          </a:prstGeom>
+        </p:spPr>
+      </p:pic>
+      <p:pic>
+        <p:nvPicPr>
+          <p:cNvPr id="130" name="Picture 129" descr="rond.png"/>
+          <p:cNvPicPr>
+            <a:picLocks noChangeAspect="1"/>
+          </p:cNvPicPr>
+          <p:nvPr/>
+        </p:nvPicPr>
+        <p:blipFill>
+          <a:blip r:embed="rId4"/>
+          <a:stretch>
+            <a:fillRect/>
+          </a:stretch>
+        </p:blipFill>
+        <p:spPr>
+          <a:xfrm flipH="1" flipV="1">
+            <a:off x="4887483" y="787517"/>
+            <a:ext cx="198000" cy="198000"/>
+          </a:xfrm>
+          <a:prstGeom prst="rect">
+            <a:avLst/>
+          </a:prstGeom>
+        </p:spPr>
+      </p:pic>
+      <p:pic>
+        <p:nvPicPr>
+          <p:cNvPr id="131" name="Picture 130" descr="rond.png"/>
+          <p:cNvPicPr>
+            <a:picLocks noChangeAspect="1"/>
+          </p:cNvPicPr>
+          <p:nvPr/>
+        </p:nvPicPr>
+        <p:blipFill>
+          <a:blip r:embed="rId4"/>
+          <a:stretch>
+            <a:fillRect/>
+          </a:stretch>
+        </p:blipFill>
+        <p:spPr>
+          <a:xfrm flipH="1" flipV="1">
+            <a:off x="5085483" y="777557"/>
+            <a:ext cx="198000" cy="198000"/>
+          </a:xfrm>
+          <a:prstGeom prst="rect">
+            <a:avLst/>
+          </a:prstGeom>
+        </p:spPr>
+      </p:pic>
+      <p:pic>
+        <p:nvPicPr>
+          <p:cNvPr id="132" name="Picture 131" descr="rond.png"/>
+          <p:cNvPicPr>
+            <a:picLocks noChangeAspect="1"/>
+          </p:cNvPicPr>
+          <p:nvPr/>
+        </p:nvPicPr>
+        <p:blipFill>
+          <a:blip r:embed="rId4"/>
+          <a:stretch>
+            <a:fillRect/>
+          </a:stretch>
+        </p:blipFill>
+        <p:spPr>
+          <a:xfrm flipH="1" flipV="1">
+            <a:off x="5271903" y="782537"/>
+            <a:ext cx="198000" cy="198000"/>
+          </a:xfrm>
+          <a:prstGeom prst="rect">
+            <a:avLst/>
+          </a:prstGeom>
+        </p:spPr>
+      </p:pic>
+      <p:pic>
+        <p:nvPicPr>
+          <p:cNvPr id="133" name="Picture 132" descr="rond.png"/>
+          <p:cNvPicPr>
+            <a:picLocks noChangeAspect="1"/>
+          </p:cNvPicPr>
+          <p:nvPr/>
+        </p:nvPicPr>
+        <p:blipFill>
+          <a:blip r:embed="rId4"/>
+          <a:stretch>
+            <a:fillRect/>
+          </a:stretch>
+        </p:blipFill>
+        <p:spPr>
+          <a:xfrm flipH="1" flipV="1">
+            <a:off x="5469903" y="777557"/>
+            <a:ext cx="198000" cy="198000"/>
+          </a:xfrm>
+          <a:prstGeom prst="rect">
+            <a:avLst/>
+          </a:prstGeom>
+        </p:spPr>
+      </p:pic>
+      <p:pic>
+        <p:nvPicPr>
+          <p:cNvPr id="134" name="Picture 133" descr="rond.png"/>
+          <p:cNvPicPr>
+            <a:picLocks noChangeAspect="1"/>
+          </p:cNvPicPr>
+          <p:nvPr/>
+        </p:nvPicPr>
+        <p:blipFill>
+          <a:blip r:embed="rId4"/>
+          <a:stretch>
+            <a:fillRect/>
+          </a:stretch>
+        </p:blipFill>
+        <p:spPr>
+          <a:xfrm flipH="1" flipV="1">
+            <a:off x="5656323" y="782537"/>
+            <a:ext cx="198000" cy="198000"/>
+          </a:xfrm>
+          <a:prstGeom prst="rect">
+            <a:avLst/>
+          </a:prstGeom>
+        </p:spPr>
+      </p:pic>
+      <p:pic>
+        <p:nvPicPr>
+          <p:cNvPr id="146" name="Picture 145" descr="fond_barre.png"/>
+          <p:cNvPicPr>
+            <a:picLocks noChangeAspect="1"/>
+          </p:cNvPicPr>
+          <p:nvPr/>
+        </p:nvPicPr>
+        <p:blipFill>
+          <a:blip r:embed="rId3"/>
+          <a:stretch>
+            <a:fillRect/>
+          </a:stretch>
+        </p:blipFill>
+        <p:spPr>
+          <a:xfrm>
+            <a:off x="2421188" y="3077273"/>
+            <a:ext cx="2093215" cy="381000"/>
+          </a:xfrm>
+          <a:prstGeom prst="rect">
+            <a:avLst/>
+          </a:prstGeom>
+        </p:spPr>
+      </p:pic>
+      <p:pic>
+        <p:nvPicPr>
+          <p:cNvPr id="157" name="Picture 156" descr="fond_barre.png"/>
+          <p:cNvPicPr>
+            <a:picLocks noChangeAspect="1"/>
+          </p:cNvPicPr>
+          <p:nvPr/>
+        </p:nvPicPr>
+        <p:blipFill>
+          <a:blip r:embed="rId3"/>
+          <a:stretch>
+            <a:fillRect/>
+          </a:stretch>
+        </p:blipFill>
+        <p:spPr>
+          <a:xfrm>
+            <a:off x="3901603" y="2156373"/>
+            <a:ext cx="2093215" cy="381000"/>
+          </a:xfrm>
+          <a:prstGeom prst="rect">
+            <a:avLst/>
+          </a:prstGeom>
+        </p:spPr>
+      </p:pic>
+      <p:pic>
+        <p:nvPicPr>
+          <p:cNvPr id="168" name="Picture 167" descr="rond2.png"/>
+          <p:cNvPicPr>
+            <a:picLocks noChangeAspect="1"/>
+          </p:cNvPicPr>
+          <p:nvPr/>
+        </p:nvPicPr>
+        <p:blipFill>
+          <a:blip r:embed="rId5"/>
+          <a:stretch>
+            <a:fillRect/>
+          </a:stretch>
+        </p:blipFill>
+        <p:spPr>
+          <a:xfrm>
+            <a:off x="4514403" y="786970"/>
+            <a:ext cx="198000" cy="198000"/>
+          </a:xfrm>
+          <a:prstGeom prst="rect">
+            <a:avLst/>
+          </a:prstGeom>
+        </p:spPr>
+      </p:pic>
+      <p:pic>
+        <p:nvPicPr>
+          <p:cNvPr id="283" name="Picture 282" descr="rond.png"/>
+          <p:cNvPicPr>
+            <a:picLocks noChangeAspect="1"/>
+          </p:cNvPicPr>
+          <p:nvPr/>
+        </p:nvPicPr>
+        <p:blipFill>
+          <a:blip r:embed="rId4"/>
+          <a:stretch>
+            <a:fillRect/>
+          </a:stretch>
+        </p:blipFill>
+        <p:spPr>
+          <a:xfrm flipH="1" flipV="1">
+            <a:off x="4519623" y="782537"/>
+            <a:ext cx="198000" cy="198000"/>
+          </a:xfrm>
+          <a:prstGeom prst="rect">
+            <a:avLst/>
+          </a:prstGeom>
+        </p:spPr>
+      </p:pic>
+      <p:sp>
+        <p:nvSpPr>
+          <p:cNvPr id="298" name="Rectangle 297"/>
+          <p:cNvSpPr/>
+          <p:nvPr/>
+        </p:nvSpPr>
+        <p:spPr>
+          <a:xfrm>
+            <a:off x="6042438" y="552735"/>
+            <a:ext cx="2916000" cy="2131970"/>
+          </a:xfrm>
+          <a:prstGeom prst="rect">
+            <a:avLst/>
+          </a:prstGeom>
+          <a:solidFill>
+            <a:schemeClr val="bg1"/>
+          </a:solidFill>
+          <a:ln w="3175" cap="flat" cmpd="sng" algn="ctr">
+            <a:solidFill>
+              <a:schemeClr val="tx1"/>
+            </a:solidFill>
+            <a:prstDash val="solid"/>
+            <a:round/>
+            <a:headEnd type="none" w="med" len="med"/>
+            <a:tailEnd type="none" w="med" len="med"/>
+          </a:ln>
+        </p:spPr>
+        <p:style>
+          <a:lnRef idx="2">
+            <a:schemeClr val="accent4"/>
+          </a:lnRef>
+          <a:fillRef idx="1">
+            <a:schemeClr val="lt1"/>
+          </a:fillRef>
+          <a:effectRef idx="0">
+            <a:schemeClr val="accent4"/>
+          </a:effectRef>
+          <a:fontRef idx="minor">
+            <a:schemeClr val="dk1"/>
+          </a:fontRef>
+        </p:style>
+        <p:txBody>
+          <a:bodyPr rtlCol="0" anchor="ctr"/>
+          <a:lstStyle/>
+          <a:p>
+            <a:pPr algn="ctr"/>
+            <a:endParaRPr lang="fr-FR"/>
+          </a:p>
+        </p:txBody>
+      </p:sp>
+      <p:sp>
+        <p:nvSpPr>
+          <p:cNvPr id="227" name="TextBox 226"/>
+          <p:cNvSpPr txBox="1"/>
+          <p:nvPr/>
+        </p:nvSpPr>
+        <p:spPr>
+          <a:xfrm>
+            <a:off x="6021139" y="711213"/>
+            <a:ext cx="1222404" cy="307777"/>
+          </a:xfrm>
+          <a:prstGeom prst="rect">
+            <a:avLst/>
+          </a:prstGeom>
+          <a:noFill/>
+        </p:spPr>
+        <p:txBody>
+          <a:bodyPr wrap="square" rtlCol="0">
+            <a:spAutoFit/>
+          </a:bodyPr>
+          <a:lstStyle/>
+          <a:p>
+            <a:r>
+              <a:rPr lang="fr-FR" sz="1400" dirty="0" smtClean="0">
+                <a:latin typeface="+mj-lt"/>
+              </a:rPr>
+              <a:t>Distance :</a:t>
+            </a:r>
+            <a:endParaRPr lang="fr-FR" sz="1400" dirty="0">
+              <a:latin typeface="+mj-lt"/>
+            </a:endParaRPr>
+          </a:p>
+        </p:txBody>
+      </p:sp>
+      <p:sp>
+        <p:nvSpPr>
+          <p:cNvPr id="228" name="TextBox 227"/>
+          <p:cNvSpPr txBox="1"/>
+          <p:nvPr/>
+        </p:nvSpPr>
+        <p:spPr>
+          <a:xfrm>
+            <a:off x="6032479" y="1232945"/>
+            <a:ext cx="1070004" cy="307777"/>
+          </a:xfrm>
+          <a:prstGeom prst="rect">
+            <a:avLst/>
+          </a:prstGeom>
+          <a:noFill/>
+        </p:spPr>
+        <p:txBody>
+          <a:bodyPr wrap="square" rtlCol="0">
+            <a:spAutoFit/>
+          </a:bodyPr>
+          <a:lstStyle/>
+          <a:p>
+            <a:r>
+              <a:rPr lang="fr-FR" sz="1400" dirty="0" smtClean="0"/>
+              <a:t>Sécurité :</a:t>
+            </a:r>
+            <a:endParaRPr lang="fr-FR" sz="1400" dirty="0"/>
+          </a:p>
+        </p:txBody>
+      </p:sp>
+      <p:sp>
+        <p:nvSpPr>
+          <p:cNvPr id="229" name="TextBox 228"/>
+          <p:cNvSpPr txBox="1"/>
+          <p:nvPr/>
+        </p:nvSpPr>
+        <p:spPr>
+          <a:xfrm>
+            <a:off x="6048799" y="1720657"/>
+            <a:ext cx="1070004" cy="307777"/>
+          </a:xfrm>
+          <a:prstGeom prst="rect">
+            <a:avLst/>
+          </a:prstGeom>
+          <a:noFill/>
+        </p:spPr>
+        <p:txBody>
+          <a:bodyPr wrap="square" rtlCol="0">
+            <a:spAutoFit/>
+          </a:bodyPr>
+          <a:lstStyle/>
+          <a:p>
+            <a:r>
+              <a:rPr lang="fr-FR" sz="1400" dirty="0" smtClean="0"/>
+              <a:t>Effort :</a:t>
+            </a:r>
+            <a:endParaRPr lang="fr-FR" sz="1400" dirty="0"/>
+          </a:p>
+        </p:txBody>
+      </p:sp>
+      <p:sp>
+        <p:nvSpPr>
+          <p:cNvPr id="230" name="TextBox 229"/>
+          <p:cNvSpPr txBox="1"/>
+          <p:nvPr/>
+        </p:nvSpPr>
+        <p:spPr>
+          <a:xfrm>
+            <a:off x="6037458" y="2188669"/>
+            <a:ext cx="1314491" cy="307777"/>
+          </a:xfrm>
+          <a:prstGeom prst="rect">
+            <a:avLst/>
+          </a:prstGeom>
+          <a:noFill/>
+        </p:spPr>
+        <p:txBody>
+          <a:bodyPr wrap="square" rtlCol="0">
+            <a:spAutoFit/>
+          </a:bodyPr>
+          <a:lstStyle/>
+          <a:p>
+            <a:r>
+              <a:rPr lang="fr-FR" sz="1400" dirty="0" smtClean="0"/>
+              <a:t>Tourisme :</a:t>
+            </a:r>
+            <a:endParaRPr lang="fr-FR" sz="1400" dirty="0"/>
+          </a:p>
+        </p:txBody>
+      </p:sp>
+      <p:pic>
+        <p:nvPicPr>
+          <p:cNvPr id="231" name="Picture 230" descr="fond_barre.png"/>
+          <p:cNvPicPr>
+            <a:picLocks noChangeAspect="1"/>
+          </p:cNvPicPr>
+          <p:nvPr/>
+        </p:nvPicPr>
+        <p:blipFill>
+          <a:blip r:embed="rId3"/>
+          <a:stretch>
+            <a:fillRect/>
+          </a:stretch>
+        </p:blipFill>
+        <p:spPr>
+          <a:xfrm>
+            <a:off x="6857983" y="711213"/>
+            <a:ext cx="2093215" cy="381000"/>
+          </a:xfrm>
+          <a:prstGeom prst="rect">
+            <a:avLst/>
+          </a:prstGeom>
+        </p:spPr>
+      </p:pic>
+      <p:pic>
+        <p:nvPicPr>
+          <p:cNvPr id="232" name="Picture 231" descr="rond.png"/>
+          <p:cNvPicPr>
+            <a:picLocks noChangeAspect="1"/>
+          </p:cNvPicPr>
+          <p:nvPr/>
+        </p:nvPicPr>
+        <p:blipFill>
+          <a:blip r:embed="rId4"/>
+          <a:stretch>
+            <a:fillRect/>
+          </a:stretch>
+        </p:blipFill>
+        <p:spPr>
+          <a:xfrm flipH="1" flipV="1">
+            <a:off x="6904923" y="810197"/>
+            <a:ext cx="198000" cy="198000"/>
+          </a:xfrm>
+          <a:prstGeom prst="rect">
+            <a:avLst/>
+          </a:prstGeom>
+        </p:spPr>
+      </p:pic>
+      <p:pic>
+        <p:nvPicPr>
+          <p:cNvPr id="234" name="Picture 233" descr="rond.png"/>
+          <p:cNvPicPr>
+            <a:picLocks noChangeAspect="1"/>
+          </p:cNvPicPr>
+          <p:nvPr/>
+        </p:nvPicPr>
+        <p:blipFill>
+          <a:blip r:embed="rId4"/>
+          <a:stretch>
+            <a:fillRect/>
+          </a:stretch>
+        </p:blipFill>
+        <p:spPr>
+          <a:xfrm flipH="1" flipV="1">
+            <a:off x="7102683" y="815177"/>
+            <a:ext cx="198000" cy="198000"/>
+          </a:xfrm>
+          <a:prstGeom prst="rect">
+            <a:avLst/>
+          </a:prstGeom>
+        </p:spPr>
+      </p:pic>
+      <p:pic>
+        <p:nvPicPr>
+          <p:cNvPr id="235" name="Picture 234" descr="rond.png"/>
+          <p:cNvPicPr>
+            <a:picLocks noChangeAspect="1"/>
+          </p:cNvPicPr>
+          <p:nvPr/>
+        </p:nvPicPr>
+        <p:blipFill>
+          <a:blip r:embed="rId4"/>
+          <a:stretch>
+            <a:fillRect/>
+          </a:stretch>
+        </p:blipFill>
+        <p:spPr>
+          <a:xfrm flipH="1" flipV="1">
+            <a:off x="7300683" y="810197"/>
+            <a:ext cx="198000" cy="198000"/>
+          </a:xfrm>
+          <a:prstGeom prst="rect">
+            <a:avLst/>
+          </a:prstGeom>
+        </p:spPr>
+      </p:pic>
+      <p:pic>
+        <p:nvPicPr>
+          <p:cNvPr id="236" name="Picture 235" descr="rond.png"/>
+          <p:cNvPicPr>
+            <a:picLocks noChangeAspect="1"/>
+          </p:cNvPicPr>
+          <p:nvPr/>
+        </p:nvPicPr>
+        <p:blipFill>
+          <a:blip r:embed="rId4"/>
+          <a:stretch>
+            <a:fillRect/>
+          </a:stretch>
+        </p:blipFill>
+        <p:spPr>
+          <a:xfrm flipH="1" flipV="1">
+            <a:off x="7498683" y="809650"/>
+            <a:ext cx="198000" cy="198000"/>
+          </a:xfrm>
+          <a:prstGeom prst="rect">
+            <a:avLst/>
+          </a:prstGeom>
+        </p:spPr>
+      </p:pic>
+      <p:pic>
+        <p:nvPicPr>
+          <p:cNvPr id="237" name="Picture 236" descr="rond.png"/>
+          <p:cNvPicPr>
+            <a:picLocks noChangeAspect="1"/>
+          </p:cNvPicPr>
+          <p:nvPr/>
+        </p:nvPicPr>
+        <p:blipFill>
+          <a:blip r:embed="rId4"/>
+          <a:stretch>
+            <a:fillRect/>
+          </a:stretch>
+        </p:blipFill>
+        <p:spPr>
+          <a:xfrm flipH="1" flipV="1">
+            <a:off x="7685103" y="805217"/>
+            <a:ext cx="198000" cy="198000"/>
+          </a:xfrm>
+          <a:prstGeom prst="rect">
+            <a:avLst/>
+          </a:prstGeom>
+        </p:spPr>
+      </p:pic>
+      <p:pic>
+        <p:nvPicPr>
+          <p:cNvPr id="238" name="Picture 237" descr="rond.png"/>
+          <p:cNvPicPr>
+            <a:picLocks noChangeAspect="1"/>
+          </p:cNvPicPr>
+          <p:nvPr/>
+        </p:nvPicPr>
+        <p:blipFill>
+          <a:blip r:embed="rId4"/>
+          <a:stretch>
+            <a:fillRect/>
+          </a:stretch>
+        </p:blipFill>
+        <p:spPr>
+          <a:xfrm flipH="1" flipV="1">
+            <a:off x="7871523" y="810197"/>
+            <a:ext cx="198000" cy="198000"/>
+          </a:xfrm>
+          <a:prstGeom prst="rect">
+            <a:avLst/>
+          </a:prstGeom>
+        </p:spPr>
+      </p:pic>
+      <p:pic>
+        <p:nvPicPr>
+          <p:cNvPr id="239" name="Picture 238" descr="rond.png"/>
+          <p:cNvPicPr>
+            <a:picLocks noChangeAspect="1"/>
+          </p:cNvPicPr>
+          <p:nvPr/>
+        </p:nvPicPr>
+        <p:blipFill>
+          <a:blip r:embed="rId4"/>
+          <a:stretch>
+            <a:fillRect/>
+          </a:stretch>
+        </p:blipFill>
+        <p:spPr>
+          <a:xfrm flipH="1" flipV="1">
+            <a:off x="8069523" y="800237"/>
+            <a:ext cx="198000" cy="198000"/>
+          </a:xfrm>
+          <a:prstGeom prst="rect">
+            <a:avLst/>
+          </a:prstGeom>
+        </p:spPr>
+      </p:pic>
+      <p:pic>
+        <p:nvPicPr>
+          <p:cNvPr id="240" name="Picture 239" descr="rond.png"/>
+          <p:cNvPicPr>
+            <a:picLocks noChangeAspect="1"/>
+          </p:cNvPicPr>
+          <p:nvPr/>
+        </p:nvPicPr>
+        <p:blipFill>
+          <a:blip r:embed="rId4"/>
+          <a:stretch>
+            <a:fillRect/>
+          </a:stretch>
+        </p:blipFill>
+        <p:spPr>
+          <a:xfrm flipH="1" flipV="1">
+            <a:off x="8255943" y="805217"/>
+            <a:ext cx="198000" cy="198000"/>
+          </a:xfrm>
+          <a:prstGeom prst="rect">
+            <a:avLst/>
+          </a:prstGeom>
+        </p:spPr>
+      </p:pic>
+      <p:pic>
+        <p:nvPicPr>
+          <p:cNvPr id="241" name="Picture 240" descr="rond.png"/>
+          <p:cNvPicPr>
+            <a:picLocks noChangeAspect="1"/>
+          </p:cNvPicPr>
+          <p:nvPr/>
+        </p:nvPicPr>
+        <p:blipFill>
+          <a:blip r:embed="rId4"/>
+          <a:stretch>
+            <a:fillRect/>
+          </a:stretch>
+        </p:blipFill>
+        <p:spPr>
+          <a:xfrm flipH="1" flipV="1">
+            <a:off x="8453943" y="800237"/>
+            <a:ext cx="198000" cy="198000"/>
+          </a:xfrm>
+          <a:prstGeom prst="rect">
+            <a:avLst/>
+          </a:prstGeom>
+        </p:spPr>
+      </p:pic>
+      <p:pic>
+        <p:nvPicPr>
+          <p:cNvPr id="242" name="Picture 241" descr="rond.png"/>
+          <p:cNvPicPr>
+            <a:picLocks noChangeAspect="1"/>
+          </p:cNvPicPr>
+          <p:nvPr/>
+        </p:nvPicPr>
+        <p:blipFill>
+          <a:blip r:embed="rId4"/>
+          <a:stretch>
+            <a:fillRect/>
+          </a:stretch>
+        </p:blipFill>
+        <p:spPr>
+          <a:xfrm flipH="1" flipV="1">
+            <a:off x="8640363" y="805217"/>
+            <a:ext cx="198000" cy="198000"/>
+          </a:xfrm>
+          <a:prstGeom prst="rect">
+            <a:avLst/>
+          </a:prstGeom>
+        </p:spPr>
+      </p:pic>
+      <p:pic>
+        <p:nvPicPr>
+          <p:cNvPr id="243" name="Picture 242" descr="fond_barre.png"/>
+          <p:cNvPicPr>
+            <a:picLocks noChangeAspect="1"/>
+          </p:cNvPicPr>
+          <p:nvPr/>
+        </p:nvPicPr>
+        <p:blipFill>
+          <a:blip r:embed="rId3"/>
+          <a:stretch>
+            <a:fillRect/>
+          </a:stretch>
+        </p:blipFill>
+        <p:spPr>
+          <a:xfrm>
+            <a:off x="6862963" y="1203813"/>
+            <a:ext cx="2093215" cy="381000"/>
+          </a:xfrm>
+          <a:prstGeom prst="rect">
+            <a:avLst/>
+          </a:prstGeom>
+        </p:spPr>
+      </p:pic>
+      <p:pic>
+        <p:nvPicPr>
+          <p:cNvPr id="244" name="Picture 243" descr="rond.png"/>
+          <p:cNvPicPr>
+            <a:picLocks noChangeAspect="1"/>
+          </p:cNvPicPr>
+          <p:nvPr/>
+        </p:nvPicPr>
+        <p:blipFill>
+          <a:blip r:embed="rId4"/>
+          <a:stretch>
+            <a:fillRect/>
+          </a:stretch>
+        </p:blipFill>
+        <p:spPr>
+          <a:xfrm flipH="1" flipV="1">
+            <a:off x="6909903" y="1302797"/>
+            <a:ext cx="198000" cy="198000"/>
+          </a:xfrm>
+          <a:prstGeom prst="rect">
+            <a:avLst/>
+          </a:prstGeom>
+        </p:spPr>
+      </p:pic>
+      <p:pic>
+        <p:nvPicPr>
+          <p:cNvPr id="245" name="Picture 244" descr="rond.png"/>
+          <p:cNvPicPr>
+            <a:picLocks noChangeAspect="1"/>
+          </p:cNvPicPr>
+          <p:nvPr/>
+        </p:nvPicPr>
+        <p:blipFill>
+          <a:blip r:embed="rId4"/>
+          <a:stretch>
+            <a:fillRect/>
+          </a:stretch>
+        </p:blipFill>
+        <p:spPr>
+          <a:xfrm flipH="1" flipV="1">
+            <a:off x="7107663" y="1307777"/>
+            <a:ext cx="198000" cy="198000"/>
+          </a:xfrm>
+          <a:prstGeom prst="rect">
+            <a:avLst/>
+          </a:prstGeom>
+        </p:spPr>
+      </p:pic>
+      <p:pic>
+        <p:nvPicPr>
+          <p:cNvPr id="246" name="Picture 245" descr="rond.png"/>
+          <p:cNvPicPr>
+            <a:picLocks noChangeAspect="1"/>
+          </p:cNvPicPr>
+          <p:nvPr/>
+        </p:nvPicPr>
+        <p:blipFill>
+          <a:blip r:embed="rId4"/>
+          <a:stretch>
+            <a:fillRect/>
+          </a:stretch>
+        </p:blipFill>
+        <p:spPr>
+          <a:xfrm flipH="1" flipV="1">
+            <a:off x="7305663" y="1302797"/>
+            <a:ext cx="198000" cy="198000"/>
+          </a:xfrm>
+          <a:prstGeom prst="rect">
+            <a:avLst/>
+          </a:prstGeom>
+        </p:spPr>
+      </p:pic>
+      <p:pic>
+        <p:nvPicPr>
+          <p:cNvPr id="247" name="Picture 246" descr="rond.png"/>
+          <p:cNvPicPr>
+            <a:picLocks noChangeAspect="1"/>
+          </p:cNvPicPr>
+          <p:nvPr/>
+        </p:nvPicPr>
+        <p:blipFill>
+          <a:blip r:embed="rId4"/>
+          <a:stretch>
+            <a:fillRect/>
+          </a:stretch>
+        </p:blipFill>
+        <p:spPr>
+          <a:xfrm flipH="1" flipV="1">
+            <a:off x="7503663" y="1302250"/>
+            <a:ext cx="198000" cy="198000"/>
+          </a:xfrm>
+          <a:prstGeom prst="rect">
+            <a:avLst/>
+          </a:prstGeom>
+        </p:spPr>
+      </p:pic>
+      <p:pic>
+        <p:nvPicPr>
+          <p:cNvPr id="248" name="Picture 247" descr="rond.png"/>
+          <p:cNvPicPr>
+            <a:picLocks noChangeAspect="1"/>
+          </p:cNvPicPr>
+          <p:nvPr/>
+        </p:nvPicPr>
+        <p:blipFill>
+          <a:blip r:embed="rId4"/>
+          <a:stretch>
+            <a:fillRect/>
+          </a:stretch>
+        </p:blipFill>
+        <p:spPr>
+          <a:xfrm flipH="1" flipV="1">
+            <a:off x="7690083" y="1297817"/>
+            <a:ext cx="198000" cy="198000"/>
+          </a:xfrm>
+          <a:prstGeom prst="rect">
+            <a:avLst/>
+          </a:prstGeom>
+        </p:spPr>
+      </p:pic>
+      <p:pic>
+        <p:nvPicPr>
+          <p:cNvPr id="249" name="Picture 248" descr="rond.png"/>
+          <p:cNvPicPr>
+            <a:picLocks noChangeAspect="1"/>
+          </p:cNvPicPr>
+          <p:nvPr/>
+        </p:nvPicPr>
+        <p:blipFill>
+          <a:blip r:embed="rId4"/>
+          <a:stretch>
+            <a:fillRect/>
+          </a:stretch>
+        </p:blipFill>
+        <p:spPr>
+          <a:xfrm flipH="1" flipV="1">
+            <a:off x="7876503" y="1302797"/>
+            <a:ext cx="198000" cy="198000"/>
+          </a:xfrm>
+          <a:prstGeom prst="rect">
+            <a:avLst/>
+          </a:prstGeom>
+        </p:spPr>
+      </p:pic>
+      <p:pic>
+        <p:nvPicPr>
+          <p:cNvPr id="250" name="Picture 249" descr="rond.png"/>
+          <p:cNvPicPr>
+            <a:picLocks noChangeAspect="1"/>
+          </p:cNvPicPr>
+          <p:nvPr/>
+        </p:nvPicPr>
+        <p:blipFill>
+          <a:blip r:embed="rId4"/>
+          <a:stretch>
+            <a:fillRect/>
+          </a:stretch>
+        </p:blipFill>
+        <p:spPr>
+          <a:xfrm flipH="1" flipV="1">
+            <a:off x="8074503" y="1292837"/>
+            <a:ext cx="198000" cy="198000"/>
+          </a:xfrm>
+          <a:prstGeom prst="rect">
+            <a:avLst/>
+          </a:prstGeom>
+        </p:spPr>
+      </p:pic>
+      <p:pic>
+        <p:nvPicPr>
+          <p:cNvPr id="251" name="Picture 250" descr="rond.png"/>
+          <p:cNvPicPr>
+            <a:picLocks noChangeAspect="1"/>
+          </p:cNvPicPr>
+          <p:nvPr/>
+        </p:nvPicPr>
+        <p:blipFill>
+          <a:blip r:embed="rId4"/>
+          <a:stretch>
+            <a:fillRect/>
+          </a:stretch>
+        </p:blipFill>
+        <p:spPr>
+          <a:xfrm flipH="1" flipV="1">
+            <a:off x="8260923" y="1297817"/>
+            <a:ext cx="198000" cy="198000"/>
+          </a:xfrm>
+          <a:prstGeom prst="rect">
+            <a:avLst/>
+          </a:prstGeom>
+        </p:spPr>
+      </p:pic>
+      <p:pic>
+        <p:nvPicPr>
+          <p:cNvPr id="252" name="Picture 251" descr="rond.png"/>
+          <p:cNvPicPr>
+            <a:picLocks noChangeAspect="1"/>
+          </p:cNvPicPr>
+          <p:nvPr/>
+        </p:nvPicPr>
+        <p:blipFill>
+          <a:blip r:embed="rId4"/>
+          <a:stretch>
+            <a:fillRect/>
+          </a:stretch>
+        </p:blipFill>
+        <p:spPr>
+          <a:xfrm flipH="1" flipV="1">
+            <a:off x="8458923" y="1292837"/>
+            <a:ext cx="198000" cy="198000"/>
+          </a:xfrm>
+          <a:prstGeom prst="rect">
+            <a:avLst/>
+          </a:prstGeom>
+        </p:spPr>
+      </p:pic>
+      <p:pic>
+        <p:nvPicPr>
+          <p:cNvPr id="253" name="Picture 252" descr="rond.png"/>
+          <p:cNvPicPr>
+            <a:picLocks noChangeAspect="1"/>
+          </p:cNvPicPr>
+          <p:nvPr/>
+        </p:nvPicPr>
+        <p:blipFill>
+          <a:blip r:embed="rId4"/>
+          <a:stretch>
+            <a:fillRect/>
+          </a:stretch>
+        </p:blipFill>
+        <p:spPr>
+          <a:xfrm flipH="1" flipV="1">
+            <a:off x="8645343" y="1297817"/>
+            <a:ext cx="198000" cy="198000"/>
+          </a:xfrm>
+          <a:prstGeom prst="rect">
+            <a:avLst/>
+          </a:prstGeom>
+        </p:spPr>
+      </p:pic>
+      <p:pic>
+        <p:nvPicPr>
+          <p:cNvPr id="254" name="Picture 253" descr="fond_barre.png"/>
+          <p:cNvPicPr>
+            <a:picLocks noChangeAspect="1"/>
+          </p:cNvPicPr>
+          <p:nvPr/>
+        </p:nvPicPr>
+        <p:blipFill>
+          <a:blip r:embed="rId3"/>
+          <a:stretch>
+            <a:fillRect/>
+          </a:stretch>
+        </p:blipFill>
+        <p:spPr>
+          <a:xfrm>
+            <a:off x="6874303" y="1725453"/>
+            <a:ext cx="2093215" cy="381000"/>
+          </a:xfrm>
+          <a:prstGeom prst="rect">
+            <a:avLst/>
+          </a:prstGeom>
+        </p:spPr>
+      </p:pic>
+      <p:pic>
+        <p:nvPicPr>
+          <p:cNvPr id="255" name="Picture 254" descr="rond.png"/>
+          <p:cNvPicPr>
+            <a:picLocks noChangeAspect="1"/>
+          </p:cNvPicPr>
+          <p:nvPr/>
+        </p:nvPicPr>
+        <p:blipFill>
+          <a:blip r:embed="rId4"/>
+          <a:stretch>
+            <a:fillRect/>
+          </a:stretch>
+        </p:blipFill>
+        <p:spPr>
+          <a:xfrm flipH="1" flipV="1">
+            <a:off x="6921243" y="1824437"/>
+            <a:ext cx="198000" cy="198000"/>
+          </a:xfrm>
+          <a:prstGeom prst="rect">
+            <a:avLst/>
+          </a:prstGeom>
+        </p:spPr>
+      </p:pic>
+      <p:pic>
+        <p:nvPicPr>
+          <p:cNvPr id="256" name="Picture 255" descr="rond.png"/>
+          <p:cNvPicPr>
+            <a:picLocks noChangeAspect="1"/>
+          </p:cNvPicPr>
+          <p:nvPr/>
+        </p:nvPicPr>
+        <p:blipFill>
+          <a:blip r:embed="rId4"/>
+          <a:stretch>
+            <a:fillRect/>
+          </a:stretch>
+        </p:blipFill>
+        <p:spPr>
+          <a:xfrm flipH="1" flipV="1">
+            <a:off x="7119003" y="1829417"/>
+            <a:ext cx="198000" cy="198000"/>
+          </a:xfrm>
+          <a:prstGeom prst="rect">
+            <a:avLst/>
+          </a:prstGeom>
+        </p:spPr>
+      </p:pic>
+      <p:pic>
+        <p:nvPicPr>
+          <p:cNvPr id="257" name="Picture 256" descr="rond.png"/>
+          <p:cNvPicPr>
+            <a:picLocks noChangeAspect="1"/>
+          </p:cNvPicPr>
+          <p:nvPr/>
+        </p:nvPicPr>
+        <p:blipFill>
+          <a:blip r:embed="rId4"/>
+          <a:stretch>
+            <a:fillRect/>
+          </a:stretch>
+        </p:blipFill>
+        <p:spPr>
+          <a:xfrm flipH="1" flipV="1">
+            <a:off x="7317003" y="1824437"/>
+            <a:ext cx="198000" cy="198000"/>
+          </a:xfrm>
+          <a:prstGeom prst="rect">
+            <a:avLst/>
+          </a:prstGeom>
+        </p:spPr>
+      </p:pic>
+      <p:pic>
+        <p:nvPicPr>
+          <p:cNvPr id="258" name="Picture 257" descr="rond.png"/>
+          <p:cNvPicPr>
+            <a:picLocks noChangeAspect="1"/>
+          </p:cNvPicPr>
+          <p:nvPr/>
+        </p:nvPicPr>
+        <p:blipFill>
+          <a:blip r:embed="rId4"/>
+          <a:stretch>
+            <a:fillRect/>
+          </a:stretch>
+        </p:blipFill>
+        <p:spPr>
+          <a:xfrm flipH="1" flipV="1">
+            <a:off x="7515003" y="1823890"/>
+            <a:ext cx="198000" cy="198000"/>
+          </a:xfrm>
+          <a:prstGeom prst="rect">
+            <a:avLst/>
+          </a:prstGeom>
+        </p:spPr>
+      </p:pic>
+      <p:pic>
+        <p:nvPicPr>
+          <p:cNvPr id="259" name="Picture 258" descr="rond.png"/>
+          <p:cNvPicPr>
+            <a:picLocks noChangeAspect="1"/>
+          </p:cNvPicPr>
+          <p:nvPr/>
+        </p:nvPicPr>
+        <p:blipFill>
+          <a:blip r:embed="rId4"/>
+          <a:stretch>
+            <a:fillRect/>
+          </a:stretch>
+        </p:blipFill>
+        <p:spPr>
+          <a:xfrm flipH="1" flipV="1">
+            <a:off x="7701423" y="1819457"/>
+            <a:ext cx="198000" cy="198000"/>
+          </a:xfrm>
+          <a:prstGeom prst="rect">
+            <a:avLst/>
+          </a:prstGeom>
+        </p:spPr>
+      </p:pic>
+      <p:pic>
+        <p:nvPicPr>
+          <p:cNvPr id="260" name="Picture 259" descr="rond.png"/>
+          <p:cNvPicPr>
+            <a:picLocks noChangeAspect="1"/>
+          </p:cNvPicPr>
+          <p:nvPr/>
+        </p:nvPicPr>
+        <p:blipFill>
+          <a:blip r:embed="rId4"/>
+          <a:stretch>
+            <a:fillRect/>
+          </a:stretch>
+        </p:blipFill>
+        <p:spPr>
+          <a:xfrm flipH="1" flipV="1">
+            <a:off x="7887843" y="1824437"/>
+            <a:ext cx="198000" cy="198000"/>
+          </a:xfrm>
+          <a:prstGeom prst="rect">
+            <a:avLst/>
+          </a:prstGeom>
+        </p:spPr>
+      </p:pic>
+      <p:pic>
+        <p:nvPicPr>
+          <p:cNvPr id="261" name="Picture 260" descr="rond.png"/>
+          <p:cNvPicPr>
+            <a:picLocks noChangeAspect="1"/>
+          </p:cNvPicPr>
+          <p:nvPr/>
+        </p:nvPicPr>
+        <p:blipFill>
+          <a:blip r:embed="rId4"/>
+          <a:stretch>
+            <a:fillRect/>
+          </a:stretch>
+        </p:blipFill>
+        <p:spPr>
+          <a:xfrm flipH="1" flipV="1">
+            <a:off x="8085843" y="1814477"/>
+            <a:ext cx="198000" cy="198000"/>
+          </a:xfrm>
+          <a:prstGeom prst="rect">
+            <a:avLst/>
+          </a:prstGeom>
+        </p:spPr>
+      </p:pic>
+      <p:pic>
+        <p:nvPicPr>
+          <p:cNvPr id="262" name="Picture 261" descr="rond.png"/>
+          <p:cNvPicPr>
+            <a:picLocks noChangeAspect="1"/>
+          </p:cNvPicPr>
+          <p:nvPr/>
+        </p:nvPicPr>
+        <p:blipFill>
+          <a:blip r:embed="rId4"/>
+          <a:stretch>
+            <a:fillRect/>
+          </a:stretch>
+        </p:blipFill>
+        <p:spPr>
+          <a:xfrm flipH="1" flipV="1">
+            <a:off x="8272263" y="1819457"/>
+            <a:ext cx="198000" cy="198000"/>
+          </a:xfrm>
+          <a:prstGeom prst="rect">
+            <a:avLst/>
+          </a:prstGeom>
+        </p:spPr>
+      </p:pic>
+      <p:pic>
+        <p:nvPicPr>
+          <p:cNvPr id="263" name="Picture 262" descr="rond.png"/>
+          <p:cNvPicPr>
+            <a:picLocks noChangeAspect="1"/>
+          </p:cNvPicPr>
+          <p:nvPr/>
+        </p:nvPicPr>
+        <p:blipFill>
+          <a:blip r:embed="rId4"/>
+          <a:stretch>
+            <a:fillRect/>
+          </a:stretch>
+        </p:blipFill>
+        <p:spPr>
+          <a:xfrm flipH="1" flipV="1">
+            <a:off x="8470263" y="1814477"/>
+            <a:ext cx="198000" cy="198000"/>
+          </a:xfrm>
+          <a:prstGeom prst="rect">
+            <a:avLst/>
+          </a:prstGeom>
+        </p:spPr>
+      </p:pic>
+      <p:pic>
+        <p:nvPicPr>
+          <p:cNvPr id="264" name="Picture 263" descr="rond.png"/>
+          <p:cNvPicPr>
+            <a:picLocks noChangeAspect="1"/>
+          </p:cNvPicPr>
+          <p:nvPr/>
+        </p:nvPicPr>
+        <p:blipFill>
+          <a:blip r:embed="rId4"/>
+          <a:stretch>
+            <a:fillRect/>
+          </a:stretch>
+        </p:blipFill>
+        <p:spPr>
+          <a:xfrm flipH="1" flipV="1">
+            <a:off x="8656683" y="1819457"/>
+            <a:ext cx="198000" cy="198000"/>
+          </a:xfrm>
+          <a:prstGeom prst="rect">
+            <a:avLst/>
+          </a:prstGeom>
+        </p:spPr>
+      </p:pic>
+      <p:pic>
+        <p:nvPicPr>
+          <p:cNvPr id="265" name="Picture 264" descr="fond_barre.png"/>
+          <p:cNvPicPr>
+            <a:picLocks noChangeAspect="1"/>
+          </p:cNvPicPr>
+          <p:nvPr/>
+        </p:nvPicPr>
+        <p:blipFill>
+          <a:blip r:embed="rId3"/>
+          <a:stretch>
+            <a:fillRect/>
+          </a:stretch>
+        </p:blipFill>
+        <p:spPr>
+          <a:xfrm>
+            <a:off x="6874303" y="2179053"/>
+            <a:ext cx="2093215" cy="381000"/>
+          </a:xfrm>
+          <a:prstGeom prst="rect">
+            <a:avLst/>
+          </a:prstGeom>
+        </p:spPr>
+      </p:pic>
+      <p:pic>
+        <p:nvPicPr>
+          <p:cNvPr id="266" name="Picture 265" descr="rond.png"/>
+          <p:cNvPicPr>
+            <a:picLocks noChangeAspect="1"/>
+          </p:cNvPicPr>
+          <p:nvPr/>
+        </p:nvPicPr>
+        <p:blipFill>
+          <a:blip r:embed="rId4"/>
+          <a:stretch>
+            <a:fillRect/>
+          </a:stretch>
+        </p:blipFill>
+        <p:spPr>
+          <a:xfrm flipH="1" flipV="1">
+            <a:off x="6921243" y="2278037"/>
+            <a:ext cx="198000" cy="198000"/>
+          </a:xfrm>
+          <a:prstGeom prst="rect">
+            <a:avLst/>
+          </a:prstGeom>
+        </p:spPr>
+      </p:pic>
+      <p:pic>
+        <p:nvPicPr>
+          <p:cNvPr id="267" name="Picture 266" descr="rond.png"/>
+          <p:cNvPicPr>
+            <a:picLocks noChangeAspect="1"/>
+          </p:cNvPicPr>
+          <p:nvPr/>
+        </p:nvPicPr>
+        <p:blipFill>
+          <a:blip r:embed="rId4"/>
+          <a:stretch>
+            <a:fillRect/>
+          </a:stretch>
+        </p:blipFill>
+        <p:spPr>
+          <a:xfrm flipH="1" flipV="1">
+            <a:off x="7119003" y="2283017"/>
+            <a:ext cx="198000" cy="198000"/>
+          </a:xfrm>
+          <a:prstGeom prst="rect">
+            <a:avLst/>
+          </a:prstGeom>
+        </p:spPr>
+      </p:pic>
+      <p:pic>
+        <p:nvPicPr>
+          <p:cNvPr id="268" name="Picture 267" descr="rond.png"/>
+          <p:cNvPicPr>
+            <a:picLocks noChangeAspect="1"/>
+          </p:cNvPicPr>
+          <p:nvPr/>
+        </p:nvPicPr>
+        <p:blipFill>
+          <a:blip r:embed="rId4"/>
+          <a:stretch>
+            <a:fillRect/>
+          </a:stretch>
+        </p:blipFill>
+        <p:spPr>
+          <a:xfrm flipH="1" flipV="1">
+            <a:off x="7317003" y="2278037"/>
+            <a:ext cx="198000" cy="198000"/>
+          </a:xfrm>
+          <a:prstGeom prst="rect">
+            <a:avLst/>
+          </a:prstGeom>
+        </p:spPr>
+      </p:pic>
+      <p:pic>
+        <p:nvPicPr>
+          <p:cNvPr id="269" name="Picture 268" descr="rond.png"/>
+          <p:cNvPicPr>
+            <a:picLocks noChangeAspect="1"/>
+          </p:cNvPicPr>
+          <p:nvPr/>
+        </p:nvPicPr>
+        <p:blipFill>
+          <a:blip r:embed="rId4"/>
+          <a:stretch>
+            <a:fillRect/>
+          </a:stretch>
+        </p:blipFill>
+        <p:spPr>
+          <a:xfrm flipH="1" flipV="1">
+            <a:off x="7515003" y="2277490"/>
+            <a:ext cx="198000" cy="198000"/>
+          </a:xfrm>
+          <a:prstGeom prst="rect">
+            <a:avLst/>
+          </a:prstGeom>
+        </p:spPr>
+      </p:pic>
+      <p:pic>
+        <p:nvPicPr>
+          <p:cNvPr id="270" name="Picture 269" descr="rond.png"/>
+          <p:cNvPicPr>
+            <a:picLocks noChangeAspect="1"/>
+          </p:cNvPicPr>
+          <p:nvPr/>
+        </p:nvPicPr>
+        <p:blipFill>
+          <a:blip r:embed="rId4"/>
+          <a:stretch>
+            <a:fillRect/>
+          </a:stretch>
+        </p:blipFill>
+        <p:spPr>
+          <a:xfrm flipH="1" flipV="1">
+            <a:off x="7701423" y="2273057"/>
+            <a:ext cx="198000" cy="198000"/>
+          </a:xfrm>
+          <a:prstGeom prst="rect">
+            <a:avLst/>
+          </a:prstGeom>
+        </p:spPr>
+      </p:pic>
+      <p:pic>
+        <p:nvPicPr>
+          <p:cNvPr id="271" name="Picture 270" descr="rond.png"/>
+          <p:cNvPicPr>
+            <a:picLocks noChangeAspect="1"/>
+          </p:cNvPicPr>
+          <p:nvPr/>
+        </p:nvPicPr>
+        <p:blipFill>
+          <a:blip r:embed="rId4"/>
+          <a:stretch>
+            <a:fillRect/>
+          </a:stretch>
+        </p:blipFill>
+        <p:spPr>
+          <a:xfrm flipH="1" flipV="1">
+            <a:off x="7887843" y="2278037"/>
+            <a:ext cx="198000" cy="198000"/>
+          </a:xfrm>
+          <a:prstGeom prst="rect">
+            <a:avLst/>
+          </a:prstGeom>
+        </p:spPr>
+      </p:pic>
+      <p:pic>
+        <p:nvPicPr>
+          <p:cNvPr id="272" name="Picture 271" descr="rond.png"/>
+          <p:cNvPicPr>
+            <a:picLocks noChangeAspect="1"/>
+          </p:cNvPicPr>
+          <p:nvPr/>
+        </p:nvPicPr>
+        <p:blipFill>
+          <a:blip r:embed="rId4"/>
+          <a:stretch>
+            <a:fillRect/>
+          </a:stretch>
+        </p:blipFill>
+        <p:spPr>
+          <a:xfrm flipH="1" flipV="1">
+            <a:off x="8085843" y="2268077"/>
+            <a:ext cx="198000" cy="198000"/>
+          </a:xfrm>
+          <a:prstGeom prst="rect">
+            <a:avLst/>
+          </a:prstGeom>
+        </p:spPr>
+      </p:pic>
+      <p:pic>
+        <p:nvPicPr>
+          <p:cNvPr id="273" name="Picture 272" descr="rond.png"/>
+          <p:cNvPicPr>
+            <a:picLocks noChangeAspect="1"/>
+          </p:cNvPicPr>
+          <p:nvPr/>
+        </p:nvPicPr>
+        <p:blipFill>
+          <a:blip r:embed="rId4"/>
+          <a:stretch>
+            <a:fillRect/>
+          </a:stretch>
+        </p:blipFill>
+        <p:spPr>
+          <a:xfrm flipH="1" flipV="1">
+            <a:off x="8272263" y="2273057"/>
+            <a:ext cx="198000" cy="198000"/>
+          </a:xfrm>
+          <a:prstGeom prst="rect">
+            <a:avLst/>
+          </a:prstGeom>
+        </p:spPr>
+      </p:pic>
+      <p:pic>
+        <p:nvPicPr>
+          <p:cNvPr id="274" name="Picture 273" descr="rond.png"/>
+          <p:cNvPicPr>
+            <a:picLocks noChangeAspect="1"/>
+          </p:cNvPicPr>
+          <p:nvPr/>
+        </p:nvPicPr>
+        <p:blipFill>
+          <a:blip r:embed="rId4"/>
+          <a:stretch>
+            <a:fillRect/>
+          </a:stretch>
+        </p:blipFill>
+        <p:spPr>
+          <a:xfrm flipH="1" flipV="1">
+            <a:off x="8470263" y="2268077"/>
+            <a:ext cx="198000" cy="198000"/>
+          </a:xfrm>
+          <a:prstGeom prst="rect">
+            <a:avLst/>
+          </a:prstGeom>
+        </p:spPr>
+      </p:pic>
+      <p:pic>
+        <p:nvPicPr>
+          <p:cNvPr id="275" name="Picture 274" descr="rond.png"/>
+          <p:cNvPicPr>
+            <a:picLocks noChangeAspect="1"/>
+          </p:cNvPicPr>
+          <p:nvPr/>
+        </p:nvPicPr>
+        <p:blipFill>
+          <a:blip r:embed="rId4"/>
+          <a:stretch>
+            <a:fillRect/>
+          </a:stretch>
+        </p:blipFill>
+        <p:spPr>
+          <a:xfrm flipH="1" flipV="1">
+            <a:off x="8656683" y="2273057"/>
+            <a:ext cx="198000" cy="198000"/>
+          </a:xfrm>
+          <a:prstGeom prst="rect">
+            <a:avLst/>
+          </a:prstGeom>
+        </p:spPr>
+      </p:pic>
+      <p:pic>
+        <p:nvPicPr>
+          <p:cNvPr id="289" name="Picture 288" descr="rond0.png"/>
+          <p:cNvPicPr>
+            <a:picLocks noChangeAspect="1"/>
+          </p:cNvPicPr>
+          <p:nvPr/>
+        </p:nvPicPr>
+        <p:blipFill>
+          <a:blip r:embed="rId6"/>
+          <a:stretch>
+            <a:fillRect/>
+          </a:stretch>
+        </p:blipFill>
+        <p:spPr>
+          <a:xfrm>
+            <a:off x="6909903" y="1307777"/>
+            <a:ext cx="198000" cy="198000"/>
+          </a:xfrm>
+          <a:prstGeom prst="rect">
+            <a:avLst/>
+          </a:prstGeom>
+        </p:spPr>
+      </p:pic>
+      <p:pic>
+        <p:nvPicPr>
+          <p:cNvPr id="290" name="Picture 289" descr="rond2.png"/>
+          <p:cNvPicPr>
+            <a:picLocks noChangeAspect="1"/>
+          </p:cNvPicPr>
+          <p:nvPr/>
+        </p:nvPicPr>
+        <p:blipFill>
+          <a:blip r:embed="rId5"/>
+          <a:stretch>
+            <a:fillRect/>
+          </a:stretch>
+        </p:blipFill>
+        <p:spPr>
+          <a:xfrm>
+            <a:off x="7897665" y="1819094"/>
+            <a:ext cx="198000" cy="198000"/>
+          </a:xfrm>
+          <a:prstGeom prst="rect">
+            <a:avLst/>
+          </a:prstGeom>
+        </p:spPr>
+      </p:pic>
+      <p:pic>
+        <p:nvPicPr>
+          <p:cNvPr id="292" name="Picture 291" descr="rond2.png"/>
+          <p:cNvPicPr>
+            <a:picLocks noChangeAspect="1"/>
+          </p:cNvPicPr>
+          <p:nvPr/>
+        </p:nvPicPr>
+        <p:blipFill>
+          <a:blip r:embed="rId5"/>
+          <a:stretch>
+            <a:fillRect/>
+          </a:stretch>
+        </p:blipFill>
+        <p:spPr>
+          <a:xfrm>
+            <a:off x="7130143" y="2287106"/>
+            <a:ext cx="198000" cy="198000"/>
+          </a:xfrm>
+          <a:prstGeom prst="rect">
+            <a:avLst/>
+          </a:prstGeom>
+        </p:spPr>
+      </p:pic>
+      <p:sp>
+        <p:nvSpPr>
+          <p:cNvPr id="137" name="Rectangle 136"/>
+          <p:cNvSpPr/>
+          <p:nvPr/>
+        </p:nvSpPr>
+        <p:spPr>
+          <a:xfrm>
+            <a:off x="95700" y="87785"/>
+            <a:ext cx="2913739" cy="476290"/>
+          </a:xfrm>
+          <a:prstGeom prst="rect">
+            <a:avLst/>
+          </a:prstGeom>
+          <a:solidFill>
+            <a:schemeClr val="bg1"/>
+          </a:solidFill>
+          <a:ln>
+            <a:solidFill>
+              <a:schemeClr val="tx1"/>
+            </a:solidFill>
+          </a:ln>
+        </p:spPr>
+        <p:style>
+          <a:lnRef idx="1">
+            <a:schemeClr val="accent1"/>
+          </a:lnRef>
+          <a:fillRef idx="3">
+            <a:schemeClr val="accent1"/>
+          </a:fillRef>
+          <a:effectRef idx="2">
+            <a:schemeClr val="accent1"/>
+          </a:effectRef>
+          <a:fontRef idx="minor">
+            <a:schemeClr val="lt1"/>
+          </a:fontRef>
+        </p:style>
+        <p:txBody>
+          <a:bodyPr rtlCol="0" anchor="ctr"/>
+          <a:lstStyle/>
+          <a:p>
+            <a:pPr algn="ctr"/>
+            <a:endParaRPr lang="fr-FR"/>
+          </a:p>
+        </p:txBody>
+      </p:sp>
+      <p:sp>
+        <p:nvSpPr>
+          <p:cNvPr id="138" name="TextBox 137"/>
+          <p:cNvSpPr txBox="1"/>
+          <p:nvPr/>
+        </p:nvSpPr>
+        <p:spPr>
+          <a:xfrm>
+            <a:off x="684886" y="127610"/>
+            <a:ext cx="2274538" cy="369332"/>
+          </a:xfrm>
+          <a:prstGeom prst="rect">
+            <a:avLst/>
+          </a:prstGeom>
+          <a:noFill/>
+        </p:spPr>
+        <p:txBody>
+          <a:bodyPr wrap="square" rtlCol="0">
+            <a:spAutoFit/>
+          </a:bodyPr>
+          <a:lstStyle/>
+          <a:p>
+            <a:r>
+              <a:rPr lang="fr-FR" dirty="0" smtClean="0"/>
+              <a:t>Cas 1</a:t>
+            </a:r>
+            <a:endParaRPr lang="fr-FR" dirty="0"/>
+          </a:p>
+        </p:txBody>
+      </p:sp>
+      <p:sp>
+        <p:nvSpPr>
+          <p:cNvPr id="139" name="Rectangle 138"/>
+          <p:cNvSpPr/>
+          <p:nvPr/>
+        </p:nvSpPr>
+        <p:spPr>
+          <a:xfrm>
+            <a:off x="3066464" y="87785"/>
+            <a:ext cx="2913739" cy="476290"/>
+          </a:xfrm>
+          <a:prstGeom prst="rect">
+            <a:avLst/>
+          </a:prstGeom>
+          <a:solidFill>
+            <a:schemeClr val="bg1"/>
+          </a:solidFill>
+          <a:ln>
+            <a:solidFill>
+              <a:schemeClr val="tx1"/>
+            </a:solidFill>
+          </a:ln>
+        </p:spPr>
+        <p:style>
+          <a:lnRef idx="1">
+            <a:schemeClr val="accent1"/>
+          </a:lnRef>
+          <a:fillRef idx="3">
+            <a:schemeClr val="accent1"/>
+          </a:fillRef>
+          <a:effectRef idx="2">
+            <a:schemeClr val="accent1"/>
+          </a:effectRef>
+          <a:fontRef idx="minor">
+            <a:schemeClr val="lt1"/>
+          </a:fontRef>
+        </p:style>
+        <p:txBody>
+          <a:bodyPr rtlCol="0" anchor="ctr"/>
+          <a:lstStyle/>
+          <a:p>
+            <a:pPr algn="ctr"/>
+            <a:endParaRPr lang="fr-FR"/>
+          </a:p>
+        </p:txBody>
+      </p:sp>
+      <p:sp>
+        <p:nvSpPr>
+          <p:cNvPr id="140" name="TextBox 139"/>
+          <p:cNvSpPr txBox="1"/>
+          <p:nvPr/>
+        </p:nvSpPr>
+        <p:spPr>
+          <a:xfrm>
+            <a:off x="3644310" y="127610"/>
+            <a:ext cx="2274538" cy="369332"/>
+          </a:xfrm>
+          <a:prstGeom prst="rect">
+            <a:avLst/>
+          </a:prstGeom>
+          <a:noFill/>
+        </p:spPr>
+        <p:txBody>
+          <a:bodyPr wrap="square" rtlCol="0">
+            <a:spAutoFit/>
+          </a:bodyPr>
+          <a:lstStyle/>
+          <a:p>
+            <a:r>
+              <a:rPr lang="fr-FR" dirty="0" smtClean="0"/>
+              <a:t>Vos préférences</a:t>
+            </a:r>
+            <a:endParaRPr lang="fr-FR" dirty="0"/>
+          </a:p>
+        </p:txBody>
+      </p:sp>
+      <p:sp>
+        <p:nvSpPr>
+          <p:cNvPr id="143" name="Rectangle 142"/>
+          <p:cNvSpPr/>
+          <p:nvPr/>
+        </p:nvSpPr>
+        <p:spPr>
+          <a:xfrm>
+            <a:off x="6044443" y="87785"/>
+            <a:ext cx="2913739" cy="476290"/>
+          </a:xfrm>
+          <a:prstGeom prst="rect">
+            <a:avLst/>
+          </a:prstGeom>
+          <a:solidFill>
+            <a:schemeClr val="bg1"/>
+          </a:solidFill>
+          <a:ln>
+            <a:solidFill>
+              <a:schemeClr val="tx1"/>
+            </a:solidFill>
+          </a:ln>
+        </p:spPr>
+        <p:style>
+          <a:lnRef idx="1">
+            <a:schemeClr val="accent1"/>
+          </a:lnRef>
+          <a:fillRef idx="3">
+            <a:schemeClr val="accent1"/>
+          </a:fillRef>
+          <a:effectRef idx="2">
+            <a:schemeClr val="accent1"/>
+          </a:effectRef>
+          <a:fontRef idx="minor">
+            <a:schemeClr val="lt1"/>
+          </a:fontRef>
+        </p:style>
+        <p:txBody>
+          <a:bodyPr rtlCol="0" anchor="ctr"/>
+          <a:lstStyle/>
+          <a:p>
+            <a:pPr algn="ctr"/>
+            <a:endParaRPr lang="fr-FR"/>
+          </a:p>
+        </p:txBody>
+      </p:sp>
+      <p:sp>
+        <p:nvSpPr>
+          <p:cNvPr id="144" name="TextBox 143"/>
+          <p:cNvSpPr txBox="1"/>
+          <p:nvPr/>
+        </p:nvSpPr>
+        <p:spPr>
+          <a:xfrm>
+            <a:off x="6631625" y="117177"/>
+            <a:ext cx="2274538" cy="369332"/>
+          </a:xfrm>
+          <a:prstGeom prst="rect">
+            <a:avLst/>
+          </a:prstGeom>
+          <a:noFill/>
+        </p:spPr>
+        <p:txBody>
+          <a:bodyPr wrap="square" rtlCol="0">
+            <a:spAutoFit/>
+          </a:bodyPr>
+          <a:lstStyle/>
+          <a:p>
+            <a:r>
+              <a:rPr lang="fr-FR" dirty="0" smtClean="0"/>
+              <a:t>Vos préférences</a:t>
+            </a:r>
+            <a:endParaRPr lang="fr-FR" dirty="0"/>
+          </a:p>
+        </p:txBody>
+      </p:sp>
+      <p:pic>
+        <p:nvPicPr>
+          <p:cNvPr id="141" name="Picture 140" descr="100212-211220-shiretoko-3.5-windows-xp-6ddd5120cad26be6518a3f07a01bb906.png"/>
+          <p:cNvPicPr>
+            <a:picLocks noChangeAspect="1"/>
+          </p:cNvPicPr>
+          <p:nvPr/>
+        </p:nvPicPr>
+        <p:blipFill>
+          <a:blip r:embed="rId7"/>
+          <a:stretch>
+            <a:fillRect/>
+          </a:stretch>
+        </p:blipFill>
+        <p:spPr>
+          <a:xfrm>
+            <a:off x="1398004" y="1794969"/>
+            <a:ext cx="2997200" cy="1181100"/>
+          </a:xfrm>
+          <a:prstGeom prst="rect">
+            <a:avLst/>
+          </a:prstGeom>
+        </p:spPr>
+      </p:pic>
+      <p:pic>
+        <p:nvPicPr>
+          <p:cNvPr id="142" name="Picture 141" descr="100212-211220-shiretoko-3.5-windows-xp-6ddd5120cad26be6518a3f07a01bb906.png"/>
+          <p:cNvPicPr>
+            <a:picLocks noChangeAspect="1"/>
+          </p:cNvPicPr>
+          <p:nvPr/>
+        </p:nvPicPr>
+        <p:blipFill>
+          <a:blip r:embed="rId7"/>
+          <a:stretch>
+            <a:fillRect/>
+          </a:stretch>
+        </p:blipFill>
+        <p:spPr>
+          <a:xfrm>
+            <a:off x="3644310" y="2106453"/>
+            <a:ext cx="2997200" cy="1181100"/>
+          </a:xfrm>
+          <a:prstGeom prst="rect">
+            <a:avLst/>
+          </a:prstGeom>
+        </p:spPr>
+      </p:pic>
+      <p:pic>
+        <p:nvPicPr>
+          <p:cNvPr id="145" name="Picture 144" descr="100212-211220-shiretoko-3.5-windows-xp-6ddd5120cad26be6518a3f07a01bb906.png"/>
+          <p:cNvPicPr>
+            <a:picLocks noChangeAspect="1"/>
+          </p:cNvPicPr>
+          <p:nvPr/>
+        </p:nvPicPr>
+        <p:blipFill>
+          <a:blip r:embed="rId7"/>
+          <a:stretch>
+            <a:fillRect/>
+          </a:stretch>
+        </p:blipFill>
+        <p:spPr>
+          <a:xfrm>
+            <a:off x="5908963" y="2496446"/>
+            <a:ext cx="2997200" cy="1181100"/>
+          </a:xfrm>
+          <a:prstGeom prst="rect">
+            <a:avLst/>
+          </a:prstGeom>
+        </p:spPr>
+      </p:pic>
       <p:grpSp>
         <p:nvGrpSpPr>
-          <p:cNvPr id="149" name="Group 148"/>
+          <p:cNvPr id="164" name="Group 163"/>
           <p:cNvGrpSpPr/>
           <p:nvPr/>
         </p:nvGrpSpPr>
         <p:grpSpPr>
           <a:xfrm>
-            <a:off x="7256" y="99125"/>
-            <a:ext cx="9606731" cy="2597827"/>
-            <a:chOff x="7256" y="99125"/>
-            <a:chExt cx="9606731" cy="2597827"/>
+            <a:off x="247234" y="4121268"/>
+            <a:ext cx="3002180" cy="1181100"/>
+            <a:chOff x="247234" y="4121268"/>
+            <a:chExt cx="3002180" cy="1181100"/>
           </a:xfrm>
         </p:grpSpPr>
         <p:sp>
           <p:nvSpPr>
-            <p:cNvPr id="296" name="Rectangle 295"/>
+            <p:cNvPr id="150" name="Rectangle 149"/>
             <p:cNvSpPr/>
             <p:nvPr/>
           </p:nvSpPr>
           <p:spPr>
             <a:xfrm>
-              <a:off x="3072014" y="553642"/>
-              <a:ext cx="2916000" cy="2131970"/>
+              <a:off x="247234" y="4121268"/>
+              <a:ext cx="3002180" cy="1181100"/>
             </a:xfrm>
             <a:prstGeom prst="rect">
               <a:avLst/>
             </a:prstGeom>
             <a:solidFill>
-              <a:schemeClr val="bg1"/>
-            </a:solidFill>
-            <a:ln w="3175" cap="flat" cmpd="sng" algn="ctr">
-              <a:solidFill>
-                <a:schemeClr val="tx1"/>
-              </a:solidFill>
-              <a:prstDash val="solid"/>
-              <a:round/>
-              <a:headEnd type="none" w="med" len="med"/>
-              <a:tailEnd type="none" w="med" len="med"/>
-            </a:ln>
-          </p:spPr>
-          <p:style>
-            <a:lnRef idx="2">
-              <a:schemeClr val="accent4"/>
-            </a:lnRef>
-            <a:fillRef idx="1">
-              <a:schemeClr val="lt1"/>
-            </a:fillRef>
-            <a:effectRef idx="0">
-              <a:schemeClr val="accent4"/>
-            </a:effectRef>
-            <a:fontRef idx="minor">
-              <a:schemeClr val="dk1"/>
-            </a:fontRef>
-          </p:style>
-          <p:txBody>
-            <a:bodyPr rtlCol="0" anchor="ctr"/>
-            <a:lstStyle/>
-            <a:p>
-              <a:pPr algn="ctr"/>
-              <a:endParaRPr lang="fr-FR"/>
-            </a:p>
-          </p:txBody>
-        </p:sp>
-        <p:sp>
-          <p:nvSpPr>
-            <p:cNvPr id="61" name="Rectangle 60"/>
-            <p:cNvSpPr/>
-            <p:nvPr/>
-          </p:nvSpPr>
-          <p:spPr>
-            <a:xfrm>
-              <a:off x="102956" y="564982"/>
-              <a:ext cx="2916000" cy="2131970"/>
-            </a:xfrm>
-            <a:prstGeom prst="rect">
-              <a:avLst/>
-            </a:prstGeom>
-            <a:solidFill>
-              <a:schemeClr val="bg1"/>
-            </a:solidFill>
-            <a:ln w="3175" cap="flat" cmpd="sng" algn="ctr">
-              <a:solidFill>
-                <a:schemeClr val="tx1"/>
-              </a:solidFill>
-              <a:prstDash val="solid"/>
-              <a:round/>
-              <a:headEnd type="none" w="med" len="med"/>
-              <a:tailEnd type="none" w="med" len="med"/>
-            </a:ln>
-          </p:spPr>
-          <p:style>
-            <a:lnRef idx="2">
-              <a:schemeClr val="accent4"/>
-            </a:lnRef>
-            <a:fillRef idx="1">
-              <a:schemeClr val="lt1"/>
-            </a:fillRef>
-            <a:effectRef idx="0">
-              <a:schemeClr val="accent4"/>
-            </a:effectRef>
-            <a:fontRef idx="minor">
-              <a:schemeClr val="dk1"/>
-            </a:fontRef>
-          </p:style>
-          <p:txBody>
-            <a:bodyPr rtlCol="0" anchor="ctr"/>
-            <a:lstStyle/>
-            <a:p>
-              <a:pPr algn="ctr"/>
-              <a:endParaRPr lang="fr-FR"/>
-            </a:p>
-          </p:txBody>
-        </p:sp>
-        <p:sp>
-          <p:nvSpPr>
-            <p:cNvPr id="10" name="TextBox 9"/>
-            <p:cNvSpPr txBox="1"/>
-            <p:nvPr/>
-          </p:nvSpPr>
-          <p:spPr>
-            <a:xfrm>
-              <a:off x="7256" y="722553"/>
-              <a:ext cx="1222404" cy="307777"/>
-            </a:xfrm>
-            <a:prstGeom prst="rect">
-              <a:avLst/>
-            </a:prstGeom>
-            <a:noFill/>
-          </p:spPr>
-          <p:txBody>
-            <a:bodyPr wrap="square" rtlCol="0">
-              <a:spAutoFit/>
-            </a:bodyPr>
-            <a:lstStyle/>
-            <a:p>
-              <a:r>
-                <a:rPr lang="fr-FR" sz="1400" dirty="0" smtClean="0">
-                  <a:latin typeface="+mj-lt"/>
-                </a:rPr>
-                <a:t>Distance :</a:t>
-              </a:r>
-              <a:endParaRPr lang="fr-FR" sz="1400" dirty="0">
-                <a:latin typeface="+mj-lt"/>
-              </a:endParaRPr>
-            </a:p>
-          </p:txBody>
-        </p:sp>
-        <p:sp>
-          <p:nvSpPr>
-            <p:cNvPr id="11" name="TextBox 10"/>
-            <p:cNvSpPr txBox="1"/>
-            <p:nvPr/>
-          </p:nvSpPr>
-          <p:spPr>
-            <a:xfrm>
-              <a:off x="18596" y="1244285"/>
-              <a:ext cx="1070004" cy="307777"/>
-            </a:xfrm>
-            <a:prstGeom prst="rect">
-              <a:avLst/>
-            </a:prstGeom>
-            <a:noFill/>
-          </p:spPr>
-          <p:txBody>
-            <a:bodyPr wrap="square" rtlCol="0">
-              <a:spAutoFit/>
-            </a:bodyPr>
-            <a:lstStyle/>
-            <a:p>
-              <a:r>
-                <a:rPr lang="fr-FR" sz="1400" dirty="0" smtClean="0"/>
-                <a:t>Sécurité :</a:t>
-              </a:r>
-              <a:endParaRPr lang="fr-FR" sz="1400" dirty="0"/>
-            </a:p>
-          </p:txBody>
-        </p:sp>
-        <p:sp>
-          <p:nvSpPr>
-            <p:cNvPr id="12" name="TextBox 11"/>
-            <p:cNvSpPr txBox="1"/>
-            <p:nvPr/>
-          </p:nvSpPr>
-          <p:spPr>
-            <a:xfrm>
-              <a:off x="34916" y="1731997"/>
-              <a:ext cx="1070004" cy="307777"/>
-            </a:xfrm>
-            <a:prstGeom prst="rect">
-              <a:avLst/>
-            </a:prstGeom>
-            <a:noFill/>
-          </p:spPr>
-          <p:txBody>
-            <a:bodyPr wrap="square" rtlCol="0">
-              <a:spAutoFit/>
-            </a:bodyPr>
-            <a:lstStyle/>
-            <a:p>
-              <a:r>
-                <a:rPr lang="fr-FR" sz="1400" dirty="0" smtClean="0"/>
-                <a:t>Effort :</a:t>
-              </a:r>
-              <a:endParaRPr lang="fr-FR" sz="1400" dirty="0"/>
-            </a:p>
-          </p:txBody>
-        </p:sp>
-        <p:sp>
-          <p:nvSpPr>
-            <p:cNvPr id="13" name="TextBox 12"/>
-            <p:cNvSpPr txBox="1"/>
-            <p:nvPr/>
-          </p:nvSpPr>
-          <p:spPr>
-            <a:xfrm>
-              <a:off x="23575" y="2200009"/>
-              <a:ext cx="1314491" cy="307777"/>
-            </a:xfrm>
-            <a:prstGeom prst="rect">
-              <a:avLst/>
-            </a:prstGeom>
-            <a:noFill/>
-          </p:spPr>
-          <p:txBody>
-            <a:bodyPr wrap="square" rtlCol="0">
-              <a:spAutoFit/>
-            </a:bodyPr>
-            <a:lstStyle/>
-            <a:p>
-              <a:r>
-                <a:rPr lang="fr-FR" sz="1400" dirty="0" smtClean="0"/>
-                <a:t>Tourisme :</a:t>
-              </a:r>
-              <a:endParaRPr lang="fr-FR" sz="1400" dirty="0"/>
-            </a:p>
-          </p:txBody>
-        </p:sp>
-        <p:pic>
-          <p:nvPicPr>
-            <p:cNvPr id="14" name="Picture 13" descr="fond_barre.png"/>
-            <p:cNvPicPr>
-              <a:picLocks noChangeAspect="1"/>
-            </p:cNvPicPr>
-            <p:nvPr/>
-          </p:nvPicPr>
-          <p:blipFill>
-            <a:blip r:embed="rId3"/>
-            <a:stretch>
-              <a:fillRect/>
-            </a:stretch>
-          </p:blipFill>
-          <p:spPr>
-            <a:xfrm>
-              <a:off x="923480" y="722553"/>
-              <a:ext cx="2093215" cy="381000"/>
-            </a:xfrm>
-            <a:prstGeom prst="rect">
-              <a:avLst/>
-            </a:prstGeom>
-          </p:spPr>
-        </p:pic>
-        <p:pic>
-          <p:nvPicPr>
-            <p:cNvPr id="15" name="Picture 14" descr="rond.png"/>
-            <p:cNvPicPr>
-              <a:picLocks noChangeAspect="1"/>
-            </p:cNvPicPr>
-            <p:nvPr/>
-          </p:nvPicPr>
-          <p:blipFill>
-            <a:blip r:embed="rId4"/>
-            <a:stretch>
-              <a:fillRect/>
-            </a:stretch>
-          </p:blipFill>
-          <p:spPr>
-            <a:xfrm flipH="1" flipV="1">
-              <a:off x="970420" y="821537"/>
-              <a:ext cx="198000" cy="198000"/>
-            </a:xfrm>
-            <a:prstGeom prst="rect">
-              <a:avLst/>
-            </a:prstGeom>
-          </p:spPr>
-        </p:pic>
-        <p:pic>
-          <p:nvPicPr>
-            <p:cNvPr id="71" name="Picture 70" descr="rond.png"/>
-            <p:cNvPicPr>
-              <a:picLocks noChangeAspect="1"/>
-            </p:cNvPicPr>
-            <p:nvPr/>
-          </p:nvPicPr>
-          <p:blipFill>
-            <a:blip r:embed="rId4"/>
-            <a:stretch>
-              <a:fillRect/>
-            </a:stretch>
-          </p:blipFill>
-          <p:spPr>
-            <a:xfrm flipH="1" flipV="1">
-              <a:off x="1168180" y="826517"/>
-              <a:ext cx="198000" cy="198000"/>
-            </a:xfrm>
-            <a:prstGeom prst="rect">
-              <a:avLst/>
-            </a:prstGeom>
-          </p:spPr>
-        </p:pic>
-        <p:pic>
-          <p:nvPicPr>
-            <p:cNvPr id="72" name="Picture 71" descr="rond.png"/>
-            <p:cNvPicPr>
-              <a:picLocks noChangeAspect="1"/>
-            </p:cNvPicPr>
-            <p:nvPr/>
-          </p:nvPicPr>
-          <p:blipFill>
-            <a:blip r:embed="rId4"/>
-            <a:stretch>
-              <a:fillRect/>
-            </a:stretch>
-          </p:blipFill>
-          <p:spPr>
-            <a:xfrm flipH="1" flipV="1">
-              <a:off x="1366180" y="821537"/>
-              <a:ext cx="198000" cy="198000"/>
-            </a:xfrm>
-            <a:prstGeom prst="rect">
-              <a:avLst/>
-            </a:prstGeom>
-          </p:spPr>
-        </p:pic>
-        <p:pic>
-          <p:nvPicPr>
-            <p:cNvPr id="73" name="Picture 72" descr="rond.png"/>
-            <p:cNvPicPr>
-              <a:picLocks noChangeAspect="1"/>
-            </p:cNvPicPr>
-            <p:nvPr/>
-          </p:nvPicPr>
-          <p:blipFill>
-            <a:blip r:embed="rId4"/>
-            <a:stretch>
-              <a:fillRect/>
-            </a:stretch>
-          </p:blipFill>
-          <p:spPr>
-            <a:xfrm flipH="1" flipV="1">
-              <a:off x="1564180" y="820990"/>
-              <a:ext cx="198000" cy="198000"/>
-            </a:xfrm>
-            <a:prstGeom prst="rect">
-              <a:avLst/>
-            </a:prstGeom>
-          </p:spPr>
-        </p:pic>
-        <p:pic>
-          <p:nvPicPr>
-            <p:cNvPr id="74" name="Picture 73" descr="rond.png"/>
-            <p:cNvPicPr>
-              <a:picLocks noChangeAspect="1"/>
-            </p:cNvPicPr>
-            <p:nvPr/>
-          </p:nvPicPr>
-          <p:blipFill>
-            <a:blip r:embed="rId4"/>
-            <a:stretch>
-              <a:fillRect/>
-            </a:stretch>
-          </p:blipFill>
-          <p:spPr>
-            <a:xfrm flipH="1" flipV="1">
-              <a:off x="1750600" y="816557"/>
-              <a:ext cx="198000" cy="198000"/>
-            </a:xfrm>
-            <a:prstGeom prst="rect">
-              <a:avLst/>
-            </a:prstGeom>
-          </p:spPr>
-        </p:pic>
-        <p:pic>
-          <p:nvPicPr>
-            <p:cNvPr id="75" name="Picture 74" descr="rond.png"/>
-            <p:cNvPicPr>
-              <a:picLocks noChangeAspect="1"/>
-            </p:cNvPicPr>
-            <p:nvPr/>
-          </p:nvPicPr>
-          <p:blipFill>
-            <a:blip r:embed="rId4"/>
-            <a:stretch>
-              <a:fillRect/>
-            </a:stretch>
-          </p:blipFill>
-          <p:spPr>
-            <a:xfrm flipH="1" flipV="1">
-              <a:off x="1937020" y="821537"/>
-              <a:ext cx="198000" cy="198000"/>
-            </a:xfrm>
-            <a:prstGeom prst="rect">
-              <a:avLst/>
-            </a:prstGeom>
-          </p:spPr>
-        </p:pic>
-        <p:pic>
-          <p:nvPicPr>
-            <p:cNvPr id="76" name="Picture 75" descr="rond.png"/>
-            <p:cNvPicPr>
-              <a:picLocks noChangeAspect="1"/>
-            </p:cNvPicPr>
-            <p:nvPr/>
-          </p:nvPicPr>
-          <p:blipFill>
-            <a:blip r:embed="rId4"/>
-            <a:stretch>
-              <a:fillRect/>
-            </a:stretch>
-          </p:blipFill>
-          <p:spPr>
-            <a:xfrm flipH="1" flipV="1">
-              <a:off x="2135020" y="811577"/>
-              <a:ext cx="198000" cy="198000"/>
-            </a:xfrm>
-            <a:prstGeom prst="rect">
-              <a:avLst/>
-            </a:prstGeom>
-          </p:spPr>
-        </p:pic>
-        <p:pic>
-          <p:nvPicPr>
-            <p:cNvPr id="77" name="Picture 76" descr="rond.png"/>
-            <p:cNvPicPr>
-              <a:picLocks noChangeAspect="1"/>
-            </p:cNvPicPr>
-            <p:nvPr/>
-          </p:nvPicPr>
-          <p:blipFill>
-            <a:blip r:embed="rId4"/>
-            <a:stretch>
-              <a:fillRect/>
-            </a:stretch>
-          </p:blipFill>
-          <p:spPr>
-            <a:xfrm flipH="1" flipV="1">
-              <a:off x="2321440" y="816557"/>
-              <a:ext cx="198000" cy="198000"/>
-            </a:xfrm>
-            <a:prstGeom prst="rect">
-              <a:avLst/>
-            </a:prstGeom>
-          </p:spPr>
-        </p:pic>
-        <p:pic>
-          <p:nvPicPr>
-            <p:cNvPr id="78" name="Picture 77" descr="rond.png"/>
-            <p:cNvPicPr>
-              <a:picLocks noChangeAspect="1"/>
-            </p:cNvPicPr>
-            <p:nvPr/>
-          </p:nvPicPr>
-          <p:blipFill>
-            <a:blip r:embed="rId4"/>
-            <a:stretch>
-              <a:fillRect/>
-            </a:stretch>
-          </p:blipFill>
-          <p:spPr>
-            <a:xfrm flipH="1" flipV="1">
-              <a:off x="2519440" y="811577"/>
-              <a:ext cx="198000" cy="198000"/>
-            </a:xfrm>
-            <a:prstGeom prst="rect">
-              <a:avLst/>
-            </a:prstGeom>
-          </p:spPr>
-        </p:pic>
-        <p:pic>
-          <p:nvPicPr>
-            <p:cNvPr id="79" name="Picture 78" descr="rond.png"/>
-            <p:cNvPicPr>
-              <a:picLocks noChangeAspect="1"/>
-            </p:cNvPicPr>
-            <p:nvPr/>
-          </p:nvPicPr>
-          <p:blipFill>
-            <a:blip r:embed="rId4"/>
-            <a:stretch>
-              <a:fillRect/>
-            </a:stretch>
-          </p:blipFill>
-          <p:spPr>
-            <a:xfrm flipH="1" flipV="1">
-              <a:off x="2705860" y="816557"/>
-              <a:ext cx="198000" cy="198000"/>
-            </a:xfrm>
-            <a:prstGeom prst="rect">
-              <a:avLst/>
-            </a:prstGeom>
-          </p:spPr>
-        </p:pic>
-        <p:pic>
-          <p:nvPicPr>
-            <p:cNvPr id="80" name="Picture 79" descr="fond_barre.png"/>
-            <p:cNvPicPr>
-              <a:picLocks noChangeAspect="1"/>
-            </p:cNvPicPr>
-            <p:nvPr/>
-          </p:nvPicPr>
-          <p:blipFill>
-            <a:blip r:embed="rId3"/>
-            <a:stretch>
-              <a:fillRect/>
-            </a:stretch>
-          </p:blipFill>
-          <p:spPr>
-            <a:xfrm>
-              <a:off x="928460" y="1215153"/>
-              <a:ext cx="2093215" cy="381000"/>
-            </a:xfrm>
-            <a:prstGeom prst="rect">
-              <a:avLst/>
-            </a:prstGeom>
-          </p:spPr>
-        </p:pic>
-        <p:pic>
-          <p:nvPicPr>
-            <p:cNvPr id="81" name="Picture 80" descr="rond.png"/>
-            <p:cNvPicPr>
-              <a:picLocks noChangeAspect="1"/>
-            </p:cNvPicPr>
-            <p:nvPr/>
-          </p:nvPicPr>
-          <p:blipFill>
-            <a:blip r:embed="rId4"/>
-            <a:stretch>
-              <a:fillRect/>
-            </a:stretch>
-          </p:blipFill>
-          <p:spPr>
-            <a:xfrm flipH="1" flipV="1">
-              <a:off x="975400" y="1314137"/>
-              <a:ext cx="198000" cy="198000"/>
-            </a:xfrm>
-            <a:prstGeom prst="rect">
-              <a:avLst/>
-            </a:prstGeom>
-          </p:spPr>
-        </p:pic>
-        <p:pic>
-          <p:nvPicPr>
-            <p:cNvPr id="82" name="Picture 81" descr="rond.png"/>
-            <p:cNvPicPr>
-              <a:picLocks noChangeAspect="1"/>
-            </p:cNvPicPr>
-            <p:nvPr/>
-          </p:nvPicPr>
-          <p:blipFill>
-            <a:blip r:embed="rId4"/>
-            <a:stretch>
-              <a:fillRect/>
-            </a:stretch>
-          </p:blipFill>
-          <p:spPr>
-            <a:xfrm flipH="1" flipV="1">
-              <a:off x="1173160" y="1319117"/>
-              <a:ext cx="198000" cy="198000"/>
-            </a:xfrm>
-            <a:prstGeom prst="rect">
-              <a:avLst/>
-            </a:prstGeom>
-          </p:spPr>
-        </p:pic>
-        <p:pic>
-          <p:nvPicPr>
-            <p:cNvPr id="83" name="Picture 82" descr="rond.png"/>
-            <p:cNvPicPr>
-              <a:picLocks noChangeAspect="1"/>
-            </p:cNvPicPr>
-            <p:nvPr/>
-          </p:nvPicPr>
-          <p:blipFill>
-            <a:blip r:embed="rId4"/>
-            <a:stretch>
-              <a:fillRect/>
-            </a:stretch>
-          </p:blipFill>
-          <p:spPr>
-            <a:xfrm flipH="1" flipV="1">
-              <a:off x="1371160" y="1314137"/>
-              <a:ext cx="198000" cy="198000"/>
-            </a:xfrm>
-            <a:prstGeom prst="rect">
-              <a:avLst/>
-            </a:prstGeom>
-          </p:spPr>
-        </p:pic>
-        <p:pic>
-          <p:nvPicPr>
-            <p:cNvPr id="84" name="Picture 83" descr="rond.png"/>
-            <p:cNvPicPr>
-              <a:picLocks noChangeAspect="1"/>
-            </p:cNvPicPr>
-            <p:nvPr/>
-          </p:nvPicPr>
-          <p:blipFill>
-            <a:blip r:embed="rId4"/>
-            <a:stretch>
-              <a:fillRect/>
-            </a:stretch>
-          </p:blipFill>
-          <p:spPr>
-            <a:xfrm flipH="1" flipV="1">
-              <a:off x="1569160" y="1313590"/>
-              <a:ext cx="198000" cy="198000"/>
-            </a:xfrm>
-            <a:prstGeom prst="rect">
-              <a:avLst/>
-            </a:prstGeom>
-          </p:spPr>
-        </p:pic>
-        <p:pic>
-          <p:nvPicPr>
-            <p:cNvPr id="85" name="Picture 84" descr="rond.png"/>
-            <p:cNvPicPr>
-              <a:picLocks noChangeAspect="1"/>
-            </p:cNvPicPr>
-            <p:nvPr/>
-          </p:nvPicPr>
-          <p:blipFill>
-            <a:blip r:embed="rId4"/>
-            <a:stretch>
-              <a:fillRect/>
-            </a:stretch>
-          </p:blipFill>
-          <p:spPr>
-            <a:xfrm flipH="1" flipV="1">
-              <a:off x="1755580" y="1309157"/>
-              <a:ext cx="198000" cy="198000"/>
-            </a:xfrm>
-            <a:prstGeom prst="rect">
-              <a:avLst/>
-            </a:prstGeom>
-          </p:spPr>
-        </p:pic>
-        <p:pic>
-          <p:nvPicPr>
-            <p:cNvPr id="86" name="Picture 85" descr="rond.png"/>
-            <p:cNvPicPr>
-              <a:picLocks noChangeAspect="1"/>
-            </p:cNvPicPr>
-            <p:nvPr/>
-          </p:nvPicPr>
-          <p:blipFill>
-            <a:blip r:embed="rId4"/>
-            <a:stretch>
-              <a:fillRect/>
-            </a:stretch>
-          </p:blipFill>
-          <p:spPr>
-            <a:xfrm flipH="1" flipV="1">
-              <a:off x="1942000" y="1314137"/>
-              <a:ext cx="198000" cy="198000"/>
-            </a:xfrm>
-            <a:prstGeom prst="rect">
-              <a:avLst/>
-            </a:prstGeom>
-          </p:spPr>
-        </p:pic>
-        <p:pic>
-          <p:nvPicPr>
-            <p:cNvPr id="87" name="Picture 86" descr="rond.png"/>
-            <p:cNvPicPr>
-              <a:picLocks noChangeAspect="1"/>
-            </p:cNvPicPr>
-            <p:nvPr/>
-          </p:nvPicPr>
-          <p:blipFill>
-            <a:blip r:embed="rId4"/>
-            <a:stretch>
-              <a:fillRect/>
-            </a:stretch>
-          </p:blipFill>
-          <p:spPr>
-            <a:xfrm flipH="1" flipV="1">
-              <a:off x="2140000" y="1304177"/>
-              <a:ext cx="198000" cy="198000"/>
-            </a:xfrm>
-            <a:prstGeom prst="rect">
-              <a:avLst/>
-            </a:prstGeom>
-          </p:spPr>
-        </p:pic>
-        <p:pic>
-          <p:nvPicPr>
-            <p:cNvPr id="88" name="Picture 87" descr="rond.png"/>
-            <p:cNvPicPr>
-              <a:picLocks noChangeAspect="1"/>
-            </p:cNvPicPr>
-            <p:nvPr/>
-          </p:nvPicPr>
-          <p:blipFill>
-            <a:blip r:embed="rId4"/>
-            <a:stretch>
-              <a:fillRect/>
-            </a:stretch>
-          </p:blipFill>
-          <p:spPr>
-            <a:xfrm flipH="1" flipV="1">
-              <a:off x="2326420" y="1309157"/>
-              <a:ext cx="198000" cy="198000"/>
-            </a:xfrm>
-            <a:prstGeom prst="rect">
-              <a:avLst/>
-            </a:prstGeom>
-          </p:spPr>
-        </p:pic>
-        <p:pic>
-          <p:nvPicPr>
-            <p:cNvPr id="89" name="Picture 88" descr="rond.png"/>
-            <p:cNvPicPr>
-              <a:picLocks noChangeAspect="1"/>
-            </p:cNvPicPr>
-            <p:nvPr/>
-          </p:nvPicPr>
-          <p:blipFill>
-            <a:blip r:embed="rId4"/>
-            <a:stretch>
-              <a:fillRect/>
-            </a:stretch>
-          </p:blipFill>
-          <p:spPr>
-            <a:xfrm flipH="1" flipV="1">
-              <a:off x="2524420" y="1304177"/>
-              <a:ext cx="198000" cy="198000"/>
-            </a:xfrm>
-            <a:prstGeom prst="rect">
-              <a:avLst/>
-            </a:prstGeom>
-          </p:spPr>
-        </p:pic>
-        <p:pic>
-          <p:nvPicPr>
-            <p:cNvPr id="90" name="Picture 89" descr="rond.png"/>
-            <p:cNvPicPr>
-              <a:picLocks noChangeAspect="1"/>
-            </p:cNvPicPr>
-            <p:nvPr/>
-          </p:nvPicPr>
-          <p:blipFill>
-            <a:blip r:embed="rId4"/>
-            <a:stretch>
-              <a:fillRect/>
-            </a:stretch>
-          </p:blipFill>
-          <p:spPr>
-            <a:xfrm flipH="1" flipV="1">
-              <a:off x="2710840" y="1309157"/>
-              <a:ext cx="198000" cy="198000"/>
-            </a:xfrm>
-            <a:prstGeom prst="rect">
-              <a:avLst/>
-            </a:prstGeom>
-          </p:spPr>
-        </p:pic>
-        <p:pic>
-          <p:nvPicPr>
-            <p:cNvPr id="91" name="Picture 90" descr="fond_barre.png"/>
-            <p:cNvPicPr>
-              <a:picLocks noChangeAspect="1"/>
-            </p:cNvPicPr>
-            <p:nvPr/>
-          </p:nvPicPr>
-          <p:blipFill>
-            <a:blip r:embed="rId3"/>
-            <a:stretch>
-              <a:fillRect/>
-            </a:stretch>
-          </p:blipFill>
-          <p:spPr>
-            <a:xfrm>
-              <a:off x="939800" y="1736793"/>
-              <a:ext cx="2093215" cy="381000"/>
-            </a:xfrm>
-            <a:prstGeom prst="rect">
-              <a:avLst/>
-            </a:prstGeom>
-          </p:spPr>
-        </p:pic>
-        <p:pic>
-          <p:nvPicPr>
-            <p:cNvPr id="92" name="Picture 91" descr="rond.png"/>
-            <p:cNvPicPr>
-              <a:picLocks noChangeAspect="1"/>
-            </p:cNvPicPr>
-            <p:nvPr/>
-          </p:nvPicPr>
-          <p:blipFill>
-            <a:blip r:embed="rId4"/>
-            <a:stretch>
-              <a:fillRect/>
-            </a:stretch>
-          </p:blipFill>
-          <p:spPr>
-            <a:xfrm flipH="1" flipV="1">
-              <a:off x="986740" y="1835777"/>
-              <a:ext cx="198000" cy="198000"/>
-            </a:xfrm>
-            <a:prstGeom prst="rect">
-              <a:avLst/>
-            </a:prstGeom>
-          </p:spPr>
-        </p:pic>
-        <p:pic>
-          <p:nvPicPr>
-            <p:cNvPr id="93" name="Picture 92" descr="rond.png"/>
-            <p:cNvPicPr>
-              <a:picLocks noChangeAspect="1"/>
-            </p:cNvPicPr>
-            <p:nvPr/>
-          </p:nvPicPr>
-          <p:blipFill>
-            <a:blip r:embed="rId4"/>
-            <a:stretch>
-              <a:fillRect/>
-            </a:stretch>
-          </p:blipFill>
-          <p:spPr>
-            <a:xfrm flipH="1" flipV="1">
-              <a:off x="1184500" y="1840757"/>
-              <a:ext cx="198000" cy="198000"/>
-            </a:xfrm>
-            <a:prstGeom prst="rect">
-              <a:avLst/>
-            </a:prstGeom>
-          </p:spPr>
-        </p:pic>
-        <p:pic>
-          <p:nvPicPr>
-            <p:cNvPr id="94" name="Picture 93" descr="rond.png"/>
-            <p:cNvPicPr>
-              <a:picLocks noChangeAspect="1"/>
-            </p:cNvPicPr>
-            <p:nvPr/>
-          </p:nvPicPr>
-          <p:blipFill>
-            <a:blip r:embed="rId4"/>
-            <a:stretch>
-              <a:fillRect/>
-            </a:stretch>
-          </p:blipFill>
-          <p:spPr>
-            <a:xfrm flipH="1" flipV="1">
-              <a:off x="1382500" y="1835777"/>
-              <a:ext cx="198000" cy="198000"/>
-            </a:xfrm>
-            <a:prstGeom prst="rect">
-              <a:avLst/>
-            </a:prstGeom>
-          </p:spPr>
-        </p:pic>
-        <p:pic>
-          <p:nvPicPr>
-            <p:cNvPr id="95" name="Picture 94" descr="rond.png"/>
-            <p:cNvPicPr>
-              <a:picLocks noChangeAspect="1"/>
-            </p:cNvPicPr>
-            <p:nvPr/>
-          </p:nvPicPr>
-          <p:blipFill>
-            <a:blip r:embed="rId4"/>
-            <a:stretch>
-              <a:fillRect/>
-            </a:stretch>
-          </p:blipFill>
-          <p:spPr>
-            <a:xfrm flipH="1" flipV="1">
-              <a:off x="1580500" y="1835230"/>
-              <a:ext cx="198000" cy="198000"/>
-            </a:xfrm>
-            <a:prstGeom prst="rect">
-              <a:avLst/>
-            </a:prstGeom>
-          </p:spPr>
-        </p:pic>
-        <p:pic>
-          <p:nvPicPr>
-            <p:cNvPr id="96" name="Picture 95" descr="rond.png"/>
-            <p:cNvPicPr>
-              <a:picLocks noChangeAspect="1"/>
-            </p:cNvPicPr>
-            <p:nvPr/>
-          </p:nvPicPr>
-          <p:blipFill>
-            <a:blip r:embed="rId4"/>
-            <a:stretch>
-              <a:fillRect/>
-            </a:stretch>
-          </p:blipFill>
-          <p:spPr>
-            <a:xfrm flipH="1" flipV="1">
-              <a:off x="1766920" y="1830797"/>
-              <a:ext cx="198000" cy="198000"/>
-            </a:xfrm>
-            <a:prstGeom prst="rect">
-              <a:avLst/>
-            </a:prstGeom>
-          </p:spPr>
-        </p:pic>
-        <p:pic>
-          <p:nvPicPr>
-            <p:cNvPr id="97" name="Picture 96" descr="rond.png"/>
-            <p:cNvPicPr>
-              <a:picLocks noChangeAspect="1"/>
-            </p:cNvPicPr>
-            <p:nvPr/>
-          </p:nvPicPr>
-          <p:blipFill>
-            <a:blip r:embed="rId4"/>
-            <a:stretch>
-              <a:fillRect/>
-            </a:stretch>
-          </p:blipFill>
-          <p:spPr>
-            <a:xfrm flipH="1" flipV="1">
-              <a:off x="1953340" y="1835777"/>
-              <a:ext cx="198000" cy="198000"/>
-            </a:xfrm>
-            <a:prstGeom prst="rect">
-              <a:avLst/>
-            </a:prstGeom>
-          </p:spPr>
-        </p:pic>
-        <p:pic>
-          <p:nvPicPr>
-            <p:cNvPr id="98" name="Picture 97" descr="rond.png"/>
-            <p:cNvPicPr>
-              <a:picLocks noChangeAspect="1"/>
-            </p:cNvPicPr>
-            <p:nvPr/>
-          </p:nvPicPr>
-          <p:blipFill>
-            <a:blip r:embed="rId4"/>
-            <a:stretch>
-              <a:fillRect/>
-            </a:stretch>
-          </p:blipFill>
-          <p:spPr>
-            <a:xfrm flipH="1" flipV="1">
-              <a:off x="2151340" y="1825817"/>
-              <a:ext cx="198000" cy="198000"/>
-            </a:xfrm>
-            <a:prstGeom prst="rect">
-              <a:avLst/>
-            </a:prstGeom>
-          </p:spPr>
-        </p:pic>
-        <p:pic>
-          <p:nvPicPr>
-            <p:cNvPr id="99" name="Picture 98" descr="rond.png"/>
-            <p:cNvPicPr>
-              <a:picLocks noChangeAspect="1"/>
-            </p:cNvPicPr>
-            <p:nvPr/>
-          </p:nvPicPr>
-          <p:blipFill>
-            <a:blip r:embed="rId4"/>
-            <a:stretch>
-              <a:fillRect/>
-            </a:stretch>
-          </p:blipFill>
-          <p:spPr>
-            <a:xfrm flipH="1" flipV="1">
-              <a:off x="2337760" y="1830797"/>
-              <a:ext cx="198000" cy="198000"/>
-            </a:xfrm>
-            <a:prstGeom prst="rect">
-              <a:avLst/>
-            </a:prstGeom>
-          </p:spPr>
-        </p:pic>
-        <p:pic>
-          <p:nvPicPr>
-            <p:cNvPr id="100" name="Picture 99" descr="rond.png"/>
-            <p:cNvPicPr>
-              <a:picLocks noChangeAspect="1"/>
-            </p:cNvPicPr>
-            <p:nvPr/>
-          </p:nvPicPr>
-          <p:blipFill>
-            <a:blip r:embed="rId4"/>
-            <a:stretch>
-              <a:fillRect/>
-            </a:stretch>
-          </p:blipFill>
-          <p:spPr>
-            <a:xfrm flipH="1" flipV="1">
-              <a:off x="2535760" y="1825817"/>
-              <a:ext cx="198000" cy="198000"/>
-            </a:xfrm>
-            <a:prstGeom prst="rect">
-              <a:avLst/>
-            </a:prstGeom>
-          </p:spPr>
-        </p:pic>
-        <p:pic>
-          <p:nvPicPr>
-            <p:cNvPr id="101" name="Picture 100" descr="rond.png"/>
-            <p:cNvPicPr>
-              <a:picLocks noChangeAspect="1"/>
-            </p:cNvPicPr>
-            <p:nvPr/>
-          </p:nvPicPr>
-          <p:blipFill>
-            <a:blip r:embed="rId4"/>
-            <a:stretch>
-              <a:fillRect/>
-            </a:stretch>
-          </p:blipFill>
-          <p:spPr>
-            <a:xfrm flipH="1" flipV="1">
-              <a:off x="2722180" y="1830797"/>
-              <a:ext cx="198000" cy="198000"/>
-            </a:xfrm>
-            <a:prstGeom prst="rect">
-              <a:avLst/>
-            </a:prstGeom>
-          </p:spPr>
-        </p:pic>
-        <p:pic>
-          <p:nvPicPr>
-            <p:cNvPr id="102" name="Picture 101" descr="fond_barre.png"/>
-            <p:cNvPicPr>
-              <a:picLocks noChangeAspect="1"/>
-            </p:cNvPicPr>
-            <p:nvPr/>
-          </p:nvPicPr>
-          <p:blipFill>
-            <a:blip r:embed="rId3"/>
-            <a:stretch>
-              <a:fillRect/>
-            </a:stretch>
-          </p:blipFill>
-          <p:spPr>
-            <a:xfrm>
-              <a:off x="939800" y="2190393"/>
-              <a:ext cx="2093215" cy="381000"/>
-            </a:xfrm>
-            <a:prstGeom prst="rect">
-              <a:avLst/>
-            </a:prstGeom>
-          </p:spPr>
-        </p:pic>
-        <p:pic>
-          <p:nvPicPr>
-            <p:cNvPr id="103" name="Picture 102" descr="rond.png"/>
-            <p:cNvPicPr>
-              <a:picLocks noChangeAspect="1"/>
-            </p:cNvPicPr>
-            <p:nvPr/>
-          </p:nvPicPr>
-          <p:blipFill>
-            <a:blip r:embed="rId4"/>
-            <a:stretch>
-              <a:fillRect/>
-            </a:stretch>
-          </p:blipFill>
-          <p:spPr>
-            <a:xfrm flipH="1" flipV="1">
-              <a:off x="986740" y="2289377"/>
-              <a:ext cx="198000" cy="198000"/>
-            </a:xfrm>
-            <a:prstGeom prst="rect">
-              <a:avLst/>
-            </a:prstGeom>
-          </p:spPr>
-        </p:pic>
-        <p:pic>
-          <p:nvPicPr>
-            <p:cNvPr id="104" name="Picture 103" descr="rond.png"/>
-            <p:cNvPicPr>
-              <a:picLocks noChangeAspect="1"/>
-            </p:cNvPicPr>
-            <p:nvPr/>
-          </p:nvPicPr>
-          <p:blipFill>
-            <a:blip r:embed="rId4"/>
-            <a:stretch>
-              <a:fillRect/>
-            </a:stretch>
-          </p:blipFill>
-          <p:spPr>
-            <a:xfrm flipH="1" flipV="1">
-              <a:off x="1184500" y="2294357"/>
-              <a:ext cx="198000" cy="198000"/>
-            </a:xfrm>
-            <a:prstGeom prst="rect">
-              <a:avLst/>
-            </a:prstGeom>
-          </p:spPr>
-        </p:pic>
-        <p:pic>
-          <p:nvPicPr>
-            <p:cNvPr id="105" name="Picture 104" descr="rond.png"/>
-            <p:cNvPicPr>
-              <a:picLocks noChangeAspect="1"/>
-            </p:cNvPicPr>
-            <p:nvPr/>
-          </p:nvPicPr>
-          <p:blipFill>
-            <a:blip r:embed="rId4"/>
-            <a:stretch>
-              <a:fillRect/>
-            </a:stretch>
-          </p:blipFill>
-          <p:spPr>
-            <a:xfrm flipH="1" flipV="1">
-              <a:off x="1382500" y="2289377"/>
-              <a:ext cx="198000" cy="198000"/>
-            </a:xfrm>
-            <a:prstGeom prst="rect">
-              <a:avLst/>
-            </a:prstGeom>
-          </p:spPr>
-        </p:pic>
-        <p:pic>
-          <p:nvPicPr>
-            <p:cNvPr id="106" name="Picture 105" descr="rond.png"/>
-            <p:cNvPicPr>
-              <a:picLocks noChangeAspect="1"/>
-            </p:cNvPicPr>
-            <p:nvPr/>
-          </p:nvPicPr>
-          <p:blipFill>
-            <a:blip r:embed="rId4"/>
-            <a:stretch>
-              <a:fillRect/>
-            </a:stretch>
-          </p:blipFill>
-          <p:spPr>
-            <a:xfrm flipH="1" flipV="1">
-              <a:off x="1580500" y="2288830"/>
-              <a:ext cx="198000" cy="198000"/>
-            </a:xfrm>
-            <a:prstGeom prst="rect">
-              <a:avLst/>
-            </a:prstGeom>
-          </p:spPr>
-        </p:pic>
-        <p:pic>
-          <p:nvPicPr>
-            <p:cNvPr id="107" name="Picture 106" descr="rond.png"/>
-            <p:cNvPicPr>
-              <a:picLocks noChangeAspect="1"/>
-            </p:cNvPicPr>
-            <p:nvPr/>
-          </p:nvPicPr>
-          <p:blipFill>
-            <a:blip r:embed="rId4"/>
-            <a:stretch>
-              <a:fillRect/>
-            </a:stretch>
-          </p:blipFill>
-          <p:spPr>
-            <a:xfrm flipH="1" flipV="1">
-              <a:off x="1766920" y="2284397"/>
-              <a:ext cx="198000" cy="198000"/>
-            </a:xfrm>
-            <a:prstGeom prst="rect">
-              <a:avLst/>
-            </a:prstGeom>
-          </p:spPr>
-        </p:pic>
-        <p:pic>
-          <p:nvPicPr>
-            <p:cNvPr id="108" name="Picture 107" descr="rond.png"/>
-            <p:cNvPicPr>
-              <a:picLocks noChangeAspect="1"/>
-            </p:cNvPicPr>
-            <p:nvPr/>
-          </p:nvPicPr>
-          <p:blipFill>
-            <a:blip r:embed="rId4"/>
-            <a:stretch>
-              <a:fillRect/>
-            </a:stretch>
-          </p:blipFill>
-          <p:spPr>
-            <a:xfrm flipH="1" flipV="1">
-              <a:off x="1953340" y="2289377"/>
-              <a:ext cx="198000" cy="198000"/>
-            </a:xfrm>
-            <a:prstGeom prst="rect">
-              <a:avLst/>
-            </a:prstGeom>
-          </p:spPr>
-        </p:pic>
-        <p:pic>
-          <p:nvPicPr>
-            <p:cNvPr id="109" name="Picture 108" descr="rond.png"/>
-            <p:cNvPicPr>
-              <a:picLocks noChangeAspect="1"/>
-            </p:cNvPicPr>
-            <p:nvPr/>
-          </p:nvPicPr>
-          <p:blipFill>
-            <a:blip r:embed="rId4"/>
-            <a:stretch>
-              <a:fillRect/>
-            </a:stretch>
-          </p:blipFill>
-          <p:spPr>
-            <a:xfrm flipH="1" flipV="1">
-              <a:off x="2151340" y="2279417"/>
-              <a:ext cx="198000" cy="198000"/>
-            </a:xfrm>
-            <a:prstGeom prst="rect">
-              <a:avLst/>
-            </a:prstGeom>
-          </p:spPr>
-        </p:pic>
-        <p:pic>
-          <p:nvPicPr>
-            <p:cNvPr id="110" name="Picture 109" descr="rond.png"/>
-            <p:cNvPicPr>
-              <a:picLocks noChangeAspect="1"/>
-            </p:cNvPicPr>
-            <p:nvPr/>
-          </p:nvPicPr>
-          <p:blipFill>
-            <a:blip r:embed="rId4"/>
-            <a:stretch>
-              <a:fillRect/>
-            </a:stretch>
-          </p:blipFill>
-          <p:spPr>
-            <a:xfrm flipH="1" flipV="1">
-              <a:off x="2337760" y="2284397"/>
-              <a:ext cx="198000" cy="198000"/>
-            </a:xfrm>
-            <a:prstGeom prst="rect">
-              <a:avLst/>
-            </a:prstGeom>
-          </p:spPr>
-        </p:pic>
-        <p:pic>
-          <p:nvPicPr>
-            <p:cNvPr id="111" name="Picture 110" descr="rond.png"/>
-            <p:cNvPicPr>
-              <a:picLocks noChangeAspect="1"/>
-            </p:cNvPicPr>
-            <p:nvPr/>
-          </p:nvPicPr>
-          <p:blipFill>
-            <a:blip r:embed="rId4"/>
-            <a:stretch>
-              <a:fillRect/>
-            </a:stretch>
-          </p:blipFill>
-          <p:spPr>
-            <a:xfrm flipH="1" flipV="1">
-              <a:off x="2535760" y="2279417"/>
-              <a:ext cx="198000" cy="198000"/>
-            </a:xfrm>
-            <a:prstGeom prst="rect">
-              <a:avLst/>
-            </a:prstGeom>
-          </p:spPr>
-        </p:pic>
-        <p:pic>
-          <p:nvPicPr>
-            <p:cNvPr id="112" name="Picture 111" descr="rond.png"/>
-            <p:cNvPicPr>
-              <a:picLocks noChangeAspect="1"/>
-            </p:cNvPicPr>
-            <p:nvPr/>
-          </p:nvPicPr>
-          <p:blipFill>
-            <a:blip r:embed="rId4"/>
-            <a:stretch>
-              <a:fillRect/>
-            </a:stretch>
-          </p:blipFill>
-          <p:spPr>
-            <a:xfrm flipH="1" flipV="1">
-              <a:off x="2722180" y="2284397"/>
-              <a:ext cx="198000" cy="198000"/>
-            </a:xfrm>
-            <a:prstGeom prst="rect">
-              <a:avLst/>
-            </a:prstGeom>
-          </p:spPr>
-        </p:pic>
-        <p:pic>
-          <p:nvPicPr>
-            <p:cNvPr id="114" name="Picture 113" descr="rond2.png"/>
-            <p:cNvPicPr>
-              <a:picLocks noChangeAspect="1"/>
-            </p:cNvPicPr>
-            <p:nvPr/>
-          </p:nvPicPr>
-          <p:blipFill>
-            <a:blip r:embed="rId5"/>
-            <a:stretch>
-              <a:fillRect/>
-            </a:stretch>
-          </p:blipFill>
-          <p:spPr>
-            <a:xfrm>
-              <a:off x="1563940" y="820990"/>
-              <a:ext cx="198000" cy="198000"/>
-            </a:xfrm>
-            <a:prstGeom prst="rect">
-              <a:avLst/>
-            </a:prstGeom>
-          </p:spPr>
-        </p:pic>
-        <p:pic>
-          <p:nvPicPr>
-            <p:cNvPr id="115" name="Picture 114" descr="rond2.png"/>
-            <p:cNvPicPr>
-              <a:picLocks noChangeAspect="1"/>
-            </p:cNvPicPr>
-            <p:nvPr/>
-          </p:nvPicPr>
-          <p:blipFill>
-            <a:blip r:embed="rId5"/>
-            <a:stretch>
-              <a:fillRect/>
-            </a:stretch>
-          </p:blipFill>
-          <p:spPr>
-            <a:xfrm>
-              <a:off x="1360746" y="1307777"/>
-              <a:ext cx="198000" cy="198000"/>
-            </a:xfrm>
-            <a:prstGeom prst="rect">
-              <a:avLst/>
-            </a:prstGeom>
-          </p:spPr>
-        </p:pic>
-        <p:pic>
-          <p:nvPicPr>
-            <p:cNvPr id="116" name="Picture 115" descr="rond2.png"/>
-            <p:cNvPicPr>
-              <a:picLocks noChangeAspect="1"/>
-            </p:cNvPicPr>
-            <p:nvPr/>
-          </p:nvPicPr>
-          <p:blipFill>
-            <a:blip r:embed="rId5"/>
-            <a:stretch>
-              <a:fillRect/>
-            </a:stretch>
-          </p:blipFill>
-          <p:spPr>
-            <a:xfrm>
-              <a:off x="1964920" y="1825817"/>
-              <a:ext cx="198000" cy="198000"/>
-            </a:xfrm>
-            <a:prstGeom prst="rect">
-              <a:avLst/>
-            </a:prstGeom>
-          </p:spPr>
-        </p:pic>
-        <p:pic>
-          <p:nvPicPr>
-            <p:cNvPr id="117" name="Picture 116" descr="rond2.png"/>
-            <p:cNvPicPr>
-              <a:picLocks noChangeAspect="1"/>
-            </p:cNvPicPr>
-            <p:nvPr/>
-          </p:nvPicPr>
-          <p:blipFill>
-            <a:blip r:embed="rId5"/>
-            <a:stretch>
-              <a:fillRect/>
-            </a:stretch>
-          </p:blipFill>
-          <p:spPr>
-            <a:xfrm>
-              <a:off x="1184740" y="2279417"/>
-              <a:ext cx="198000" cy="198000"/>
-            </a:xfrm>
-            <a:prstGeom prst="rect">
-              <a:avLst/>
-            </a:prstGeom>
-          </p:spPr>
-        </p:pic>
-        <p:sp>
-          <p:nvSpPr>
-            <p:cNvPr id="119" name="TextBox 118"/>
-            <p:cNvSpPr txBox="1"/>
-            <p:nvPr/>
-          </p:nvSpPr>
-          <p:spPr>
-            <a:xfrm>
-              <a:off x="2964975" y="699873"/>
-              <a:ext cx="1222404" cy="307777"/>
-            </a:xfrm>
-            <a:prstGeom prst="rect">
-              <a:avLst/>
-            </a:prstGeom>
-            <a:noFill/>
-          </p:spPr>
-          <p:txBody>
-            <a:bodyPr wrap="square" rtlCol="0">
-              <a:spAutoFit/>
-            </a:bodyPr>
-            <a:lstStyle/>
-            <a:p>
-              <a:r>
-                <a:rPr lang="fr-FR" sz="1400" dirty="0" smtClean="0">
-                  <a:latin typeface="+mj-lt"/>
-                </a:rPr>
-                <a:t>Distance :</a:t>
-              </a:r>
-              <a:endParaRPr lang="fr-FR" sz="1400" dirty="0">
-                <a:latin typeface="+mj-lt"/>
-              </a:endParaRPr>
-            </a:p>
-          </p:txBody>
-        </p:sp>
-        <p:sp>
-          <p:nvSpPr>
-            <p:cNvPr id="120" name="TextBox 119"/>
-            <p:cNvSpPr txBox="1"/>
-            <p:nvPr/>
-          </p:nvSpPr>
-          <p:spPr>
-            <a:xfrm>
-              <a:off x="2976315" y="1221605"/>
-              <a:ext cx="1070004" cy="307777"/>
-            </a:xfrm>
-            <a:prstGeom prst="rect">
-              <a:avLst/>
-            </a:prstGeom>
-            <a:noFill/>
-          </p:spPr>
-          <p:txBody>
-            <a:bodyPr wrap="square" rtlCol="0">
-              <a:spAutoFit/>
-            </a:bodyPr>
-            <a:lstStyle/>
-            <a:p>
-              <a:r>
-                <a:rPr lang="fr-FR" sz="1400" dirty="0" smtClean="0"/>
-                <a:t>Sécurité :</a:t>
-              </a:r>
-              <a:endParaRPr lang="fr-FR" sz="1400" dirty="0"/>
-            </a:p>
-          </p:txBody>
-        </p:sp>
-        <p:sp>
-          <p:nvSpPr>
-            <p:cNvPr id="121" name="TextBox 120"/>
-            <p:cNvSpPr txBox="1"/>
-            <p:nvPr/>
-          </p:nvSpPr>
-          <p:spPr>
-            <a:xfrm>
-              <a:off x="2992635" y="1709317"/>
-              <a:ext cx="1070004" cy="307777"/>
-            </a:xfrm>
-            <a:prstGeom prst="rect">
-              <a:avLst/>
-            </a:prstGeom>
-            <a:noFill/>
-          </p:spPr>
-          <p:txBody>
-            <a:bodyPr wrap="square" rtlCol="0">
-              <a:spAutoFit/>
-            </a:bodyPr>
-            <a:lstStyle/>
-            <a:p>
-              <a:r>
-                <a:rPr lang="fr-FR" sz="1400" dirty="0" smtClean="0"/>
-                <a:t>Effort :</a:t>
-              </a:r>
-              <a:endParaRPr lang="fr-FR" sz="1400" dirty="0"/>
-            </a:p>
-          </p:txBody>
-        </p:sp>
-        <p:sp>
-          <p:nvSpPr>
-            <p:cNvPr id="122" name="TextBox 121"/>
-            <p:cNvSpPr txBox="1"/>
-            <p:nvPr/>
-          </p:nvSpPr>
-          <p:spPr>
-            <a:xfrm>
-              <a:off x="2981294" y="2177329"/>
-              <a:ext cx="1314491" cy="307777"/>
-            </a:xfrm>
-            <a:prstGeom prst="rect">
-              <a:avLst/>
-            </a:prstGeom>
-            <a:noFill/>
-          </p:spPr>
-          <p:txBody>
-            <a:bodyPr wrap="square" rtlCol="0">
-              <a:spAutoFit/>
-            </a:bodyPr>
-            <a:lstStyle/>
-            <a:p>
-              <a:r>
-                <a:rPr lang="fr-FR" sz="1400" dirty="0" smtClean="0"/>
-                <a:t>Tourisme :</a:t>
-              </a:r>
-              <a:endParaRPr lang="fr-FR" sz="1400" dirty="0"/>
-            </a:p>
-          </p:txBody>
-        </p:sp>
-        <p:pic>
-          <p:nvPicPr>
-            <p:cNvPr id="123" name="Picture 122" descr="fond_barre.png"/>
-            <p:cNvPicPr>
-              <a:picLocks noChangeAspect="1"/>
-            </p:cNvPicPr>
-            <p:nvPr/>
-          </p:nvPicPr>
-          <p:blipFill>
-            <a:blip r:embed="rId3"/>
-            <a:stretch>
-              <a:fillRect/>
-            </a:stretch>
-          </p:blipFill>
-          <p:spPr>
-            <a:xfrm>
-              <a:off x="3892539" y="699873"/>
-              <a:ext cx="2093215" cy="381000"/>
-            </a:xfrm>
-            <a:prstGeom prst="rect">
-              <a:avLst/>
-            </a:prstGeom>
-          </p:spPr>
-        </p:pic>
-        <p:pic>
-          <p:nvPicPr>
-            <p:cNvPr id="124" name="Picture 123" descr="rond.png"/>
-            <p:cNvPicPr>
-              <a:picLocks noChangeAspect="1"/>
-            </p:cNvPicPr>
-            <p:nvPr/>
-          </p:nvPicPr>
-          <p:blipFill>
-            <a:blip r:embed="rId4"/>
-            <a:stretch>
-              <a:fillRect/>
-            </a:stretch>
-          </p:blipFill>
-          <p:spPr>
-            <a:xfrm flipH="1" flipV="1">
-              <a:off x="3928139" y="798857"/>
-              <a:ext cx="198000" cy="198000"/>
-            </a:xfrm>
-            <a:prstGeom prst="rect">
-              <a:avLst/>
-            </a:prstGeom>
-          </p:spPr>
-        </p:pic>
-        <p:pic>
-          <p:nvPicPr>
-            <p:cNvPr id="126" name="Picture 125" descr="rond.png"/>
-            <p:cNvPicPr>
-              <a:picLocks noChangeAspect="1"/>
-            </p:cNvPicPr>
-            <p:nvPr/>
-          </p:nvPicPr>
-          <p:blipFill>
-            <a:blip r:embed="rId4"/>
-            <a:stretch>
-              <a:fillRect/>
-            </a:stretch>
-          </p:blipFill>
-          <p:spPr>
-            <a:xfrm flipH="1" flipV="1">
-              <a:off x="4125899" y="803837"/>
-              <a:ext cx="198000" cy="198000"/>
-            </a:xfrm>
-            <a:prstGeom prst="rect">
-              <a:avLst/>
-            </a:prstGeom>
-          </p:spPr>
-        </p:pic>
-        <p:pic>
-          <p:nvPicPr>
-            <p:cNvPr id="127" name="Picture 126" descr="rond.png"/>
-            <p:cNvPicPr>
-              <a:picLocks noChangeAspect="1"/>
-            </p:cNvPicPr>
-            <p:nvPr/>
-          </p:nvPicPr>
-          <p:blipFill>
-            <a:blip r:embed="rId4"/>
-            <a:stretch>
-              <a:fillRect/>
-            </a:stretch>
-          </p:blipFill>
-          <p:spPr>
-            <a:xfrm flipH="1" flipV="1">
-              <a:off x="4323899" y="798857"/>
-              <a:ext cx="198000" cy="198000"/>
-            </a:xfrm>
-            <a:prstGeom prst="rect">
-              <a:avLst/>
-            </a:prstGeom>
-          </p:spPr>
-        </p:pic>
-        <p:pic>
-          <p:nvPicPr>
-            <p:cNvPr id="128" name="Picture 127" descr="rond.png"/>
-            <p:cNvPicPr>
-              <a:picLocks noChangeAspect="1"/>
-            </p:cNvPicPr>
-            <p:nvPr/>
-          </p:nvPicPr>
-          <p:blipFill>
-            <a:blip r:embed="rId4"/>
-            <a:stretch>
-              <a:fillRect/>
-            </a:stretch>
-          </p:blipFill>
-          <p:spPr>
-            <a:xfrm flipH="1" flipV="1">
-              <a:off x="4521899" y="798310"/>
-              <a:ext cx="198000" cy="198000"/>
-            </a:xfrm>
-            <a:prstGeom prst="rect">
-              <a:avLst/>
-            </a:prstGeom>
-          </p:spPr>
-        </p:pic>
-        <p:pic>
-          <p:nvPicPr>
-            <p:cNvPr id="129" name="Picture 128" descr="rond.png"/>
-            <p:cNvPicPr>
-              <a:picLocks noChangeAspect="1"/>
-            </p:cNvPicPr>
-            <p:nvPr/>
-          </p:nvPicPr>
-          <p:blipFill>
-            <a:blip r:embed="rId4"/>
-            <a:stretch>
-              <a:fillRect/>
-            </a:stretch>
-          </p:blipFill>
-          <p:spPr>
-            <a:xfrm flipH="1" flipV="1">
-              <a:off x="4708319" y="793877"/>
-              <a:ext cx="198000" cy="198000"/>
-            </a:xfrm>
-            <a:prstGeom prst="rect">
-              <a:avLst/>
-            </a:prstGeom>
-          </p:spPr>
-        </p:pic>
-        <p:pic>
-          <p:nvPicPr>
-            <p:cNvPr id="130" name="Picture 129" descr="rond.png"/>
-            <p:cNvPicPr>
-              <a:picLocks noChangeAspect="1"/>
-            </p:cNvPicPr>
-            <p:nvPr/>
-          </p:nvPicPr>
-          <p:blipFill>
-            <a:blip r:embed="rId4"/>
-            <a:stretch>
-              <a:fillRect/>
-            </a:stretch>
-          </p:blipFill>
-          <p:spPr>
-            <a:xfrm flipH="1" flipV="1">
-              <a:off x="4894739" y="798857"/>
-              <a:ext cx="198000" cy="198000"/>
-            </a:xfrm>
-            <a:prstGeom prst="rect">
-              <a:avLst/>
-            </a:prstGeom>
-          </p:spPr>
-        </p:pic>
-        <p:pic>
-          <p:nvPicPr>
-            <p:cNvPr id="131" name="Picture 130" descr="rond.png"/>
-            <p:cNvPicPr>
-              <a:picLocks noChangeAspect="1"/>
-            </p:cNvPicPr>
-            <p:nvPr/>
-          </p:nvPicPr>
-          <p:blipFill>
-            <a:blip r:embed="rId4"/>
-            <a:stretch>
-              <a:fillRect/>
-            </a:stretch>
-          </p:blipFill>
-          <p:spPr>
-            <a:xfrm flipH="1" flipV="1">
-              <a:off x="5092739" y="788897"/>
-              <a:ext cx="198000" cy="198000"/>
-            </a:xfrm>
-            <a:prstGeom prst="rect">
-              <a:avLst/>
-            </a:prstGeom>
-          </p:spPr>
-        </p:pic>
-        <p:pic>
-          <p:nvPicPr>
-            <p:cNvPr id="132" name="Picture 131" descr="rond.png"/>
-            <p:cNvPicPr>
-              <a:picLocks noChangeAspect="1"/>
-            </p:cNvPicPr>
-            <p:nvPr/>
-          </p:nvPicPr>
-          <p:blipFill>
-            <a:blip r:embed="rId4"/>
-            <a:stretch>
-              <a:fillRect/>
-            </a:stretch>
-          </p:blipFill>
-          <p:spPr>
-            <a:xfrm flipH="1" flipV="1">
-              <a:off x="5279159" y="793877"/>
-              <a:ext cx="198000" cy="198000"/>
-            </a:xfrm>
-            <a:prstGeom prst="rect">
-              <a:avLst/>
-            </a:prstGeom>
-          </p:spPr>
-        </p:pic>
-        <p:pic>
-          <p:nvPicPr>
-            <p:cNvPr id="133" name="Picture 132" descr="rond.png"/>
-            <p:cNvPicPr>
-              <a:picLocks noChangeAspect="1"/>
-            </p:cNvPicPr>
-            <p:nvPr/>
-          </p:nvPicPr>
-          <p:blipFill>
-            <a:blip r:embed="rId4"/>
-            <a:stretch>
-              <a:fillRect/>
-            </a:stretch>
-          </p:blipFill>
-          <p:spPr>
-            <a:xfrm flipH="1" flipV="1">
-              <a:off x="5477159" y="788897"/>
-              <a:ext cx="198000" cy="198000"/>
-            </a:xfrm>
-            <a:prstGeom prst="rect">
-              <a:avLst/>
-            </a:prstGeom>
-          </p:spPr>
-        </p:pic>
-        <p:pic>
-          <p:nvPicPr>
-            <p:cNvPr id="134" name="Picture 133" descr="rond.png"/>
-            <p:cNvPicPr>
-              <a:picLocks noChangeAspect="1"/>
-            </p:cNvPicPr>
-            <p:nvPr/>
-          </p:nvPicPr>
-          <p:blipFill>
-            <a:blip r:embed="rId4"/>
-            <a:stretch>
-              <a:fillRect/>
-            </a:stretch>
-          </p:blipFill>
-          <p:spPr>
-            <a:xfrm flipH="1" flipV="1">
-              <a:off x="5663579" y="793877"/>
-              <a:ext cx="198000" cy="198000"/>
-            </a:xfrm>
-            <a:prstGeom prst="rect">
-              <a:avLst/>
-            </a:prstGeom>
-          </p:spPr>
-        </p:pic>
-        <p:pic>
-          <p:nvPicPr>
-            <p:cNvPr id="135" name="Picture 134" descr="fond_barre.png"/>
-            <p:cNvPicPr>
-              <a:picLocks noChangeAspect="1"/>
-            </p:cNvPicPr>
-            <p:nvPr/>
-          </p:nvPicPr>
-          <p:blipFill>
-            <a:blip r:embed="rId3"/>
-            <a:stretch>
-              <a:fillRect/>
-            </a:stretch>
-          </p:blipFill>
-          <p:spPr>
-            <a:xfrm>
-              <a:off x="3897519" y="1192473"/>
-              <a:ext cx="2093215" cy="381000"/>
-            </a:xfrm>
-            <a:prstGeom prst="rect">
-              <a:avLst/>
-            </a:prstGeom>
-          </p:spPr>
-        </p:pic>
-        <p:pic>
-          <p:nvPicPr>
-            <p:cNvPr id="146" name="Picture 145" descr="fond_barre.png"/>
-            <p:cNvPicPr>
-              <a:picLocks noChangeAspect="1"/>
-            </p:cNvPicPr>
-            <p:nvPr/>
-          </p:nvPicPr>
-          <p:blipFill>
-            <a:blip r:embed="rId3"/>
-            <a:stretch>
-              <a:fillRect/>
-            </a:stretch>
-          </p:blipFill>
-          <p:spPr>
-            <a:xfrm>
-              <a:off x="3908859" y="1714113"/>
-              <a:ext cx="2093215" cy="381000"/>
-            </a:xfrm>
-            <a:prstGeom prst="rect">
-              <a:avLst/>
-            </a:prstGeom>
-          </p:spPr>
-        </p:pic>
-        <p:pic>
-          <p:nvPicPr>
-            <p:cNvPr id="157" name="Picture 156" descr="fond_barre.png"/>
-            <p:cNvPicPr>
-              <a:picLocks noChangeAspect="1"/>
-            </p:cNvPicPr>
-            <p:nvPr/>
-          </p:nvPicPr>
-          <p:blipFill>
-            <a:blip r:embed="rId3"/>
-            <a:stretch>
-              <a:fillRect/>
-            </a:stretch>
-          </p:blipFill>
-          <p:spPr>
-            <a:xfrm>
-              <a:off x="3908859" y="2167713"/>
-              <a:ext cx="2093215" cy="381000"/>
-            </a:xfrm>
-            <a:prstGeom prst="rect">
-              <a:avLst/>
-            </a:prstGeom>
-          </p:spPr>
-        </p:pic>
-        <p:pic>
-          <p:nvPicPr>
-            <p:cNvPr id="168" name="Picture 167" descr="rond2.png"/>
-            <p:cNvPicPr>
-              <a:picLocks noChangeAspect="1"/>
-            </p:cNvPicPr>
-            <p:nvPr/>
-          </p:nvPicPr>
-          <p:blipFill>
-            <a:blip r:embed="rId5"/>
-            <a:stretch>
-              <a:fillRect/>
-            </a:stretch>
-          </p:blipFill>
-          <p:spPr>
-            <a:xfrm>
-              <a:off x="4521659" y="798310"/>
-              <a:ext cx="198000" cy="198000"/>
-            </a:xfrm>
-            <a:prstGeom prst="rect">
-              <a:avLst/>
-            </a:prstGeom>
-          </p:spPr>
-        </p:pic>
-        <p:pic>
-          <p:nvPicPr>
-            <p:cNvPr id="283" name="Picture 282" descr="rond.png"/>
-            <p:cNvPicPr>
-              <a:picLocks noChangeAspect="1"/>
-            </p:cNvPicPr>
-            <p:nvPr/>
-          </p:nvPicPr>
-          <p:blipFill>
-            <a:blip r:embed="rId4"/>
-            <a:stretch>
-              <a:fillRect/>
-            </a:stretch>
-          </p:blipFill>
-          <p:spPr>
-            <a:xfrm flipH="1" flipV="1">
-              <a:off x="4526879" y="793877"/>
-              <a:ext cx="198000" cy="198000"/>
-            </a:xfrm>
-            <a:prstGeom prst="rect">
-              <a:avLst/>
-            </a:prstGeom>
-          </p:spPr>
-        </p:pic>
-        <p:pic>
-          <p:nvPicPr>
-            <p:cNvPr id="287" name="Picture 286" descr="rond3.png"/>
-            <p:cNvPicPr>
-              <a:picLocks noChangeAspect="1"/>
-            </p:cNvPicPr>
-            <p:nvPr/>
-          </p:nvPicPr>
-          <p:blipFill>
-            <a:blip r:embed="rId6"/>
-            <a:stretch>
-              <a:fillRect/>
-            </a:stretch>
-          </p:blipFill>
-          <p:spPr>
-            <a:xfrm>
-              <a:off x="5675159" y="788897"/>
-              <a:ext cx="198000" cy="198000"/>
-            </a:xfrm>
-            <a:prstGeom prst="rect">
-              <a:avLst/>
-            </a:prstGeom>
-          </p:spPr>
-        </p:pic>
-        <p:sp>
-          <p:nvSpPr>
-            <p:cNvPr id="298" name="Rectangle 297"/>
-            <p:cNvSpPr/>
-            <p:nvPr/>
-          </p:nvSpPr>
-          <p:spPr>
-            <a:xfrm>
-              <a:off x="6049694" y="564075"/>
-              <a:ext cx="2916000" cy="2131970"/>
-            </a:xfrm>
-            <a:prstGeom prst="rect">
-              <a:avLst/>
-            </a:prstGeom>
-            <a:solidFill>
-              <a:schemeClr val="bg1"/>
-            </a:solidFill>
-            <a:ln w="3175" cap="flat" cmpd="sng" algn="ctr">
-              <a:solidFill>
-                <a:schemeClr val="tx1"/>
-              </a:solidFill>
-              <a:prstDash val="solid"/>
-              <a:round/>
-              <a:headEnd type="none" w="med" len="med"/>
-              <a:tailEnd type="none" w="med" len="med"/>
-            </a:ln>
-          </p:spPr>
-          <p:style>
-            <a:lnRef idx="2">
-              <a:schemeClr val="accent4"/>
-            </a:lnRef>
-            <a:fillRef idx="1">
-              <a:schemeClr val="lt1"/>
-            </a:fillRef>
-            <a:effectRef idx="0">
-              <a:schemeClr val="accent4"/>
-            </a:effectRef>
-            <a:fontRef idx="minor">
-              <a:schemeClr val="dk1"/>
-            </a:fontRef>
-          </p:style>
-          <p:txBody>
-            <a:bodyPr rtlCol="0" anchor="ctr"/>
-            <a:lstStyle/>
-            <a:p>
-              <a:pPr algn="ctr"/>
-              <a:endParaRPr lang="fr-FR"/>
-            </a:p>
-          </p:txBody>
-        </p:sp>
-        <p:sp>
-          <p:nvSpPr>
-            <p:cNvPr id="227" name="TextBox 226"/>
-            <p:cNvSpPr txBox="1"/>
-            <p:nvPr/>
-          </p:nvSpPr>
-          <p:spPr>
-            <a:xfrm>
-              <a:off x="6028395" y="722553"/>
-              <a:ext cx="1222404" cy="307777"/>
-            </a:xfrm>
-            <a:prstGeom prst="rect">
-              <a:avLst/>
-            </a:prstGeom>
-            <a:noFill/>
-          </p:spPr>
-          <p:txBody>
-            <a:bodyPr wrap="square" rtlCol="0">
-              <a:spAutoFit/>
-            </a:bodyPr>
-            <a:lstStyle/>
-            <a:p>
-              <a:r>
-                <a:rPr lang="fr-FR" sz="1400" dirty="0" smtClean="0">
-                  <a:latin typeface="+mj-lt"/>
-                </a:rPr>
-                <a:t>Distance :</a:t>
-              </a:r>
-              <a:endParaRPr lang="fr-FR" sz="1400" dirty="0">
-                <a:latin typeface="+mj-lt"/>
-              </a:endParaRPr>
-            </a:p>
-          </p:txBody>
-        </p:sp>
-        <p:sp>
-          <p:nvSpPr>
-            <p:cNvPr id="228" name="TextBox 227"/>
-            <p:cNvSpPr txBox="1"/>
-            <p:nvPr/>
-          </p:nvSpPr>
-          <p:spPr>
-            <a:xfrm>
-              <a:off x="6039735" y="1244285"/>
-              <a:ext cx="1070004" cy="307777"/>
-            </a:xfrm>
-            <a:prstGeom prst="rect">
-              <a:avLst/>
-            </a:prstGeom>
-            <a:noFill/>
-          </p:spPr>
-          <p:txBody>
-            <a:bodyPr wrap="square" rtlCol="0">
-              <a:spAutoFit/>
-            </a:bodyPr>
-            <a:lstStyle/>
-            <a:p>
-              <a:r>
-                <a:rPr lang="fr-FR" sz="1400" dirty="0" smtClean="0"/>
-                <a:t>Sécurité :</a:t>
-              </a:r>
-              <a:endParaRPr lang="fr-FR" sz="1400" dirty="0"/>
-            </a:p>
-          </p:txBody>
-        </p:sp>
-        <p:sp>
-          <p:nvSpPr>
-            <p:cNvPr id="229" name="TextBox 228"/>
-            <p:cNvSpPr txBox="1"/>
-            <p:nvPr/>
-          </p:nvSpPr>
-          <p:spPr>
-            <a:xfrm>
-              <a:off x="6056055" y="1731997"/>
-              <a:ext cx="1070004" cy="307777"/>
-            </a:xfrm>
-            <a:prstGeom prst="rect">
-              <a:avLst/>
-            </a:prstGeom>
-            <a:noFill/>
-          </p:spPr>
-          <p:txBody>
-            <a:bodyPr wrap="square" rtlCol="0">
-              <a:spAutoFit/>
-            </a:bodyPr>
-            <a:lstStyle/>
-            <a:p>
-              <a:r>
-                <a:rPr lang="fr-FR" sz="1400" dirty="0" smtClean="0"/>
-                <a:t>Effort :</a:t>
-              </a:r>
-              <a:endParaRPr lang="fr-FR" sz="1400" dirty="0"/>
-            </a:p>
-          </p:txBody>
-        </p:sp>
-        <p:sp>
-          <p:nvSpPr>
-            <p:cNvPr id="230" name="TextBox 229"/>
-            <p:cNvSpPr txBox="1"/>
-            <p:nvPr/>
-          </p:nvSpPr>
-          <p:spPr>
-            <a:xfrm>
-              <a:off x="6044714" y="2200009"/>
-              <a:ext cx="1314491" cy="307777"/>
-            </a:xfrm>
-            <a:prstGeom prst="rect">
-              <a:avLst/>
-            </a:prstGeom>
-            <a:noFill/>
-          </p:spPr>
-          <p:txBody>
-            <a:bodyPr wrap="square" rtlCol="0">
-              <a:spAutoFit/>
-            </a:bodyPr>
-            <a:lstStyle/>
-            <a:p>
-              <a:r>
-                <a:rPr lang="fr-FR" sz="1400" dirty="0" smtClean="0"/>
-                <a:t>Tourisme :</a:t>
-              </a:r>
-              <a:endParaRPr lang="fr-FR" sz="1400" dirty="0"/>
-            </a:p>
-          </p:txBody>
-        </p:sp>
-        <p:pic>
-          <p:nvPicPr>
-            <p:cNvPr id="231" name="Picture 230" descr="fond_barre.png"/>
-            <p:cNvPicPr>
-              <a:picLocks noChangeAspect="1"/>
-            </p:cNvPicPr>
-            <p:nvPr/>
-          </p:nvPicPr>
-          <p:blipFill>
-            <a:blip r:embed="rId3"/>
-            <a:stretch>
-              <a:fillRect/>
-            </a:stretch>
-          </p:blipFill>
-          <p:spPr>
-            <a:xfrm>
-              <a:off x="6865239" y="722553"/>
-              <a:ext cx="2093215" cy="381000"/>
-            </a:xfrm>
-            <a:prstGeom prst="rect">
-              <a:avLst/>
-            </a:prstGeom>
-          </p:spPr>
-        </p:pic>
-        <p:pic>
-          <p:nvPicPr>
-            <p:cNvPr id="232" name="Picture 231" descr="rond.png"/>
-            <p:cNvPicPr>
-              <a:picLocks noChangeAspect="1"/>
-            </p:cNvPicPr>
-            <p:nvPr/>
-          </p:nvPicPr>
-          <p:blipFill>
-            <a:blip r:embed="rId4"/>
-            <a:stretch>
-              <a:fillRect/>
-            </a:stretch>
-          </p:blipFill>
-          <p:spPr>
-            <a:xfrm flipH="1" flipV="1">
-              <a:off x="6912179" y="821537"/>
-              <a:ext cx="198000" cy="198000"/>
-            </a:xfrm>
-            <a:prstGeom prst="rect">
-              <a:avLst/>
-            </a:prstGeom>
-          </p:spPr>
-        </p:pic>
-        <p:pic>
-          <p:nvPicPr>
-            <p:cNvPr id="234" name="Picture 233" descr="rond.png"/>
-            <p:cNvPicPr>
-              <a:picLocks noChangeAspect="1"/>
-            </p:cNvPicPr>
-            <p:nvPr/>
-          </p:nvPicPr>
-          <p:blipFill>
-            <a:blip r:embed="rId4"/>
-            <a:stretch>
-              <a:fillRect/>
-            </a:stretch>
-          </p:blipFill>
-          <p:spPr>
-            <a:xfrm flipH="1" flipV="1">
-              <a:off x="7109939" y="826517"/>
-              <a:ext cx="198000" cy="198000"/>
-            </a:xfrm>
-            <a:prstGeom prst="rect">
-              <a:avLst/>
-            </a:prstGeom>
-          </p:spPr>
-        </p:pic>
-        <p:pic>
-          <p:nvPicPr>
-            <p:cNvPr id="235" name="Picture 234" descr="rond.png"/>
-            <p:cNvPicPr>
-              <a:picLocks noChangeAspect="1"/>
-            </p:cNvPicPr>
-            <p:nvPr/>
-          </p:nvPicPr>
-          <p:blipFill>
-            <a:blip r:embed="rId4"/>
-            <a:stretch>
-              <a:fillRect/>
-            </a:stretch>
-          </p:blipFill>
-          <p:spPr>
-            <a:xfrm flipH="1" flipV="1">
-              <a:off x="7307939" y="821537"/>
-              <a:ext cx="198000" cy="198000"/>
-            </a:xfrm>
-            <a:prstGeom prst="rect">
-              <a:avLst/>
-            </a:prstGeom>
-          </p:spPr>
-        </p:pic>
-        <p:pic>
-          <p:nvPicPr>
-            <p:cNvPr id="236" name="Picture 235" descr="rond.png"/>
-            <p:cNvPicPr>
-              <a:picLocks noChangeAspect="1"/>
-            </p:cNvPicPr>
-            <p:nvPr/>
-          </p:nvPicPr>
-          <p:blipFill>
-            <a:blip r:embed="rId4"/>
-            <a:stretch>
-              <a:fillRect/>
-            </a:stretch>
-          </p:blipFill>
-          <p:spPr>
-            <a:xfrm flipH="1" flipV="1">
-              <a:off x="7505939" y="820990"/>
-              <a:ext cx="198000" cy="198000"/>
-            </a:xfrm>
-            <a:prstGeom prst="rect">
-              <a:avLst/>
-            </a:prstGeom>
-          </p:spPr>
-        </p:pic>
-        <p:pic>
-          <p:nvPicPr>
-            <p:cNvPr id="237" name="Picture 236" descr="rond.png"/>
-            <p:cNvPicPr>
-              <a:picLocks noChangeAspect="1"/>
-            </p:cNvPicPr>
-            <p:nvPr/>
-          </p:nvPicPr>
-          <p:blipFill>
-            <a:blip r:embed="rId4"/>
-            <a:stretch>
-              <a:fillRect/>
-            </a:stretch>
-          </p:blipFill>
-          <p:spPr>
-            <a:xfrm flipH="1" flipV="1">
-              <a:off x="7692359" y="816557"/>
-              <a:ext cx="198000" cy="198000"/>
-            </a:xfrm>
-            <a:prstGeom prst="rect">
-              <a:avLst/>
-            </a:prstGeom>
-          </p:spPr>
-        </p:pic>
-        <p:pic>
-          <p:nvPicPr>
-            <p:cNvPr id="238" name="Picture 237" descr="rond.png"/>
-            <p:cNvPicPr>
-              <a:picLocks noChangeAspect="1"/>
-            </p:cNvPicPr>
-            <p:nvPr/>
-          </p:nvPicPr>
-          <p:blipFill>
-            <a:blip r:embed="rId4"/>
-            <a:stretch>
-              <a:fillRect/>
-            </a:stretch>
-          </p:blipFill>
-          <p:spPr>
-            <a:xfrm flipH="1" flipV="1">
-              <a:off x="7878779" y="821537"/>
-              <a:ext cx="198000" cy="198000"/>
-            </a:xfrm>
-            <a:prstGeom prst="rect">
-              <a:avLst/>
-            </a:prstGeom>
-          </p:spPr>
-        </p:pic>
-        <p:pic>
-          <p:nvPicPr>
-            <p:cNvPr id="239" name="Picture 238" descr="rond.png"/>
-            <p:cNvPicPr>
-              <a:picLocks noChangeAspect="1"/>
-            </p:cNvPicPr>
-            <p:nvPr/>
-          </p:nvPicPr>
-          <p:blipFill>
-            <a:blip r:embed="rId4"/>
-            <a:stretch>
-              <a:fillRect/>
-            </a:stretch>
-          </p:blipFill>
-          <p:spPr>
-            <a:xfrm flipH="1" flipV="1">
-              <a:off x="8076779" y="811577"/>
-              <a:ext cx="198000" cy="198000"/>
-            </a:xfrm>
-            <a:prstGeom prst="rect">
-              <a:avLst/>
-            </a:prstGeom>
-          </p:spPr>
-        </p:pic>
-        <p:pic>
-          <p:nvPicPr>
-            <p:cNvPr id="240" name="Picture 239" descr="rond.png"/>
-            <p:cNvPicPr>
-              <a:picLocks noChangeAspect="1"/>
-            </p:cNvPicPr>
-            <p:nvPr/>
-          </p:nvPicPr>
-          <p:blipFill>
-            <a:blip r:embed="rId4"/>
-            <a:stretch>
-              <a:fillRect/>
-            </a:stretch>
-          </p:blipFill>
-          <p:spPr>
-            <a:xfrm flipH="1" flipV="1">
-              <a:off x="8263199" y="816557"/>
-              <a:ext cx="198000" cy="198000"/>
-            </a:xfrm>
-            <a:prstGeom prst="rect">
-              <a:avLst/>
-            </a:prstGeom>
-          </p:spPr>
-        </p:pic>
-        <p:pic>
-          <p:nvPicPr>
-            <p:cNvPr id="241" name="Picture 240" descr="rond.png"/>
-            <p:cNvPicPr>
-              <a:picLocks noChangeAspect="1"/>
-            </p:cNvPicPr>
-            <p:nvPr/>
-          </p:nvPicPr>
-          <p:blipFill>
-            <a:blip r:embed="rId4"/>
-            <a:stretch>
-              <a:fillRect/>
-            </a:stretch>
-          </p:blipFill>
-          <p:spPr>
-            <a:xfrm flipH="1" flipV="1">
-              <a:off x="8461199" y="811577"/>
-              <a:ext cx="198000" cy="198000"/>
-            </a:xfrm>
-            <a:prstGeom prst="rect">
-              <a:avLst/>
-            </a:prstGeom>
-          </p:spPr>
-        </p:pic>
-        <p:pic>
-          <p:nvPicPr>
-            <p:cNvPr id="242" name="Picture 241" descr="rond.png"/>
-            <p:cNvPicPr>
-              <a:picLocks noChangeAspect="1"/>
-            </p:cNvPicPr>
-            <p:nvPr/>
-          </p:nvPicPr>
-          <p:blipFill>
-            <a:blip r:embed="rId4"/>
-            <a:stretch>
-              <a:fillRect/>
-            </a:stretch>
-          </p:blipFill>
-          <p:spPr>
-            <a:xfrm flipH="1" flipV="1">
-              <a:off x="8647619" y="816557"/>
-              <a:ext cx="198000" cy="198000"/>
-            </a:xfrm>
-            <a:prstGeom prst="rect">
-              <a:avLst/>
-            </a:prstGeom>
-          </p:spPr>
-        </p:pic>
-        <p:pic>
-          <p:nvPicPr>
-            <p:cNvPr id="243" name="Picture 242" descr="fond_barre.png"/>
-            <p:cNvPicPr>
-              <a:picLocks noChangeAspect="1"/>
-            </p:cNvPicPr>
-            <p:nvPr/>
-          </p:nvPicPr>
-          <p:blipFill>
-            <a:blip r:embed="rId3"/>
-            <a:stretch>
-              <a:fillRect/>
-            </a:stretch>
-          </p:blipFill>
-          <p:spPr>
-            <a:xfrm>
-              <a:off x="6870219" y="1215153"/>
-              <a:ext cx="2093215" cy="381000"/>
-            </a:xfrm>
-            <a:prstGeom prst="rect">
-              <a:avLst/>
-            </a:prstGeom>
-          </p:spPr>
-        </p:pic>
-        <p:pic>
-          <p:nvPicPr>
-            <p:cNvPr id="244" name="Picture 243" descr="rond.png"/>
-            <p:cNvPicPr>
-              <a:picLocks noChangeAspect="1"/>
-            </p:cNvPicPr>
-            <p:nvPr/>
-          </p:nvPicPr>
-          <p:blipFill>
-            <a:blip r:embed="rId4"/>
-            <a:stretch>
-              <a:fillRect/>
-            </a:stretch>
-          </p:blipFill>
-          <p:spPr>
-            <a:xfrm flipH="1" flipV="1">
-              <a:off x="6917159" y="1314137"/>
-              <a:ext cx="198000" cy="198000"/>
-            </a:xfrm>
-            <a:prstGeom prst="rect">
-              <a:avLst/>
-            </a:prstGeom>
-          </p:spPr>
-        </p:pic>
-        <p:pic>
-          <p:nvPicPr>
-            <p:cNvPr id="245" name="Picture 244" descr="rond.png"/>
-            <p:cNvPicPr>
-              <a:picLocks noChangeAspect="1"/>
-            </p:cNvPicPr>
-            <p:nvPr/>
-          </p:nvPicPr>
-          <p:blipFill>
-            <a:blip r:embed="rId4"/>
-            <a:stretch>
-              <a:fillRect/>
-            </a:stretch>
-          </p:blipFill>
-          <p:spPr>
-            <a:xfrm flipH="1" flipV="1">
-              <a:off x="7114919" y="1319117"/>
-              <a:ext cx="198000" cy="198000"/>
-            </a:xfrm>
-            <a:prstGeom prst="rect">
-              <a:avLst/>
-            </a:prstGeom>
-          </p:spPr>
-        </p:pic>
-        <p:pic>
-          <p:nvPicPr>
-            <p:cNvPr id="246" name="Picture 245" descr="rond.png"/>
-            <p:cNvPicPr>
-              <a:picLocks noChangeAspect="1"/>
-            </p:cNvPicPr>
-            <p:nvPr/>
-          </p:nvPicPr>
-          <p:blipFill>
-            <a:blip r:embed="rId4"/>
-            <a:stretch>
-              <a:fillRect/>
-            </a:stretch>
-          </p:blipFill>
-          <p:spPr>
-            <a:xfrm flipH="1" flipV="1">
-              <a:off x="7312919" y="1314137"/>
-              <a:ext cx="198000" cy="198000"/>
-            </a:xfrm>
-            <a:prstGeom prst="rect">
-              <a:avLst/>
-            </a:prstGeom>
-          </p:spPr>
-        </p:pic>
-        <p:pic>
-          <p:nvPicPr>
-            <p:cNvPr id="247" name="Picture 246" descr="rond.png"/>
-            <p:cNvPicPr>
-              <a:picLocks noChangeAspect="1"/>
-            </p:cNvPicPr>
-            <p:nvPr/>
-          </p:nvPicPr>
-          <p:blipFill>
-            <a:blip r:embed="rId4"/>
-            <a:stretch>
-              <a:fillRect/>
-            </a:stretch>
-          </p:blipFill>
-          <p:spPr>
-            <a:xfrm flipH="1" flipV="1">
-              <a:off x="7510919" y="1313590"/>
-              <a:ext cx="198000" cy="198000"/>
-            </a:xfrm>
-            <a:prstGeom prst="rect">
-              <a:avLst/>
-            </a:prstGeom>
-          </p:spPr>
-        </p:pic>
-        <p:pic>
-          <p:nvPicPr>
-            <p:cNvPr id="248" name="Picture 247" descr="rond.png"/>
-            <p:cNvPicPr>
-              <a:picLocks noChangeAspect="1"/>
-            </p:cNvPicPr>
-            <p:nvPr/>
-          </p:nvPicPr>
-          <p:blipFill>
-            <a:blip r:embed="rId4"/>
-            <a:stretch>
-              <a:fillRect/>
-            </a:stretch>
-          </p:blipFill>
-          <p:spPr>
-            <a:xfrm flipH="1" flipV="1">
-              <a:off x="7697339" y="1309157"/>
-              <a:ext cx="198000" cy="198000"/>
-            </a:xfrm>
-            <a:prstGeom prst="rect">
-              <a:avLst/>
-            </a:prstGeom>
-          </p:spPr>
-        </p:pic>
-        <p:pic>
-          <p:nvPicPr>
-            <p:cNvPr id="249" name="Picture 248" descr="rond.png"/>
-            <p:cNvPicPr>
-              <a:picLocks noChangeAspect="1"/>
-            </p:cNvPicPr>
-            <p:nvPr/>
-          </p:nvPicPr>
-          <p:blipFill>
-            <a:blip r:embed="rId4"/>
-            <a:stretch>
-              <a:fillRect/>
-            </a:stretch>
-          </p:blipFill>
-          <p:spPr>
-            <a:xfrm flipH="1" flipV="1">
-              <a:off x="7883759" y="1314137"/>
-              <a:ext cx="198000" cy="198000"/>
-            </a:xfrm>
-            <a:prstGeom prst="rect">
-              <a:avLst/>
-            </a:prstGeom>
-          </p:spPr>
-        </p:pic>
-        <p:pic>
-          <p:nvPicPr>
-            <p:cNvPr id="250" name="Picture 249" descr="rond.png"/>
-            <p:cNvPicPr>
-              <a:picLocks noChangeAspect="1"/>
-            </p:cNvPicPr>
-            <p:nvPr/>
-          </p:nvPicPr>
-          <p:blipFill>
-            <a:blip r:embed="rId4"/>
-            <a:stretch>
-              <a:fillRect/>
-            </a:stretch>
-          </p:blipFill>
-          <p:spPr>
-            <a:xfrm flipH="1" flipV="1">
-              <a:off x="8081759" y="1304177"/>
-              <a:ext cx="198000" cy="198000"/>
-            </a:xfrm>
-            <a:prstGeom prst="rect">
-              <a:avLst/>
-            </a:prstGeom>
-          </p:spPr>
-        </p:pic>
-        <p:pic>
-          <p:nvPicPr>
-            <p:cNvPr id="251" name="Picture 250" descr="rond.png"/>
-            <p:cNvPicPr>
-              <a:picLocks noChangeAspect="1"/>
-            </p:cNvPicPr>
-            <p:nvPr/>
-          </p:nvPicPr>
-          <p:blipFill>
-            <a:blip r:embed="rId4"/>
-            <a:stretch>
-              <a:fillRect/>
-            </a:stretch>
-          </p:blipFill>
-          <p:spPr>
-            <a:xfrm flipH="1" flipV="1">
-              <a:off x="8268179" y="1309157"/>
-              <a:ext cx="198000" cy="198000"/>
-            </a:xfrm>
-            <a:prstGeom prst="rect">
-              <a:avLst/>
-            </a:prstGeom>
-          </p:spPr>
-        </p:pic>
-        <p:pic>
-          <p:nvPicPr>
-            <p:cNvPr id="252" name="Picture 251" descr="rond.png"/>
-            <p:cNvPicPr>
-              <a:picLocks noChangeAspect="1"/>
-            </p:cNvPicPr>
-            <p:nvPr/>
-          </p:nvPicPr>
-          <p:blipFill>
-            <a:blip r:embed="rId4"/>
-            <a:stretch>
-              <a:fillRect/>
-            </a:stretch>
-          </p:blipFill>
-          <p:spPr>
-            <a:xfrm flipH="1" flipV="1">
-              <a:off x="8466179" y="1304177"/>
-              <a:ext cx="198000" cy="198000"/>
-            </a:xfrm>
-            <a:prstGeom prst="rect">
-              <a:avLst/>
-            </a:prstGeom>
-          </p:spPr>
-        </p:pic>
-        <p:pic>
-          <p:nvPicPr>
-            <p:cNvPr id="253" name="Picture 252" descr="rond.png"/>
-            <p:cNvPicPr>
-              <a:picLocks noChangeAspect="1"/>
-            </p:cNvPicPr>
-            <p:nvPr/>
-          </p:nvPicPr>
-          <p:blipFill>
-            <a:blip r:embed="rId4"/>
-            <a:stretch>
-              <a:fillRect/>
-            </a:stretch>
-          </p:blipFill>
-          <p:spPr>
-            <a:xfrm flipH="1" flipV="1">
-              <a:off x="8652599" y="1309157"/>
-              <a:ext cx="198000" cy="198000"/>
-            </a:xfrm>
-            <a:prstGeom prst="rect">
-              <a:avLst/>
-            </a:prstGeom>
-          </p:spPr>
-        </p:pic>
-        <p:pic>
-          <p:nvPicPr>
-            <p:cNvPr id="254" name="Picture 253" descr="fond_barre.png"/>
-            <p:cNvPicPr>
-              <a:picLocks noChangeAspect="1"/>
-            </p:cNvPicPr>
-            <p:nvPr/>
-          </p:nvPicPr>
-          <p:blipFill>
-            <a:blip r:embed="rId3"/>
-            <a:stretch>
-              <a:fillRect/>
-            </a:stretch>
-          </p:blipFill>
-          <p:spPr>
-            <a:xfrm>
-              <a:off x="6881559" y="1736793"/>
-              <a:ext cx="2093215" cy="381000"/>
-            </a:xfrm>
-            <a:prstGeom prst="rect">
-              <a:avLst/>
-            </a:prstGeom>
-          </p:spPr>
-        </p:pic>
-        <p:pic>
-          <p:nvPicPr>
-            <p:cNvPr id="255" name="Picture 254" descr="rond.png"/>
-            <p:cNvPicPr>
-              <a:picLocks noChangeAspect="1"/>
-            </p:cNvPicPr>
-            <p:nvPr/>
-          </p:nvPicPr>
-          <p:blipFill>
-            <a:blip r:embed="rId4"/>
-            <a:stretch>
-              <a:fillRect/>
-            </a:stretch>
-          </p:blipFill>
-          <p:spPr>
-            <a:xfrm flipH="1" flipV="1">
-              <a:off x="6928499" y="1835777"/>
-              <a:ext cx="198000" cy="198000"/>
-            </a:xfrm>
-            <a:prstGeom prst="rect">
-              <a:avLst/>
-            </a:prstGeom>
-          </p:spPr>
-        </p:pic>
-        <p:pic>
-          <p:nvPicPr>
-            <p:cNvPr id="256" name="Picture 255" descr="rond.png"/>
-            <p:cNvPicPr>
-              <a:picLocks noChangeAspect="1"/>
-            </p:cNvPicPr>
-            <p:nvPr/>
-          </p:nvPicPr>
-          <p:blipFill>
-            <a:blip r:embed="rId4"/>
-            <a:stretch>
-              <a:fillRect/>
-            </a:stretch>
-          </p:blipFill>
-          <p:spPr>
-            <a:xfrm flipH="1" flipV="1">
-              <a:off x="7126259" y="1840757"/>
-              <a:ext cx="198000" cy="198000"/>
-            </a:xfrm>
-            <a:prstGeom prst="rect">
-              <a:avLst/>
-            </a:prstGeom>
-          </p:spPr>
-        </p:pic>
-        <p:pic>
-          <p:nvPicPr>
-            <p:cNvPr id="257" name="Picture 256" descr="rond.png"/>
-            <p:cNvPicPr>
-              <a:picLocks noChangeAspect="1"/>
-            </p:cNvPicPr>
-            <p:nvPr/>
-          </p:nvPicPr>
-          <p:blipFill>
-            <a:blip r:embed="rId4"/>
-            <a:stretch>
-              <a:fillRect/>
-            </a:stretch>
-          </p:blipFill>
-          <p:spPr>
-            <a:xfrm flipH="1" flipV="1">
-              <a:off x="7324259" y="1835777"/>
-              <a:ext cx="198000" cy="198000"/>
-            </a:xfrm>
-            <a:prstGeom prst="rect">
-              <a:avLst/>
-            </a:prstGeom>
-          </p:spPr>
-        </p:pic>
-        <p:pic>
-          <p:nvPicPr>
-            <p:cNvPr id="258" name="Picture 257" descr="rond.png"/>
-            <p:cNvPicPr>
-              <a:picLocks noChangeAspect="1"/>
-            </p:cNvPicPr>
-            <p:nvPr/>
-          </p:nvPicPr>
-          <p:blipFill>
-            <a:blip r:embed="rId4"/>
-            <a:stretch>
-              <a:fillRect/>
-            </a:stretch>
-          </p:blipFill>
-          <p:spPr>
-            <a:xfrm flipH="1" flipV="1">
-              <a:off x="7522259" y="1835230"/>
-              <a:ext cx="198000" cy="198000"/>
-            </a:xfrm>
-            <a:prstGeom prst="rect">
-              <a:avLst/>
-            </a:prstGeom>
-          </p:spPr>
-        </p:pic>
-        <p:pic>
-          <p:nvPicPr>
-            <p:cNvPr id="259" name="Picture 258" descr="rond.png"/>
-            <p:cNvPicPr>
-              <a:picLocks noChangeAspect="1"/>
-            </p:cNvPicPr>
-            <p:nvPr/>
-          </p:nvPicPr>
-          <p:blipFill>
-            <a:blip r:embed="rId4"/>
-            <a:stretch>
-              <a:fillRect/>
-            </a:stretch>
-          </p:blipFill>
-          <p:spPr>
-            <a:xfrm flipH="1" flipV="1">
-              <a:off x="7708679" y="1830797"/>
-              <a:ext cx="198000" cy="198000"/>
-            </a:xfrm>
-            <a:prstGeom prst="rect">
-              <a:avLst/>
-            </a:prstGeom>
-          </p:spPr>
-        </p:pic>
-        <p:pic>
-          <p:nvPicPr>
-            <p:cNvPr id="260" name="Picture 259" descr="rond.png"/>
-            <p:cNvPicPr>
-              <a:picLocks noChangeAspect="1"/>
-            </p:cNvPicPr>
-            <p:nvPr/>
-          </p:nvPicPr>
-          <p:blipFill>
-            <a:blip r:embed="rId4"/>
-            <a:stretch>
-              <a:fillRect/>
-            </a:stretch>
-          </p:blipFill>
-          <p:spPr>
-            <a:xfrm flipH="1" flipV="1">
-              <a:off x="7895099" y="1835777"/>
-              <a:ext cx="198000" cy="198000"/>
-            </a:xfrm>
-            <a:prstGeom prst="rect">
-              <a:avLst/>
-            </a:prstGeom>
-          </p:spPr>
-        </p:pic>
-        <p:pic>
-          <p:nvPicPr>
-            <p:cNvPr id="261" name="Picture 260" descr="rond.png"/>
-            <p:cNvPicPr>
-              <a:picLocks noChangeAspect="1"/>
-            </p:cNvPicPr>
-            <p:nvPr/>
-          </p:nvPicPr>
-          <p:blipFill>
-            <a:blip r:embed="rId4"/>
-            <a:stretch>
-              <a:fillRect/>
-            </a:stretch>
-          </p:blipFill>
-          <p:spPr>
-            <a:xfrm flipH="1" flipV="1">
-              <a:off x="8093099" y="1825817"/>
-              <a:ext cx="198000" cy="198000"/>
-            </a:xfrm>
-            <a:prstGeom prst="rect">
-              <a:avLst/>
-            </a:prstGeom>
-          </p:spPr>
-        </p:pic>
-        <p:pic>
-          <p:nvPicPr>
-            <p:cNvPr id="262" name="Picture 261" descr="rond.png"/>
-            <p:cNvPicPr>
-              <a:picLocks noChangeAspect="1"/>
-            </p:cNvPicPr>
-            <p:nvPr/>
-          </p:nvPicPr>
-          <p:blipFill>
-            <a:blip r:embed="rId4"/>
-            <a:stretch>
-              <a:fillRect/>
-            </a:stretch>
-          </p:blipFill>
-          <p:spPr>
-            <a:xfrm flipH="1" flipV="1">
-              <a:off x="8279519" y="1830797"/>
-              <a:ext cx="198000" cy="198000"/>
-            </a:xfrm>
-            <a:prstGeom prst="rect">
-              <a:avLst/>
-            </a:prstGeom>
-          </p:spPr>
-        </p:pic>
-        <p:pic>
-          <p:nvPicPr>
-            <p:cNvPr id="263" name="Picture 262" descr="rond.png"/>
-            <p:cNvPicPr>
-              <a:picLocks noChangeAspect="1"/>
-            </p:cNvPicPr>
-            <p:nvPr/>
-          </p:nvPicPr>
-          <p:blipFill>
-            <a:blip r:embed="rId4"/>
-            <a:stretch>
-              <a:fillRect/>
-            </a:stretch>
-          </p:blipFill>
-          <p:spPr>
-            <a:xfrm flipH="1" flipV="1">
-              <a:off x="8477519" y="1825817"/>
-              <a:ext cx="198000" cy="198000"/>
-            </a:xfrm>
-            <a:prstGeom prst="rect">
-              <a:avLst/>
-            </a:prstGeom>
-          </p:spPr>
-        </p:pic>
-        <p:pic>
-          <p:nvPicPr>
-            <p:cNvPr id="264" name="Picture 263" descr="rond.png"/>
-            <p:cNvPicPr>
-              <a:picLocks noChangeAspect="1"/>
-            </p:cNvPicPr>
-            <p:nvPr/>
-          </p:nvPicPr>
-          <p:blipFill>
-            <a:blip r:embed="rId4"/>
-            <a:stretch>
-              <a:fillRect/>
-            </a:stretch>
-          </p:blipFill>
-          <p:spPr>
-            <a:xfrm flipH="1" flipV="1">
-              <a:off x="8663939" y="1830797"/>
-              <a:ext cx="198000" cy="198000"/>
-            </a:xfrm>
-            <a:prstGeom prst="rect">
-              <a:avLst/>
-            </a:prstGeom>
-          </p:spPr>
-        </p:pic>
-        <p:pic>
-          <p:nvPicPr>
-            <p:cNvPr id="265" name="Picture 264" descr="fond_barre.png"/>
-            <p:cNvPicPr>
-              <a:picLocks noChangeAspect="1"/>
-            </p:cNvPicPr>
-            <p:nvPr/>
-          </p:nvPicPr>
-          <p:blipFill>
-            <a:blip r:embed="rId3"/>
-            <a:stretch>
-              <a:fillRect/>
-            </a:stretch>
-          </p:blipFill>
-          <p:spPr>
-            <a:xfrm>
-              <a:off x="6881559" y="2190393"/>
-              <a:ext cx="2093215" cy="381000"/>
-            </a:xfrm>
-            <a:prstGeom prst="rect">
-              <a:avLst/>
-            </a:prstGeom>
-          </p:spPr>
-        </p:pic>
-        <p:pic>
-          <p:nvPicPr>
-            <p:cNvPr id="266" name="Picture 265" descr="rond.png"/>
-            <p:cNvPicPr>
-              <a:picLocks noChangeAspect="1"/>
-            </p:cNvPicPr>
-            <p:nvPr/>
-          </p:nvPicPr>
-          <p:blipFill>
-            <a:blip r:embed="rId4"/>
-            <a:stretch>
-              <a:fillRect/>
-            </a:stretch>
-          </p:blipFill>
-          <p:spPr>
-            <a:xfrm flipH="1" flipV="1">
-              <a:off x="6928499" y="2289377"/>
-              <a:ext cx="198000" cy="198000"/>
-            </a:xfrm>
-            <a:prstGeom prst="rect">
-              <a:avLst/>
-            </a:prstGeom>
-          </p:spPr>
-        </p:pic>
-        <p:pic>
-          <p:nvPicPr>
-            <p:cNvPr id="267" name="Picture 266" descr="rond.png"/>
-            <p:cNvPicPr>
-              <a:picLocks noChangeAspect="1"/>
-            </p:cNvPicPr>
-            <p:nvPr/>
-          </p:nvPicPr>
-          <p:blipFill>
-            <a:blip r:embed="rId4"/>
-            <a:stretch>
-              <a:fillRect/>
-            </a:stretch>
-          </p:blipFill>
-          <p:spPr>
-            <a:xfrm flipH="1" flipV="1">
-              <a:off x="7126259" y="2294357"/>
-              <a:ext cx="198000" cy="198000"/>
-            </a:xfrm>
-            <a:prstGeom prst="rect">
-              <a:avLst/>
-            </a:prstGeom>
-          </p:spPr>
-        </p:pic>
-        <p:pic>
-          <p:nvPicPr>
-            <p:cNvPr id="268" name="Picture 267" descr="rond.png"/>
-            <p:cNvPicPr>
-              <a:picLocks noChangeAspect="1"/>
-            </p:cNvPicPr>
-            <p:nvPr/>
-          </p:nvPicPr>
-          <p:blipFill>
-            <a:blip r:embed="rId4"/>
-            <a:stretch>
-              <a:fillRect/>
-            </a:stretch>
-          </p:blipFill>
-          <p:spPr>
-            <a:xfrm flipH="1" flipV="1">
-              <a:off x="7324259" y="2289377"/>
-              <a:ext cx="198000" cy="198000"/>
-            </a:xfrm>
-            <a:prstGeom prst="rect">
-              <a:avLst/>
-            </a:prstGeom>
-          </p:spPr>
-        </p:pic>
-        <p:pic>
-          <p:nvPicPr>
-            <p:cNvPr id="269" name="Picture 268" descr="rond.png"/>
-            <p:cNvPicPr>
-              <a:picLocks noChangeAspect="1"/>
-            </p:cNvPicPr>
-            <p:nvPr/>
-          </p:nvPicPr>
-          <p:blipFill>
-            <a:blip r:embed="rId4"/>
-            <a:stretch>
-              <a:fillRect/>
-            </a:stretch>
-          </p:blipFill>
-          <p:spPr>
-            <a:xfrm flipH="1" flipV="1">
-              <a:off x="7522259" y="2288830"/>
-              <a:ext cx="198000" cy="198000"/>
-            </a:xfrm>
-            <a:prstGeom prst="rect">
-              <a:avLst/>
-            </a:prstGeom>
-          </p:spPr>
-        </p:pic>
-        <p:pic>
-          <p:nvPicPr>
-            <p:cNvPr id="270" name="Picture 269" descr="rond.png"/>
-            <p:cNvPicPr>
-              <a:picLocks noChangeAspect="1"/>
-            </p:cNvPicPr>
-            <p:nvPr/>
-          </p:nvPicPr>
-          <p:blipFill>
-            <a:blip r:embed="rId4"/>
-            <a:stretch>
-              <a:fillRect/>
-            </a:stretch>
-          </p:blipFill>
-          <p:spPr>
-            <a:xfrm flipH="1" flipV="1">
-              <a:off x="7708679" y="2284397"/>
-              <a:ext cx="198000" cy="198000"/>
-            </a:xfrm>
-            <a:prstGeom prst="rect">
-              <a:avLst/>
-            </a:prstGeom>
-          </p:spPr>
-        </p:pic>
-        <p:pic>
-          <p:nvPicPr>
-            <p:cNvPr id="271" name="Picture 270" descr="rond.png"/>
-            <p:cNvPicPr>
-              <a:picLocks noChangeAspect="1"/>
-            </p:cNvPicPr>
-            <p:nvPr/>
-          </p:nvPicPr>
-          <p:blipFill>
-            <a:blip r:embed="rId4"/>
-            <a:stretch>
-              <a:fillRect/>
-            </a:stretch>
-          </p:blipFill>
-          <p:spPr>
-            <a:xfrm flipH="1" flipV="1">
-              <a:off x="7895099" y="2289377"/>
-              <a:ext cx="198000" cy="198000"/>
-            </a:xfrm>
-            <a:prstGeom prst="rect">
-              <a:avLst/>
-            </a:prstGeom>
-          </p:spPr>
-        </p:pic>
-        <p:pic>
-          <p:nvPicPr>
-            <p:cNvPr id="272" name="Picture 271" descr="rond.png"/>
-            <p:cNvPicPr>
-              <a:picLocks noChangeAspect="1"/>
-            </p:cNvPicPr>
-            <p:nvPr/>
-          </p:nvPicPr>
-          <p:blipFill>
-            <a:blip r:embed="rId4"/>
-            <a:stretch>
-              <a:fillRect/>
-            </a:stretch>
-          </p:blipFill>
-          <p:spPr>
-            <a:xfrm flipH="1" flipV="1">
-              <a:off x="8093099" y="2279417"/>
-              <a:ext cx="198000" cy="198000"/>
-            </a:xfrm>
-            <a:prstGeom prst="rect">
-              <a:avLst/>
-            </a:prstGeom>
-          </p:spPr>
-        </p:pic>
-        <p:pic>
-          <p:nvPicPr>
-            <p:cNvPr id="273" name="Picture 272" descr="rond.png"/>
-            <p:cNvPicPr>
-              <a:picLocks noChangeAspect="1"/>
-            </p:cNvPicPr>
-            <p:nvPr/>
-          </p:nvPicPr>
-          <p:blipFill>
-            <a:blip r:embed="rId4"/>
-            <a:stretch>
-              <a:fillRect/>
-            </a:stretch>
-          </p:blipFill>
-          <p:spPr>
-            <a:xfrm flipH="1" flipV="1">
-              <a:off x="8279519" y="2284397"/>
-              <a:ext cx="198000" cy="198000"/>
-            </a:xfrm>
-            <a:prstGeom prst="rect">
-              <a:avLst/>
-            </a:prstGeom>
-          </p:spPr>
-        </p:pic>
-        <p:pic>
-          <p:nvPicPr>
-            <p:cNvPr id="274" name="Picture 273" descr="rond.png"/>
-            <p:cNvPicPr>
-              <a:picLocks noChangeAspect="1"/>
-            </p:cNvPicPr>
-            <p:nvPr/>
-          </p:nvPicPr>
-          <p:blipFill>
-            <a:blip r:embed="rId4"/>
-            <a:stretch>
-              <a:fillRect/>
-            </a:stretch>
-          </p:blipFill>
-          <p:spPr>
-            <a:xfrm flipH="1" flipV="1">
-              <a:off x="8477519" y="2279417"/>
-              <a:ext cx="198000" cy="198000"/>
-            </a:xfrm>
-            <a:prstGeom prst="rect">
-              <a:avLst/>
-            </a:prstGeom>
-          </p:spPr>
-        </p:pic>
-        <p:pic>
-          <p:nvPicPr>
-            <p:cNvPr id="275" name="Picture 274" descr="rond.png"/>
-            <p:cNvPicPr>
-              <a:picLocks noChangeAspect="1"/>
-            </p:cNvPicPr>
-            <p:nvPr/>
-          </p:nvPicPr>
-          <p:blipFill>
-            <a:blip r:embed="rId4"/>
-            <a:stretch>
-              <a:fillRect/>
-            </a:stretch>
-          </p:blipFill>
-          <p:spPr>
-            <a:xfrm flipH="1" flipV="1">
-              <a:off x="8663939" y="2284397"/>
-              <a:ext cx="198000" cy="198000"/>
-            </a:xfrm>
-            <a:prstGeom prst="rect">
-              <a:avLst/>
-            </a:prstGeom>
-          </p:spPr>
-        </p:pic>
-        <p:pic>
-          <p:nvPicPr>
-            <p:cNvPr id="288" name="Picture 287" descr="rond0.png"/>
-            <p:cNvPicPr>
-              <a:picLocks noChangeAspect="1"/>
-            </p:cNvPicPr>
-            <p:nvPr/>
-          </p:nvPicPr>
-          <p:blipFill>
-            <a:blip r:embed="rId7"/>
-            <a:stretch>
-              <a:fillRect/>
-            </a:stretch>
-          </p:blipFill>
-          <p:spPr>
-            <a:xfrm>
-              <a:off x="6915855" y="811577"/>
-              <a:ext cx="198000" cy="198000"/>
-            </a:xfrm>
-            <a:prstGeom prst="rect">
-              <a:avLst/>
-            </a:prstGeom>
-          </p:spPr>
-        </p:pic>
-        <p:pic>
-          <p:nvPicPr>
-            <p:cNvPr id="289" name="Picture 288" descr="rond0.png"/>
-            <p:cNvPicPr>
-              <a:picLocks noChangeAspect="1"/>
-            </p:cNvPicPr>
-            <p:nvPr/>
-          </p:nvPicPr>
-          <p:blipFill>
-            <a:blip r:embed="rId7"/>
-            <a:stretch>
-              <a:fillRect/>
-            </a:stretch>
-          </p:blipFill>
-          <p:spPr>
-            <a:xfrm>
-              <a:off x="6917159" y="1319117"/>
-              <a:ext cx="198000" cy="198000"/>
-            </a:xfrm>
-            <a:prstGeom prst="rect">
-              <a:avLst/>
-            </a:prstGeom>
-          </p:spPr>
-        </p:pic>
-        <p:pic>
-          <p:nvPicPr>
-            <p:cNvPr id="290" name="Picture 289" descr="rond2.png"/>
-            <p:cNvPicPr>
-              <a:picLocks noChangeAspect="1"/>
-            </p:cNvPicPr>
-            <p:nvPr/>
-          </p:nvPicPr>
-          <p:blipFill>
-            <a:blip r:embed="rId5"/>
-            <a:stretch>
-              <a:fillRect/>
-            </a:stretch>
-          </p:blipFill>
-          <p:spPr>
-            <a:xfrm>
-              <a:off x="7904921" y="1830434"/>
-              <a:ext cx="198000" cy="198000"/>
-            </a:xfrm>
-            <a:prstGeom prst="rect">
-              <a:avLst/>
-            </a:prstGeom>
-          </p:spPr>
-        </p:pic>
-        <p:pic>
-          <p:nvPicPr>
-            <p:cNvPr id="292" name="Picture 291" descr="rond2.png"/>
-            <p:cNvPicPr>
-              <a:picLocks noChangeAspect="1"/>
-            </p:cNvPicPr>
-            <p:nvPr/>
-          </p:nvPicPr>
-          <p:blipFill>
-            <a:blip r:embed="rId5"/>
-            <a:stretch>
-              <a:fillRect/>
-            </a:stretch>
-          </p:blipFill>
-          <p:spPr>
-            <a:xfrm>
-              <a:off x="7137399" y="2298446"/>
-              <a:ext cx="198000" cy="198000"/>
-            </a:xfrm>
-            <a:prstGeom prst="rect">
-              <a:avLst/>
-            </a:prstGeom>
-          </p:spPr>
-        </p:pic>
-        <p:sp>
-          <p:nvSpPr>
-            <p:cNvPr id="137" name="Rectangle 136"/>
-            <p:cNvSpPr/>
-            <p:nvPr/>
-          </p:nvSpPr>
-          <p:spPr>
-            <a:xfrm>
-              <a:off x="102956" y="99125"/>
-              <a:ext cx="2913739" cy="476290"/>
-            </a:xfrm>
-            <a:prstGeom prst="rect">
-              <a:avLst/>
-            </a:prstGeom>
-            <a:solidFill>
-              <a:schemeClr val="bg1"/>
+              <a:srgbClr val="C0EAB9"/>
             </a:solidFill>
             <a:ln>
               <a:solidFill>
-                <a:schemeClr val="tx1"/>
+                <a:srgbClr val="BDE9B5"/>
               </a:solidFill>
             </a:ln>
+            <a:effectLst/>
           </p:spPr>
           <p:style>
             <a:lnRef idx="1">
@@ -6784,88 +6356,356 @@
             </a:p>
           </p:txBody>
         </p:sp>
-        <p:sp>
-          <p:nvSpPr>
-            <p:cNvPr id="280" name="TextBox 279"/>
-            <p:cNvSpPr txBox="1"/>
+        <p:pic>
+          <p:nvPicPr>
+            <p:cNvPr id="135" name="Picture 134" descr="fond_barre.png"/>
+            <p:cNvPicPr>
+              <a:picLocks noChangeAspect="1"/>
+            </p:cNvPicPr>
             <p:nvPr/>
-          </p:nvSpPr>
+          </p:nvPicPr>
+          <p:blipFill>
+            <a:blip r:embed="rId3"/>
+            <a:stretch>
+              <a:fillRect/>
+            </a:stretch>
+          </p:blipFill>
           <p:spPr>
             <a:xfrm>
-              <a:off x="2636543" y="200505"/>
-              <a:ext cx="402832" cy="307777"/>
+              <a:off x="360538" y="4236661"/>
+              <a:ext cx="2705926" cy="381000"/>
             </a:xfrm>
             <a:prstGeom prst="rect">
               <a:avLst/>
             </a:prstGeom>
-            <a:noFill/>
           </p:spPr>
-          <p:txBody>
-            <a:bodyPr wrap="square" rtlCol="0">
-              <a:spAutoFit/>
-            </a:bodyPr>
-            <a:lstStyle/>
-            <a:p>
-              <a:r>
-                <a:rPr lang="en-US" sz="1400" dirty="0" smtClean="0"/>
-                <a:t>1</a:t>
-              </a:r>
-              <a:endParaRPr lang="fr-FR" sz="1400" dirty="0"/>
-            </a:p>
-          </p:txBody>
-        </p:sp>
-        <p:sp>
-          <p:nvSpPr>
-            <p:cNvPr id="138" name="TextBox 137"/>
-            <p:cNvSpPr txBox="1"/>
+        </p:pic>
+        <p:pic>
+          <p:nvPicPr>
+            <p:cNvPr id="153" name="Picture 152" descr="fond_barre.png"/>
+            <p:cNvPicPr>
+              <a:picLocks noChangeAspect="1"/>
+            </p:cNvPicPr>
             <p:nvPr/>
-          </p:nvSpPr>
+          </p:nvPicPr>
+          <p:blipFill>
+            <a:blip r:embed="rId3"/>
+            <a:stretch>
+              <a:fillRect/>
+            </a:stretch>
+          </p:blipFill>
           <p:spPr>
             <a:xfrm>
-              <a:off x="692142" y="138950"/>
-              <a:ext cx="2274538" cy="369332"/>
+              <a:off x="358832" y="4687190"/>
+              <a:ext cx="2705926" cy="381000"/>
             </a:xfrm>
             <a:prstGeom prst="rect">
               <a:avLst/>
             </a:prstGeom>
-            <a:noFill/>
           </p:spPr>
-          <p:txBody>
-            <a:bodyPr wrap="square" rtlCol="0">
-              <a:spAutoFit/>
-            </a:bodyPr>
-            <a:lstStyle/>
-            <a:p>
-              <a:r>
-                <a:rPr lang="fr-FR" dirty="0" smtClean="0"/>
-                <a:t>Vos préférences</a:t>
-              </a:r>
-              <a:endParaRPr lang="fr-FR" dirty="0"/>
-            </a:p>
-          </p:txBody>
-        </p:sp>
+        </p:pic>
+        <p:pic>
+          <p:nvPicPr>
+            <p:cNvPr id="287" name="Picture 286" descr="rond3.png"/>
+            <p:cNvPicPr>
+              <a:picLocks noChangeAspect="1"/>
+            </p:cNvPicPr>
+            <p:nvPr/>
+          </p:nvPicPr>
+          <p:blipFill>
+            <a:blip r:embed="rId8"/>
+            <a:stretch>
+              <a:fillRect/>
+            </a:stretch>
+          </p:blipFill>
+          <p:spPr>
+            <a:xfrm>
+              <a:off x="2753874" y="4300525"/>
+              <a:ext cx="252000" cy="252000"/>
+            </a:xfrm>
+            <a:prstGeom prst="rect">
+              <a:avLst/>
+            </a:prstGeom>
+          </p:spPr>
+        </p:pic>
+        <p:pic>
+          <p:nvPicPr>
+            <p:cNvPr id="129" name="Picture 128" descr="rond.png"/>
+            <p:cNvPicPr>
+              <a:picLocks noChangeAspect="1"/>
+            </p:cNvPicPr>
+            <p:nvPr/>
+          </p:nvPicPr>
+          <p:blipFill>
+            <a:blip r:embed="rId4"/>
+            <a:stretch>
+              <a:fillRect/>
+            </a:stretch>
+          </p:blipFill>
+          <p:spPr>
+            <a:xfrm flipH="1" flipV="1">
+              <a:off x="2512184" y="4300525"/>
+              <a:ext cx="252000" cy="252000"/>
+            </a:xfrm>
+            <a:prstGeom prst="rect">
+              <a:avLst/>
+            </a:prstGeom>
+          </p:spPr>
+        </p:pic>
+        <p:pic>
+          <p:nvPicPr>
+            <p:cNvPr id="154" name="Picture 153" descr="rond.png"/>
+            <p:cNvPicPr>
+              <a:picLocks noChangeAspect="1"/>
+            </p:cNvPicPr>
+            <p:nvPr/>
+          </p:nvPicPr>
+          <p:blipFill>
+            <a:blip r:embed="rId4"/>
+            <a:stretch>
+              <a:fillRect/>
+            </a:stretch>
+          </p:blipFill>
+          <p:spPr>
+            <a:xfrm flipH="1" flipV="1">
+              <a:off x="371393" y="4301797"/>
+              <a:ext cx="252000" cy="252000"/>
+            </a:xfrm>
+            <a:prstGeom prst="rect">
+              <a:avLst/>
+            </a:prstGeom>
+          </p:spPr>
+        </p:pic>
+        <p:pic>
+          <p:nvPicPr>
+            <p:cNvPr id="155" name="Picture 154" descr="rond.png"/>
+            <p:cNvPicPr>
+              <a:picLocks noChangeAspect="1"/>
+            </p:cNvPicPr>
+            <p:nvPr/>
+          </p:nvPicPr>
+          <p:blipFill>
+            <a:blip r:embed="rId4"/>
+            <a:stretch>
+              <a:fillRect/>
+            </a:stretch>
+          </p:blipFill>
+          <p:spPr>
+            <a:xfrm flipH="1" flipV="1">
+              <a:off x="608901" y="4301797"/>
+              <a:ext cx="252000" cy="252000"/>
+            </a:xfrm>
+            <a:prstGeom prst="rect">
+              <a:avLst/>
+            </a:prstGeom>
+          </p:spPr>
+        </p:pic>
+        <p:pic>
+          <p:nvPicPr>
+            <p:cNvPr id="156" name="Picture 155" descr="rond.png"/>
+            <p:cNvPicPr>
+              <a:picLocks noChangeAspect="1"/>
+            </p:cNvPicPr>
+            <p:nvPr/>
+          </p:nvPicPr>
+          <p:blipFill>
+            <a:blip r:embed="rId4"/>
+            <a:stretch>
+              <a:fillRect/>
+            </a:stretch>
+          </p:blipFill>
+          <p:spPr>
+            <a:xfrm flipH="1" flipV="1">
+              <a:off x="843794" y="4301797"/>
+              <a:ext cx="252000" cy="252000"/>
+            </a:xfrm>
+            <a:prstGeom prst="rect">
+              <a:avLst/>
+            </a:prstGeom>
+          </p:spPr>
+        </p:pic>
+        <p:pic>
+          <p:nvPicPr>
+            <p:cNvPr id="158" name="Picture 157" descr="rond.png"/>
+            <p:cNvPicPr>
+              <a:picLocks noChangeAspect="1"/>
+            </p:cNvPicPr>
+            <p:nvPr/>
+          </p:nvPicPr>
+          <p:blipFill>
+            <a:blip r:embed="rId4"/>
+            <a:stretch>
+              <a:fillRect/>
+            </a:stretch>
+          </p:blipFill>
+          <p:spPr>
+            <a:xfrm flipH="1" flipV="1">
+              <a:off x="1081289" y="4301797"/>
+              <a:ext cx="252000" cy="252000"/>
+            </a:xfrm>
+            <a:prstGeom prst="rect">
+              <a:avLst/>
+            </a:prstGeom>
+          </p:spPr>
+        </p:pic>
+        <p:pic>
+          <p:nvPicPr>
+            <p:cNvPr id="159" name="Picture 158" descr="rond.png"/>
+            <p:cNvPicPr>
+              <a:picLocks noChangeAspect="1"/>
+            </p:cNvPicPr>
+            <p:nvPr/>
+          </p:nvPicPr>
+          <p:blipFill>
+            <a:blip r:embed="rId4"/>
+            <a:stretch>
+              <a:fillRect/>
+            </a:stretch>
+          </p:blipFill>
+          <p:spPr>
+            <a:xfrm flipH="1" flipV="1">
+              <a:off x="1322434" y="4301797"/>
+              <a:ext cx="252000" cy="252000"/>
+            </a:xfrm>
+            <a:prstGeom prst="rect">
+              <a:avLst/>
+            </a:prstGeom>
+          </p:spPr>
+        </p:pic>
+        <p:pic>
+          <p:nvPicPr>
+            <p:cNvPr id="160" name="Picture 159" descr="rond.png"/>
+            <p:cNvPicPr>
+              <a:picLocks noChangeAspect="1"/>
+            </p:cNvPicPr>
+            <p:nvPr/>
+          </p:nvPicPr>
+          <p:blipFill>
+            <a:blip r:embed="rId4"/>
+            <a:stretch>
+              <a:fillRect/>
+            </a:stretch>
+          </p:blipFill>
+          <p:spPr>
+            <a:xfrm flipH="1" flipV="1">
+              <a:off x="1559294" y="4301797"/>
+              <a:ext cx="252000" cy="252000"/>
+            </a:xfrm>
+            <a:prstGeom prst="rect">
+              <a:avLst/>
+            </a:prstGeom>
+          </p:spPr>
+        </p:pic>
+        <p:pic>
+          <p:nvPicPr>
+            <p:cNvPr id="161" name="Picture 160" descr="rond.png"/>
+            <p:cNvPicPr>
+              <a:picLocks noChangeAspect="1"/>
+            </p:cNvPicPr>
+            <p:nvPr/>
+          </p:nvPicPr>
+          <p:blipFill>
+            <a:blip r:embed="rId4"/>
+            <a:stretch>
+              <a:fillRect/>
+            </a:stretch>
+          </p:blipFill>
+          <p:spPr>
+            <a:xfrm flipH="1" flipV="1">
+              <a:off x="1812519" y="4301797"/>
+              <a:ext cx="252000" cy="252000"/>
+            </a:xfrm>
+            <a:prstGeom prst="rect">
+              <a:avLst/>
+            </a:prstGeom>
+          </p:spPr>
+        </p:pic>
+        <p:pic>
+          <p:nvPicPr>
+            <p:cNvPr id="162" name="Picture 161" descr="rond.png"/>
+            <p:cNvPicPr>
+              <a:picLocks noChangeAspect="1"/>
+            </p:cNvPicPr>
+            <p:nvPr/>
+          </p:nvPicPr>
+          <p:blipFill>
+            <a:blip r:embed="rId4"/>
+            <a:stretch>
+              <a:fillRect/>
+            </a:stretch>
+          </p:blipFill>
+          <p:spPr>
+            <a:xfrm flipH="1" flipV="1">
+              <a:off x="2059369" y="4300525"/>
+              <a:ext cx="252000" cy="252000"/>
+            </a:xfrm>
+            <a:prstGeom prst="rect">
+              <a:avLst/>
+            </a:prstGeom>
+          </p:spPr>
+        </p:pic>
+        <p:pic>
+          <p:nvPicPr>
+            <p:cNvPr id="163" name="Picture 162" descr="rond.png"/>
+            <p:cNvPicPr>
+              <a:picLocks noChangeAspect="1"/>
+            </p:cNvPicPr>
+            <p:nvPr/>
+          </p:nvPicPr>
+          <p:blipFill>
+            <a:blip r:embed="rId4"/>
+            <a:stretch>
+              <a:fillRect/>
+            </a:stretch>
+          </p:blipFill>
+          <p:spPr>
+            <a:xfrm flipH="1" flipV="1">
+              <a:off x="2281894" y="4300525"/>
+              <a:ext cx="252000" cy="252000"/>
+            </a:xfrm>
+            <a:prstGeom prst="rect">
+              <a:avLst/>
+            </a:prstGeom>
+          </p:spPr>
+        </p:pic>
+      </p:grpSp>
+      <p:grpSp>
+        <p:nvGrpSpPr>
+          <p:cNvPr id="165" name="Group 164"/>
+          <p:cNvGrpSpPr/>
+          <p:nvPr/>
+        </p:nvGrpSpPr>
+        <p:grpSpPr>
+          <a:xfrm>
+            <a:off x="3523394" y="4121268"/>
+            <a:ext cx="3002180" cy="1181100"/>
+            <a:chOff x="247234" y="4121268"/>
+            <a:chExt cx="3002180" cy="1181100"/>
+          </a:xfrm>
+        </p:grpSpPr>
         <p:sp>
           <p:nvSpPr>
-            <p:cNvPr id="139" name="Rectangle 138"/>
+            <p:cNvPr id="166" name="Rectangle 165"/>
             <p:cNvSpPr/>
             <p:nvPr/>
           </p:nvSpPr>
           <p:spPr>
             <a:xfrm>
-              <a:off x="3073720" y="99125"/>
-              <a:ext cx="2913739" cy="476290"/>
+              <a:off x="247234" y="4121268"/>
+              <a:ext cx="3002180" cy="1181100"/>
             </a:xfrm>
             <a:prstGeom prst="rect">
               <a:avLst/>
             </a:prstGeom>
             <a:solidFill>
-              <a:schemeClr val="bg1"/>
+              <a:srgbClr val="C0EAB9"/>
             </a:solidFill>
             <a:ln>
               <a:solidFill>
-                <a:schemeClr val="tx1"/>
+                <a:srgbClr val="BDE9B5"/>
               </a:solidFill>
             </a:ln>
+            <a:effectLst/>
           </p:spPr>
           <p:style>
             <a:lnRef idx="1">
@@ -6890,173 +6730,607 @@
             </a:p>
           </p:txBody>
         </p:sp>
-        <p:sp>
-          <p:nvSpPr>
-            <p:cNvPr id="140" name="TextBox 139"/>
-            <p:cNvSpPr txBox="1"/>
+        <p:pic>
+          <p:nvPicPr>
+            <p:cNvPr id="167" name="Picture 166" descr="fond_barre.png"/>
+            <p:cNvPicPr>
+              <a:picLocks noChangeAspect="1"/>
+            </p:cNvPicPr>
             <p:nvPr/>
-          </p:nvSpPr>
+          </p:nvPicPr>
+          <p:blipFill>
+            <a:blip r:embed="rId3"/>
+            <a:stretch>
+              <a:fillRect/>
+            </a:stretch>
+          </p:blipFill>
           <p:spPr>
             <a:xfrm>
-              <a:off x="3651566" y="138950"/>
-              <a:ext cx="2274538" cy="369332"/>
+              <a:off x="360538" y="4236661"/>
+              <a:ext cx="2705926" cy="381000"/>
             </a:xfrm>
             <a:prstGeom prst="rect">
               <a:avLst/>
             </a:prstGeom>
-            <a:noFill/>
           </p:spPr>
-          <p:txBody>
-            <a:bodyPr wrap="square" rtlCol="0">
-              <a:spAutoFit/>
-            </a:bodyPr>
-            <a:lstStyle/>
-            <a:p>
-              <a:r>
-                <a:rPr lang="fr-FR" dirty="0" smtClean="0"/>
-                <a:t>Vos préférences</a:t>
-              </a:r>
-              <a:endParaRPr lang="fr-FR" dirty="0"/>
-            </a:p>
-          </p:txBody>
-        </p:sp>
-        <p:sp>
-          <p:nvSpPr>
-            <p:cNvPr id="281" name="TextBox 280"/>
-            <p:cNvSpPr txBox="1"/>
+        </p:pic>
+        <p:pic>
+          <p:nvPicPr>
+            <p:cNvPr id="169" name="Picture 168" descr="fond_barre.png"/>
+            <p:cNvPicPr>
+              <a:picLocks noChangeAspect="1"/>
+            </p:cNvPicPr>
             <p:nvPr/>
-          </p:nvSpPr>
+          </p:nvPicPr>
+          <p:blipFill>
+            <a:blip r:embed="rId3"/>
+            <a:stretch>
+              <a:fillRect/>
+            </a:stretch>
+          </p:blipFill>
           <p:spPr>
             <a:xfrm>
-              <a:off x="5765639" y="189165"/>
-              <a:ext cx="893366" cy="307777"/>
+              <a:off x="358832" y="4687190"/>
+              <a:ext cx="2705926" cy="381000"/>
             </a:xfrm>
             <a:prstGeom prst="rect">
               <a:avLst/>
             </a:prstGeom>
-            <a:noFill/>
           </p:spPr>
-          <p:txBody>
-            <a:bodyPr wrap="square" rtlCol="0">
-              <a:spAutoFit/>
-            </a:bodyPr>
-            <a:lstStyle/>
-            <a:p>
-              <a:r>
-                <a:rPr lang="en-US" sz="1400" dirty="0" smtClean="0"/>
-                <a:t>2</a:t>
-              </a:r>
-              <a:endParaRPr lang="fr-FR" sz="1400" dirty="0"/>
-            </a:p>
-          </p:txBody>
-        </p:sp>
-        <p:sp>
-          <p:nvSpPr>
-            <p:cNvPr id="143" name="Rectangle 142"/>
-            <p:cNvSpPr/>
+        </p:pic>
+        <p:pic>
+          <p:nvPicPr>
+            <p:cNvPr id="171" name="Picture 170" descr="rond.png"/>
+            <p:cNvPicPr>
+              <a:picLocks noChangeAspect="1"/>
+            </p:cNvPicPr>
             <p:nvPr/>
-          </p:nvSpPr>
+          </p:nvPicPr>
+          <p:blipFill>
+            <a:blip r:embed="rId4"/>
+            <a:stretch>
+              <a:fillRect/>
+            </a:stretch>
+          </p:blipFill>
           <p:spPr>
-            <a:xfrm>
-              <a:off x="6051699" y="99125"/>
-              <a:ext cx="2913739" cy="476290"/>
+            <a:xfrm flipH="1" flipV="1">
+              <a:off x="2512184" y="4300525"/>
+              <a:ext cx="252000" cy="252000"/>
             </a:xfrm>
             <a:prstGeom prst="rect">
               <a:avLst/>
             </a:prstGeom>
-            <a:solidFill>
-              <a:schemeClr val="bg1"/>
-            </a:solidFill>
-            <a:ln>
-              <a:solidFill>
-                <a:schemeClr val="tx1"/>
-              </a:solidFill>
-            </a:ln>
           </p:spPr>
-          <p:style>
-            <a:lnRef idx="1">
-              <a:schemeClr val="accent1"/>
-            </a:lnRef>
-            <a:fillRef idx="3">
-              <a:schemeClr val="accent1"/>
-            </a:fillRef>
-            <a:effectRef idx="2">
-              <a:schemeClr val="accent1"/>
-            </a:effectRef>
-            <a:fontRef idx="minor">
-              <a:schemeClr val="lt1"/>
-            </a:fontRef>
-          </p:style>
-          <p:txBody>
-            <a:bodyPr rtlCol="0" anchor="ctr"/>
-            <a:lstStyle/>
-            <a:p>
-              <a:pPr algn="ctr"/>
-              <a:endParaRPr lang="fr-FR"/>
-            </a:p>
-          </p:txBody>
-        </p:sp>
-        <p:sp>
-          <p:nvSpPr>
-            <p:cNvPr id="144" name="TextBox 143"/>
-            <p:cNvSpPr txBox="1"/>
+        </p:pic>
+        <p:pic>
+          <p:nvPicPr>
+            <p:cNvPr id="172" name="Picture 171" descr="rond.png"/>
+            <p:cNvPicPr>
+              <a:picLocks noChangeAspect="1"/>
+            </p:cNvPicPr>
             <p:nvPr/>
-          </p:nvSpPr>
+          </p:nvPicPr>
+          <p:blipFill>
+            <a:blip r:embed="rId4"/>
+            <a:stretch>
+              <a:fillRect/>
+            </a:stretch>
+          </p:blipFill>
           <p:spPr>
-            <a:xfrm>
-              <a:off x="6638881" y="128517"/>
-              <a:ext cx="2274538" cy="369332"/>
+            <a:xfrm flipH="1" flipV="1">
+              <a:off x="2743528" y="4300525"/>
+              <a:ext cx="252000" cy="252000"/>
             </a:xfrm>
             <a:prstGeom prst="rect">
               <a:avLst/>
             </a:prstGeom>
-            <a:noFill/>
           </p:spPr>
-          <p:txBody>
-            <a:bodyPr wrap="square" rtlCol="0">
-              <a:spAutoFit/>
-            </a:bodyPr>
-            <a:lstStyle/>
-            <a:p>
-              <a:r>
-                <a:rPr lang="fr-FR" dirty="0" smtClean="0"/>
-                <a:t>Vos préférences</a:t>
-              </a:r>
-              <a:endParaRPr lang="fr-FR" dirty="0"/>
-            </a:p>
-          </p:txBody>
-        </p:sp>
-        <p:sp>
-          <p:nvSpPr>
-            <p:cNvPr id="147" name="TextBox 146"/>
-            <p:cNvSpPr txBox="1"/>
+        </p:pic>
+        <p:pic>
+          <p:nvPicPr>
+            <p:cNvPr id="173" name="Picture 172" descr="rond.png"/>
+            <p:cNvPicPr>
+              <a:picLocks noChangeAspect="1"/>
+            </p:cNvPicPr>
             <p:nvPr/>
-          </p:nvSpPr>
+          </p:nvPicPr>
+          <p:blipFill>
+            <a:blip r:embed="rId4"/>
+            <a:stretch>
+              <a:fillRect/>
+            </a:stretch>
+          </p:blipFill>
           <p:spPr>
-            <a:xfrm>
-              <a:off x="8720621" y="197732"/>
-              <a:ext cx="893366" cy="307777"/>
+            <a:xfrm flipH="1" flipV="1">
+              <a:off x="608901" y="4301797"/>
+              <a:ext cx="252000" cy="252000"/>
             </a:xfrm>
             <a:prstGeom prst="rect">
               <a:avLst/>
             </a:prstGeom>
-            <a:noFill/>
           </p:spPr>
-          <p:txBody>
-            <a:bodyPr wrap="square" rtlCol="0">
-              <a:spAutoFit/>
-            </a:bodyPr>
-            <a:lstStyle/>
-            <a:p>
-              <a:r>
-                <a:rPr lang="en-US" sz="1400" dirty="0" smtClean="0"/>
-                <a:t>3</a:t>
-              </a:r>
-              <a:endParaRPr lang="fr-FR" sz="1400" dirty="0"/>
-            </a:p>
-          </p:txBody>
-        </p:sp>
+        </p:pic>
+        <p:pic>
+          <p:nvPicPr>
+            <p:cNvPr id="174" name="Picture 173" descr="rond.png"/>
+            <p:cNvPicPr>
+              <a:picLocks noChangeAspect="1"/>
+            </p:cNvPicPr>
+            <p:nvPr/>
+          </p:nvPicPr>
+          <p:blipFill>
+            <a:blip r:embed="rId4"/>
+            <a:stretch>
+              <a:fillRect/>
+            </a:stretch>
+          </p:blipFill>
+          <p:spPr>
+            <a:xfrm flipH="1" flipV="1">
+              <a:off x="843794" y="4301797"/>
+              <a:ext cx="252000" cy="252000"/>
+            </a:xfrm>
+            <a:prstGeom prst="rect">
+              <a:avLst/>
+            </a:prstGeom>
+          </p:spPr>
+        </p:pic>
+        <p:pic>
+          <p:nvPicPr>
+            <p:cNvPr id="175" name="Picture 174" descr="rond.png"/>
+            <p:cNvPicPr>
+              <a:picLocks noChangeAspect="1"/>
+            </p:cNvPicPr>
+            <p:nvPr/>
+          </p:nvPicPr>
+          <p:blipFill>
+            <a:blip r:embed="rId4"/>
+            <a:stretch>
+              <a:fillRect/>
+            </a:stretch>
+          </p:blipFill>
+          <p:spPr>
+            <a:xfrm flipH="1" flipV="1">
+              <a:off x="1081289" y="4301797"/>
+              <a:ext cx="252000" cy="252000"/>
+            </a:xfrm>
+            <a:prstGeom prst="rect">
+              <a:avLst/>
+            </a:prstGeom>
+          </p:spPr>
+        </p:pic>
+        <p:pic>
+          <p:nvPicPr>
+            <p:cNvPr id="176" name="Picture 175" descr="rond.png"/>
+            <p:cNvPicPr>
+              <a:picLocks noChangeAspect="1"/>
+            </p:cNvPicPr>
+            <p:nvPr/>
+          </p:nvPicPr>
+          <p:blipFill>
+            <a:blip r:embed="rId4"/>
+            <a:stretch>
+              <a:fillRect/>
+            </a:stretch>
+          </p:blipFill>
+          <p:spPr>
+            <a:xfrm flipH="1" flipV="1">
+              <a:off x="1322434" y="4301797"/>
+              <a:ext cx="252000" cy="252000"/>
+            </a:xfrm>
+            <a:prstGeom prst="rect">
+              <a:avLst/>
+            </a:prstGeom>
+          </p:spPr>
+        </p:pic>
+        <p:pic>
+          <p:nvPicPr>
+            <p:cNvPr id="177" name="Picture 176" descr="rond.png"/>
+            <p:cNvPicPr>
+              <a:picLocks noChangeAspect="1"/>
+            </p:cNvPicPr>
+            <p:nvPr/>
+          </p:nvPicPr>
+          <p:blipFill>
+            <a:blip r:embed="rId4"/>
+            <a:stretch>
+              <a:fillRect/>
+            </a:stretch>
+          </p:blipFill>
+          <p:spPr>
+            <a:xfrm flipH="1" flipV="1">
+              <a:off x="1559294" y="4301797"/>
+              <a:ext cx="252000" cy="252000"/>
+            </a:xfrm>
+            <a:prstGeom prst="rect">
+              <a:avLst/>
+            </a:prstGeom>
+          </p:spPr>
+        </p:pic>
+        <p:pic>
+          <p:nvPicPr>
+            <p:cNvPr id="178" name="Picture 177" descr="rond.png"/>
+            <p:cNvPicPr>
+              <a:picLocks noChangeAspect="1"/>
+            </p:cNvPicPr>
+            <p:nvPr/>
+          </p:nvPicPr>
+          <p:blipFill>
+            <a:blip r:embed="rId4"/>
+            <a:stretch>
+              <a:fillRect/>
+            </a:stretch>
+          </p:blipFill>
+          <p:spPr>
+            <a:xfrm flipH="1" flipV="1">
+              <a:off x="1812519" y="4301797"/>
+              <a:ext cx="252000" cy="252000"/>
+            </a:xfrm>
+            <a:prstGeom prst="rect">
+              <a:avLst/>
+            </a:prstGeom>
+          </p:spPr>
+        </p:pic>
+        <p:pic>
+          <p:nvPicPr>
+            <p:cNvPr id="179" name="Picture 178" descr="rond.png"/>
+            <p:cNvPicPr>
+              <a:picLocks noChangeAspect="1"/>
+            </p:cNvPicPr>
+            <p:nvPr/>
+          </p:nvPicPr>
+          <p:blipFill>
+            <a:blip r:embed="rId4"/>
+            <a:stretch>
+              <a:fillRect/>
+            </a:stretch>
+          </p:blipFill>
+          <p:spPr>
+            <a:xfrm flipH="1" flipV="1">
+              <a:off x="2059369" y="4300525"/>
+              <a:ext cx="252000" cy="252000"/>
+            </a:xfrm>
+            <a:prstGeom prst="rect">
+              <a:avLst/>
+            </a:prstGeom>
+          </p:spPr>
+        </p:pic>
+        <p:pic>
+          <p:nvPicPr>
+            <p:cNvPr id="180" name="Picture 179" descr="rond.png"/>
+            <p:cNvPicPr>
+              <a:picLocks noChangeAspect="1"/>
+            </p:cNvPicPr>
+            <p:nvPr/>
+          </p:nvPicPr>
+          <p:blipFill>
+            <a:blip r:embed="rId4"/>
+            <a:stretch>
+              <a:fillRect/>
+            </a:stretch>
+          </p:blipFill>
+          <p:spPr>
+            <a:xfrm flipH="1" flipV="1">
+              <a:off x="2281894" y="4300525"/>
+              <a:ext cx="252000" cy="252000"/>
+            </a:xfrm>
+            <a:prstGeom prst="rect">
+              <a:avLst/>
+            </a:prstGeom>
+          </p:spPr>
+        </p:pic>
       </p:grpSp>
+      <p:pic>
+        <p:nvPicPr>
+          <p:cNvPr id="288" name="Picture 287" descr="rond0.png"/>
+          <p:cNvPicPr>
+            <a:picLocks noChangeAspect="1"/>
+          </p:cNvPicPr>
+          <p:nvPr/>
+        </p:nvPicPr>
+        <p:blipFill>
+          <a:blip r:embed="rId6"/>
+          <a:stretch>
+            <a:fillRect/>
+          </a:stretch>
+        </p:blipFill>
+        <p:spPr>
+          <a:xfrm>
+            <a:off x="3658188" y="4301797"/>
+            <a:ext cx="252000" cy="252000"/>
+          </a:xfrm>
+          <a:prstGeom prst="rect">
+            <a:avLst/>
+          </a:prstGeom>
+        </p:spPr>
+      </p:pic>
+      <p:pic>
+        <p:nvPicPr>
+          <p:cNvPr id="181" name="Picture 180" descr="100212-211220-shiretoko-3.5-windows-xp-6ddd5120cad26be6518a3f07a01bb906 2.png"/>
+          <p:cNvPicPr>
+            <a:picLocks noChangeAspect="1"/>
+          </p:cNvPicPr>
+          <p:nvPr/>
+        </p:nvPicPr>
+        <p:blipFill>
+          <a:blip r:embed="rId9"/>
+          <a:stretch>
+            <a:fillRect/>
+          </a:stretch>
+        </p:blipFill>
+        <p:spPr>
+          <a:xfrm>
+            <a:off x="742094" y="1794969"/>
+            <a:ext cx="2781300" cy="787400"/>
+          </a:xfrm>
+          <a:prstGeom prst="rect">
+            <a:avLst/>
+          </a:prstGeom>
+        </p:spPr>
+      </p:pic>
+      <p:pic>
+        <p:nvPicPr>
+          <p:cNvPr id="147" name="Picture 146" descr="rond.png"/>
+          <p:cNvPicPr>
+            <a:picLocks noChangeAspect="1"/>
+          </p:cNvPicPr>
+          <p:nvPr/>
+        </p:nvPicPr>
+        <p:blipFill>
+          <a:blip r:embed="rId4"/>
+          <a:stretch>
+            <a:fillRect/>
+          </a:stretch>
+        </p:blipFill>
+        <p:spPr>
+          <a:xfrm flipH="1" flipV="1">
+            <a:off x="5795889" y="4747077"/>
+            <a:ext cx="252000" cy="252000"/>
+          </a:xfrm>
+          <a:prstGeom prst="rect">
+            <a:avLst/>
+          </a:prstGeom>
+        </p:spPr>
+      </p:pic>
+      <p:pic>
+        <p:nvPicPr>
+          <p:cNvPr id="148" name="Picture 147" descr="rond.png"/>
+          <p:cNvPicPr>
+            <a:picLocks noChangeAspect="1"/>
+          </p:cNvPicPr>
+          <p:nvPr/>
+        </p:nvPicPr>
+        <p:blipFill>
+          <a:blip r:embed="rId4"/>
+          <a:stretch>
+            <a:fillRect/>
+          </a:stretch>
+        </p:blipFill>
+        <p:spPr>
+          <a:xfrm flipH="1" flipV="1">
+            <a:off x="6027233" y="4747077"/>
+            <a:ext cx="252000" cy="252000"/>
+          </a:xfrm>
+          <a:prstGeom prst="rect">
+            <a:avLst/>
+          </a:prstGeom>
+        </p:spPr>
+      </p:pic>
+      <p:pic>
+        <p:nvPicPr>
+          <p:cNvPr id="151" name="Picture 150" descr="rond.png"/>
+          <p:cNvPicPr>
+            <a:picLocks noChangeAspect="1"/>
+          </p:cNvPicPr>
+          <p:nvPr/>
+        </p:nvPicPr>
+        <p:blipFill>
+          <a:blip r:embed="rId4"/>
+          <a:stretch>
+            <a:fillRect/>
+          </a:stretch>
+        </p:blipFill>
+        <p:spPr>
+          <a:xfrm flipH="1" flipV="1">
+            <a:off x="4127499" y="4748349"/>
+            <a:ext cx="252000" cy="252000"/>
+          </a:xfrm>
+          <a:prstGeom prst="rect">
+            <a:avLst/>
+          </a:prstGeom>
+        </p:spPr>
+      </p:pic>
+      <p:pic>
+        <p:nvPicPr>
+          <p:cNvPr id="152" name="Picture 151" descr="rond.png"/>
+          <p:cNvPicPr>
+            <a:picLocks noChangeAspect="1"/>
+          </p:cNvPicPr>
+          <p:nvPr/>
+        </p:nvPicPr>
+        <p:blipFill>
+          <a:blip r:embed="rId4"/>
+          <a:stretch>
+            <a:fillRect/>
+          </a:stretch>
+        </p:blipFill>
+        <p:spPr>
+          <a:xfrm flipH="1" flipV="1">
+            <a:off x="4364994" y="4748349"/>
+            <a:ext cx="252000" cy="252000"/>
+          </a:xfrm>
+          <a:prstGeom prst="rect">
+            <a:avLst/>
+          </a:prstGeom>
+        </p:spPr>
+      </p:pic>
+      <p:pic>
+        <p:nvPicPr>
+          <p:cNvPr id="170" name="Picture 169" descr="rond.png"/>
+          <p:cNvPicPr>
+            <a:picLocks noChangeAspect="1"/>
+          </p:cNvPicPr>
+          <p:nvPr/>
+        </p:nvPicPr>
+        <p:blipFill>
+          <a:blip r:embed="rId4"/>
+          <a:stretch>
+            <a:fillRect/>
+          </a:stretch>
+        </p:blipFill>
+        <p:spPr>
+          <a:xfrm flipH="1" flipV="1">
+            <a:off x="4606139" y="4748349"/>
+            <a:ext cx="252000" cy="252000"/>
+          </a:xfrm>
+          <a:prstGeom prst="rect">
+            <a:avLst/>
+          </a:prstGeom>
+        </p:spPr>
+      </p:pic>
+      <p:pic>
+        <p:nvPicPr>
+          <p:cNvPr id="182" name="Picture 181" descr="rond.png"/>
+          <p:cNvPicPr>
+            <a:picLocks noChangeAspect="1"/>
+          </p:cNvPicPr>
+          <p:nvPr/>
+        </p:nvPicPr>
+        <p:blipFill>
+          <a:blip r:embed="rId4"/>
+          <a:stretch>
+            <a:fillRect/>
+          </a:stretch>
+        </p:blipFill>
+        <p:spPr>
+          <a:xfrm flipH="1" flipV="1">
+            <a:off x="4842999" y="4748349"/>
+            <a:ext cx="252000" cy="252000"/>
+          </a:xfrm>
+          <a:prstGeom prst="rect">
+            <a:avLst/>
+          </a:prstGeom>
+        </p:spPr>
+      </p:pic>
+      <p:pic>
+        <p:nvPicPr>
+          <p:cNvPr id="183" name="Picture 182" descr="rond.png"/>
+          <p:cNvPicPr>
+            <a:picLocks noChangeAspect="1"/>
+          </p:cNvPicPr>
+          <p:nvPr/>
+        </p:nvPicPr>
+        <p:blipFill>
+          <a:blip r:embed="rId4"/>
+          <a:stretch>
+            <a:fillRect/>
+          </a:stretch>
+        </p:blipFill>
+        <p:spPr>
+          <a:xfrm flipH="1" flipV="1">
+            <a:off x="5096224" y="4748349"/>
+            <a:ext cx="252000" cy="252000"/>
+          </a:xfrm>
+          <a:prstGeom prst="rect">
+            <a:avLst/>
+          </a:prstGeom>
+        </p:spPr>
+      </p:pic>
+      <p:pic>
+        <p:nvPicPr>
+          <p:cNvPr id="184" name="Picture 183" descr="rond.png"/>
+          <p:cNvPicPr>
+            <a:picLocks noChangeAspect="1"/>
+          </p:cNvPicPr>
+          <p:nvPr/>
+        </p:nvPicPr>
+        <p:blipFill>
+          <a:blip r:embed="rId4"/>
+          <a:stretch>
+            <a:fillRect/>
+          </a:stretch>
+        </p:blipFill>
+        <p:spPr>
+          <a:xfrm flipH="1" flipV="1">
+            <a:off x="5343074" y="4747077"/>
+            <a:ext cx="252000" cy="252000"/>
+          </a:xfrm>
+          <a:prstGeom prst="rect">
+            <a:avLst/>
+          </a:prstGeom>
+        </p:spPr>
+      </p:pic>
+      <p:pic>
+        <p:nvPicPr>
+          <p:cNvPr id="185" name="Picture 184" descr="rond.png"/>
+          <p:cNvPicPr>
+            <a:picLocks noChangeAspect="1"/>
+          </p:cNvPicPr>
+          <p:nvPr/>
+        </p:nvPicPr>
+        <p:blipFill>
+          <a:blip r:embed="rId4"/>
+          <a:stretch>
+            <a:fillRect/>
+          </a:stretch>
+        </p:blipFill>
+        <p:spPr>
+          <a:xfrm flipH="1" flipV="1">
+            <a:off x="5565599" y="4747077"/>
+            <a:ext cx="252000" cy="252000"/>
+          </a:xfrm>
+          <a:prstGeom prst="rect">
+            <a:avLst/>
+          </a:prstGeom>
+        </p:spPr>
+      </p:pic>
+      <p:pic>
+        <p:nvPicPr>
+          <p:cNvPr id="187" name="Picture 186" descr="rond.png"/>
+          <p:cNvPicPr>
+            <a:picLocks noChangeAspect="1"/>
+          </p:cNvPicPr>
+          <p:nvPr/>
+        </p:nvPicPr>
+        <p:blipFill>
+          <a:blip r:embed="rId4"/>
+          <a:stretch>
+            <a:fillRect/>
+          </a:stretch>
+        </p:blipFill>
+        <p:spPr>
+          <a:xfrm flipH="1" flipV="1">
+            <a:off x="3658188" y="4748349"/>
+            <a:ext cx="252000" cy="252000"/>
+          </a:xfrm>
+          <a:prstGeom prst="rect">
+            <a:avLst/>
+          </a:prstGeom>
+        </p:spPr>
+      </p:pic>
+      <p:pic>
+        <p:nvPicPr>
+          <p:cNvPr id="188" name="Picture 187" descr="rond2.png"/>
+          <p:cNvPicPr>
+            <a:picLocks noChangeAspect="1"/>
+          </p:cNvPicPr>
+          <p:nvPr/>
+        </p:nvPicPr>
+        <p:blipFill>
+          <a:blip r:embed="rId5"/>
+          <a:stretch>
+            <a:fillRect/>
+          </a:stretch>
+        </p:blipFill>
+        <p:spPr>
+          <a:xfrm>
+            <a:off x="3889664" y="4747077"/>
+            <a:ext cx="252000" cy="252000"/>
+          </a:xfrm>
+          <a:prstGeom prst="rect">
+            <a:avLst/>
+          </a:prstGeom>
+        </p:spPr>
+      </p:pic>
     </p:spTree>
   </p:cSld>
   <p:clrMapOvr>
